--- a/aitcg090 - Texture.pptx
+++ b/aitcg090 - Texture.pptx
@@ -237,7 +237,7 @@
           <a:p>
             <a:fld id="{5B0DAFD6-FAC2-42B7-869F-67A360C20BEA}" type="datetimeFigureOut">
               <a:rPr lang="en-US" smtClean="0"/>
-              <a:t>2020-03-05</a:t>
+              <a:t>3/31/2020</a:t>
             </a:fld>
             <a:endParaRPr lang="en-US"/>
           </a:p>
@@ -301,38 +301,37 @@
           <a:p>
             <a:pPr lvl="0"/>
             <a:r>
-              <a:rPr lang="en-US" smtClean="0"/>
+              <a:rPr lang="en-US"/>
               <a:t>Click to edit Master text styles</a:t>
             </a:r>
           </a:p>
           <a:p>
             <a:pPr lvl="1"/>
             <a:r>
-              <a:rPr lang="en-US" smtClean="0"/>
+              <a:rPr lang="en-US"/>
               <a:t>Second level</a:t>
             </a:r>
           </a:p>
           <a:p>
             <a:pPr lvl="2"/>
             <a:r>
-              <a:rPr lang="en-US" smtClean="0"/>
+              <a:rPr lang="en-US"/>
               <a:t>Third level</a:t>
             </a:r>
           </a:p>
           <a:p>
             <a:pPr lvl="3"/>
             <a:r>
-              <a:rPr lang="en-US" smtClean="0"/>
+              <a:rPr lang="en-US"/>
               <a:t>Fourth level</a:t>
             </a:r>
           </a:p>
           <a:p>
             <a:pPr lvl="4"/>
             <a:r>
-              <a:rPr lang="en-US" smtClean="0"/>
+              <a:rPr lang="en-US"/>
               <a:t>Fifth level</a:t>
             </a:r>
-            <a:endParaRPr lang="en-US"/>
           </a:p>
         </p:txBody>
       </p:sp>
@@ -555,11 +554,11 @@
           <a:lstStyle/>
           <a:p>
             <a:r>
-              <a:rPr lang="en-US" dirty="0" smtClean="0"/>
+              <a:rPr lang="en-US" dirty="0"/>
               <a:t>If texture mapping is enabled with </a:t>
             </a:r>
             <a:r>
-              <a:rPr lang="hu-HU" b="1" dirty="0" err="1" smtClean="0">
+              <a:rPr lang="hu-HU" b="1" dirty="0" err="1">
                 <a:solidFill>
                   <a:schemeClr val="accent2"/>
                 </a:solidFill>
@@ -567,7 +566,7 @@
               <a:t>glEnable</a:t>
             </a:r>
             <a:r>
-              <a:rPr lang="hu-HU" b="1" dirty="0" smtClean="0">
+              <a:rPr lang="hu-HU" b="1" dirty="0">
                 <a:solidFill>
                   <a:schemeClr val="accent2"/>
                 </a:solidFill>
@@ -575,19 +574,19 @@
               <a:t>(GL_TEXTURE_2D)</a:t>
             </a:r>
             <a:r>
-              <a:rPr lang="en-US" dirty="0" smtClean="0"/>
+              <a:rPr lang="en-US" dirty="0"/>
               <a:t> texture coordinates are interpolated during </a:t>
             </a:r>
             <a:r>
-              <a:rPr lang="en-US" dirty="0" err="1" smtClean="0"/>
+              <a:rPr lang="en-US" dirty="0" err="1"/>
               <a:t>rasterization</a:t>
             </a:r>
             <a:r>
-              <a:rPr lang="en-US" dirty="0" smtClean="0"/>
+              <a:rPr lang="en-US" dirty="0"/>
               <a:t>, and the pixel color will be the color fetched from the texture image using the interpolated texture coordinates as an address. The color interpolated from the colors of the vertices is either ignored in replacing texture environment mode, </a:t>
             </a:r>
             <a:r>
-              <a:rPr lang="hu-HU" b="1" dirty="0" err="1" smtClean="0">
+              <a:rPr lang="hu-HU" b="1" dirty="0" err="1">
                 <a:solidFill>
                   <a:schemeClr val="accent2"/>
                 </a:solidFill>
@@ -595,7 +594,7 @@
               <a:t>glTexEnvi</a:t>
             </a:r>
             <a:r>
-              <a:rPr lang="hu-HU" b="1" dirty="0" smtClean="0">
+              <a:rPr lang="hu-HU" b="1" dirty="0">
                 <a:solidFill>
                   <a:schemeClr val="accent2"/>
                 </a:solidFill>
@@ -603,7 +602,7 @@
               <a:t>(GL_TEXTURE_ENV, GL_TEXTURE_ENV_MODE, </a:t>
             </a:r>
             <a:r>
-              <a:rPr lang="en-US" b="1" dirty="0" smtClean="0">
+              <a:rPr lang="en-US" b="1" dirty="0">
                 <a:solidFill>
                   <a:schemeClr val="accent2"/>
                 </a:solidFill>
@@ -611,7 +610,7 @@
               <a:t> </a:t>
             </a:r>
             <a:r>
-              <a:rPr lang="hu-HU" b="1" u="sng" dirty="0" smtClean="0">
+              <a:rPr lang="hu-HU" b="1" u="sng" dirty="0">
                 <a:solidFill>
                   <a:schemeClr val="accent2"/>
                 </a:solidFill>
@@ -619,7 +618,7 @@
               <a:t>GL_REPLACE</a:t>
             </a:r>
             <a:r>
-              <a:rPr lang="hu-HU" b="1" dirty="0" smtClean="0">
+              <a:rPr lang="hu-HU" b="1" dirty="0">
                 <a:solidFill>
                   <a:schemeClr val="accent2"/>
                 </a:solidFill>
@@ -627,7 +626,7 @@
               <a:t>)</a:t>
             </a:r>
             <a:r>
-              <a:rPr lang="en-US" dirty="0" smtClean="0">
+              <a:rPr lang="en-US" dirty="0">
                 <a:solidFill>
                   <a:schemeClr val="accent2"/>
                 </a:solidFill>
@@ -637,11 +636,11 @@
           </a:p>
           <a:p>
             <a:r>
-              <a:rPr lang="en-US" dirty="0" smtClean="0"/>
+              <a:rPr lang="en-US" dirty="0"/>
               <a:t>or multiplied with the texture color in modulating texture environment mode, </a:t>
             </a:r>
             <a:r>
-              <a:rPr lang="hu-HU" b="1" dirty="0" err="1" smtClean="0">
+              <a:rPr lang="hu-HU" b="1" dirty="0" err="1">
                 <a:solidFill>
                   <a:schemeClr val="accent2"/>
                 </a:solidFill>
@@ -649,7 +648,7 @@
               <a:t>glTexEnvi</a:t>
             </a:r>
             <a:r>
-              <a:rPr lang="hu-HU" b="1" dirty="0" smtClean="0">
+              <a:rPr lang="hu-HU" b="1" dirty="0">
                 <a:solidFill>
                   <a:schemeClr val="accent2"/>
                 </a:solidFill>
@@ -657,7 +656,7 @@
               <a:t>(GL_TEXTURE_ENV, GL_TEXTURE_ENV_MODE, </a:t>
             </a:r>
             <a:r>
-              <a:rPr lang="en-US" b="1" dirty="0" smtClean="0">
+              <a:rPr lang="en-US" b="1" dirty="0">
                 <a:solidFill>
                   <a:schemeClr val="accent2"/>
                 </a:solidFill>
@@ -665,7 +664,7 @@
               <a:t> </a:t>
             </a:r>
             <a:r>
-              <a:rPr lang="hu-HU" b="1" u="sng" dirty="0" smtClean="0">
+              <a:rPr lang="hu-HU" b="1" u="sng" dirty="0">
                 <a:solidFill>
                   <a:schemeClr val="accent2"/>
                 </a:solidFill>
@@ -673,7 +672,7 @@
               <a:t>GL_</a:t>
             </a:r>
             <a:r>
-              <a:rPr lang="en-US" b="1" u="sng" dirty="0" smtClean="0">
+              <a:rPr lang="en-US" b="1" u="sng" dirty="0">
                 <a:solidFill>
                   <a:schemeClr val="accent2"/>
                 </a:solidFill>
@@ -681,7 +680,7 @@
               <a:t>MODULATE</a:t>
             </a:r>
             <a:r>
-              <a:rPr lang="hu-HU" b="1" dirty="0" smtClean="0">
+              <a:rPr lang="hu-HU" b="1" dirty="0">
                 <a:solidFill>
                   <a:schemeClr val="accent2"/>
                 </a:solidFill>
@@ -689,7 +688,7 @@
               <a:t>)</a:t>
             </a:r>
             <a:r>
-              <a:rPr lang="en-US" dirty="0" smtClean="0">
+              <a:rPr lang="en-US" dirty="0">
                 <a:solidFill>
                   <a:schemeClr val="accent2"/>
                 </a:solidFill>
@@ -698,7 +697,7 @@
             </a:r>
           </a:p>
           <a:p>
-            <a:endParaRPr lang="en-US" dirty="0" smtClean="0">
+            <a:endParaRPr lang="en-US" dirty="0">
               <a:solidFill>
                 <a:schemeClr val="accent2"/>
               </a:solidFill>
@@ -706,7 +705,7 @@
           </a:p>
           <a:p>
             <a:r>
-              <a:rPr lang="en-US" dirty="0" smtClean="0">
+              <a:rPr lang="en-US" dirty="0">
                 <a:solidFill>
                   <a:schemeClr val="accent2"/>
                 </a:solidFill>
@@ -714,7 +713,7 @@
               <a:t>OpenGL may simultaneously store many textures, so we should select which texture to be applied or which texture is to be modified by  </a:t>
             </a:r>
             <a:r>
-              <a:rPr lang="hu-HU" b="1" dirty="0" err="1" smtClean="0">
+              <a:rPr lang="hu-HU" b="1" dirty="0" err="1">
                 <a:solidFill>
                   <a:schemeClr val="accent2"/>
                 </a:solidFill>
@@ -722,7 +721,7 @@
               <a:t>glBindTexture</a:t>
             </a:r>
             <a:r>
-              <a:rPr lang="hu-HU" b="1" dirty="0" smtClean="0">
+              <a:rPr lang="hu-HU" b="1" dirty="0">
                 <a:solidFill>
                   <a:schemeClr val="accent2"/>
                 </a:solidFill>
@@ -730,7 +729,7 @@
               <a:t>(GL_TEXTURE_2D, </a:t>
             </a:r>
             <a:r>
-              <a:rPr lang="hu-HU" b="1" dirty="0" err="1" smtClean="0">
+              <a:rPr lang="hu-HU" b="1" dirty="0" err="1">
                 <a:solidFill>
                   <a:schemeClr val="accent2"/>
                 </a:solidFill>
@@ -738,7 +737,7 @@
               <a:t>id</a:t>
             </a:r>
             <a:r>
-              <a:rPr lang="hu-HU" b="1" dirty="0" smtClean="0">
+              <a:rPr lang="hu-HU" b="1" dirty="0">
                 <a:solidFill>
                   <a:schemeClr val="accent2"/>
                 </a:solidFill>
@@ -746,21 +745,21 @@
               <a:t>)</a:t>
             </a:r>
             <a:r>
-              <a:rPr lang="en-US" dirty="0" smtClean="0">
+              <a:rPr lang="en-US" dirty="0">
                 <a:solidFill>
                   <a:schemeClr val="accent2"/>
                 </a:solidFill>
               </a:rPr>
               <a:t>,  where id is the integer identifier of the texture.</a:t>
             </a:r>
-            <a:endParaRPr lang="hu-HU" dirty="0" smtClean="0">
+            <a:endParaRPr lang="hu-HU" dirty="0">
               <a:solidFill>
                 <a:schemeClr val="accent2"/>
               </a:solidFill>
             </a:endParaRPr>
           </a:p>
           <a:p>
-            <a:endParaRPr lang="hu-HU" dirty="0" smtClean="0"/>
+            <a:endParaRPr lang="hu-HU" dirty="0"/>
           </a:p>
         </p:txBody>
       </p:sp>
@@ -826,7 +825,7 @@
           <a:bodyPr/>
           <a:lstStyle/>
           <a:p>
-            <a:endParaRPr lang="hu-HU" dirty="0" smtClean="0"/>
+            <a:endParaRPr lang="hu-HU" dirty="0"/>
           </a:p>
         </p:txBody>
       </p:sp>
@@ -893,59 +892,59 @@
           <a:lstStyle/>
           <a:p>
             <a:r>
-              <a:rPr lang="en-US" dirty="0" err="1" smtClean="0"/>
+              <a:rPr lang="en-US" dirty="0" err="1"/>
               <a:t>Rasterization</a:t>
             </a:r>
             <a:r>
-              <a:rPr lang="en-US" dirty="0" smtClean="0"/>
+              <a:rPr lang="en-US" dirty="0"/>
               <a:t> visits pixels inside the projection of the triangle and maps the center of the pixel from screen space to texture space to look up the texture color. This mapping will result in a point that is in between the </a:t>
             </a:r>
             <a:r>
-              <a:rPr lang="en-US" dirty="0" err="1" smtClean="0"/>
+              <a:rPr lang="en-US" dirty="0" err="1"/>
               <a:t>texel</a:t>
             </a:r>
             <a:r>
-              <a:rPr lang="en-US" dirty="0" smtClean="0"/>
+              <a:rPr lang="en-US" dirty="0"/>
               <a:t> centers. More importantly, this mapping may be a </a:t>
             </a:r>
             <a:r>
-              <a:rPr lang="en-US" dirty="0" err="1" smtClean="0"/>
+              <a:rPr lang="en-US" dirty="0" err="1"/>
               <a:t>minification</a:t>
             </a:r>
             <a:r>
-              <a:rPr lang="en-US" baseline="0" dirty="0" smtClean="0"/>
+              <a:rPr lang="en-US" baseline="0" dirty="0"/>
               <a:t> (a </a:t>
             </a:r>
             <a:r>
-              <a:rPr lang="en-US" baseline="0" dirty="0" err="1" smtClean="0"/>
+              <a:rPr lang="en-US" baseline="0" dirty="0" err="1"/>
               <a:t>texel</a:t>
             </a:r>
             <a:r>
-              <a:rPr lang="en-US" baseline="0" dirty="0" smtClean="0"/>
+              <a:rPr lang="en-US" baseline="0" dirty="0"/>
               <a:t> is scaled to be smaller than a pixel)</a:t>
             </a:r>
             <a:r>
-              <a:rPr lang="en-US" dirty="0" smtClean="0"/>
+              <a:rPr lang="en-US" dirty="0"/>
               <a:t>, which means that a single step in screen space results in a larger step in texture space, so we may skip </a:t>
             </a:r>
             <a:r>
-              <a:rPr lang="en-US" dirty="0" err="1" smtClean="0"/>
+              <a:rPr lang="en-US" dirty="0" err="1"/>
               <a:t>texels</a:t>
             </a:r>
             <a:r>
-              <a:rPr lang="en-US" dirty="0" smtClean="0"/>
+              <a:rPr lang="en-US" dirty="0"/>
               <a:t>, and the result will be a mess or noise. </a:t>
             </a:r>
           </a:p>
           <a:p>
-            <a:endParaRPr lang="en-US" dirty="0" smtClean="0"/>
-          </a:p>
-          <a:p>
-            <a:r>
-              <a:rPr lang="en-US" dirty="0" smtClean="0"/>
+            <a:endParaRPr lang="en-US" dirty="0"/>
+          </a:p>
+          <a:p>
+            <a:r>
+              <a:rPr lang="en-US" dirty="0"/>
               <a:t>From signal processing point of view, in this case, the texture is a high frequency signal which is sampled too rarely, resulting in sampling artifacts.</a:t>
             </a:r>
-            <a:endParaRPr lang="hu-HU" dirty="0" smtClean="0"/>
+            <a:endParaRPr lang="hu-HU" dirty="0"/>
           </a:p>
         </p:txBody>
       </p:sp>
@@ -1009,43 +1008,43 @@
           <a:lstStyle/>
           <a:p>
             <a:r>
-              <a:rPr lang="en-US" dirty="0" smtClean="0"/>
+              <a:rPr lang="en-US" dirty="0"/>
               <a:t>We may always</a:t>
             </a:r>
             <a:r>
-              <a:rPr lang="en-US" baseline="0" dirty="0" smtClean="0"/>
+              <a:rPr lang="en-US" baseline="0" dirty="0"/>
               <a:t> use the color of the </a:t>
             </a:r>
             <a:r>
-              <a:rPr lang="en-US" baseline="0" dirty="0" err="1" smtClean="0"/>
+              <a:rPr lang="en-US" baseline="0" dirty="0" err="1"/>
               <a:t>texel</a:t>
             </a:r>
             <a:r>
-              <a:rPr lang="en-US" baseline="0" dirty="0" smtClean="0"/>
+              <a:rPr lang="en-US" baseline="0" dirty="0"/>
               <a:t> in which the pixel center is mapped. However, if we zoom in on the surface, </a:t>
             </a:r>
             <a:r>
-              <a:rPr lang="en-US" baseline="0" dirty="0" err="1" smtClean="0"/>
+              <a:rPr lang="en-US" baseline="0" dirty="0" err="1"/>
               <a:t>texels</a:t>
             </a:r>
             <a:r>
-              <a:rPr lang="en-US" baseline="0" dirty="0" smtClean="0"/>
+              <a:rPr lang="en-US" baseline="0" dirty="0"/>
               <a:t> will cover large groups of pixels. The pixels in one </a:t>
             </a:r>
             <a:r>
-              <a:rPr lang="en-US" baseline="0" dirty="0" err="1" smtClean="0"/>
+              <a:rPr lang="en-US" baseline="0" dirty="0" err="1"/>
               <a:t>texel</a:t>
             </a:r>
             <a:r>
-              <a:rPr lang="en-US" baseline="0" dirty="0" smtClean="0"/>
+              <a:rPr lang="en-US" baseline="0" dirty="0"/>
               <a:t> will have uniform color, and if the neighboring </a:t>
             </a:r>
             <a:r>
-              <a:rPr lang="en-US" baseline="0" dirty="0" err="1" smtClean="0"/>
+              <a:rPr lang="en-US" baseline="0" dirty="0" err="1"/>
               <a:t>texel</a:t>
             </a:r>
             <a:r>
-              <a:rPr lang="en-US" baseline="0" dirty="0" smtClean="0"/>
+              <a:rPr lang="en-US" baseline="0" dirty="0"/>
               <a:t> has just slightly different color, the boundary between them will be very much visible. </a:t>
             </a:r>
             <a:endParaRPr lang="en-US" dirty="0"/>
@@ -1139,13 +1138,13 @@
           <a:lstStyle/>
           <a:p>
             <a:r>
-              <a:rPr lang="en-US" baseline="0" dirty="0" smtClean="0"/>
+              <a:rPr lang="en-US" baseline="0" dirty="0"/>
               <a:t>To avoid the “pixilated” look, we can smooth the color by interpolating between the four neighboring pixel colors. As we interpolate linearly along both axes, this is referred to a bi-linear interpolation.</a:t>
             </a:r>
-            <a:endParaRPr lang="en-US" dirty="0" smtClean="0"/>
-          </a:p>
-          <a:p>
-            <a:endParaRPr lang="en-US" dirty="0" smtClean="0"/>
+            <a:endParaRPr lang="en-US" dirty="0"/>
+          </a:p>
+          <a:p>
+            <a:endParaRPr lang="en-US" dirty="0"/>
           </a:p>
         </p:txBody>
       </p:sp>
@@ -1209,11 +1208,11 @@
           <a:lstStyle/>
           <a:p>
             <a:r>
-              <a:rPr lang="en-US" dirty="0" smtClean="0"/>
+              <a:rPr lang="en-US" dirty="0"/>
               <a:t>This</a:t>
             </a:r>
             <a:r>
-              <a:rPr lang="en-US" baseline="0" dirty="0" smtClean="0"/>
+              <a:rPr lang="en-US" baseline="0" dirty="0"/>
               <a:t> is a bit better, if not perfect. But what is going in back there, far away?</a:t>
             </a:r>
             <a:endParaRPr lang="en-US" dirty="0"/>
@@ -1304,35 +1303,35 @@
           <a:lstStyle/>
           <a:p>
             <a:r>
-              <a:rPr lang="en-US" dirty="0" smtClean="0"/>
+              <a:rPr lang="en-US" dirty="0"/>
               <a:t>That is some pretty</a:t>
             </a:r>
             <a:r>
-              <a:rPr lang="en-US" baseline="0" dirty="0" smtClean="0"/>
+              <a:rPr lang="en-US" baseline="0" dirty="0"/>
               <a:t> random mess there. Even worse, if we move the camera a bit, we get a completely different random pattern. This is because a lot of </a:t>
             </a:r>
             <a:r>
-              <a:rPr lang="en-US" baseline="0" dirty="0" err="1" smtClean="0"/>
+              <a:rPr lang="en-US" baseline="0" dirty="0" err="1"/>
               <a:t>texels</a:t>
             </a:r>
             <a:r>
-              <a:rPr lang="en-US" baseline="0" dirty="0" smtClean="0"/>
+              <a:rPr lang="en-US" baseline="0" dirty="0"/>
               <a:t> are mapped to a single pixel, and we essentially choose between them on random, according to which </a:t>
             </a:r>
             <a:r>
-              <a:rPr lang="en-US" baseline="0" dirty="0" err="1" smtClean="0"/>
+              <a:rPr lang="en-US" baseline="0" dirty="0" err="1"/>
               <a:t>texel</a:t>
             </a:r>
             <a:r>
-              <a:rPr lang="en-US" baseline="0" dirty="0" smtClean="0"/>
+              <a:rPr lang="en-US" baseline="0" dirty="0"/>
               <a:t> the pixel center is mapped to. What we should be doing instead is to average all the </a:t>
             </a:r>
             <a:r>
-              <a:rPr lang="en-US" baseline="0" dirty="0" err="1" smtClean="0"/>
+              <a:rPr lang="en-US" baseline="0" dirty="0" err="1"/>
               <a:t>texel</a:t>
             </a:r>
             <a:r>
-              <a:rPr lang="en-US" baseline="0" dirty="0" smtClean="0"/>
+              <a:rPr lang="en-US" baseline="0" dirty="0"/>
               <a:t> colors in the pixel.</a:t>
             </a:r>
             <a:endParaRPr lang="en-US" dirty="0"/>
@@ -1426,79 +1425,79 @@
           <a:lstStyle/>
           <a:p>
             <a:r>
-              <a:rPr lang="en-US" dirty="0" smtClean="0"/>
+              <a:rPr lang="en-US" dirty="0"/>
               <a:t>The solution for such sampling problems is filtering. Instead of mapping just the center of the pixel, the complete pixel rectangle must be mapped to texture space at least approximately, and the average of </a:t>
             </a:r>
             <a:r>
-              <a:rPr lang="en-US" dirty="0" err="1" smtClean="0"/>
+              <a:rPr lang="en-US" dirty="0" err="1"/>
               <a:t>texels</a:t>
             </a:r>
             <a:r>
-              <a:rPr lang="en-US" dirty="0" smtClean="0"/>
+              <a:rPr lang="en-US" dirty="0"/>
               <a:t> in this region should be returned as a color. However, it would be too time consuming.</a:t>
             </a:r>
           </a:p>
           <a:p>
-            <a:endParaRPr lang="en-US" dirty="0" smtClean="0"/>
-          </a:p>
-          <a:p>
-            <a:r>
-              <a:rPr lang="en-US" dirty="0" smtClean="0"/>
+            <a:endParaRPr lang="en-US" dirty="0"/>
+          </a:p>
+          <a:p>
+            <a:r>
+              <a:rPr lang="en-US" dirty="0"/>
               <a:t>One efficient approximation is to prepare the texture not only in its original resolution, but also in half resolution, quarter resolution, etc. where a </a:t>
             </a:r>
             <a:r>
-              <a:rPr lang="en-US" dirty="0" err="1" smtClean="0"/>
+              <a:rPr lang="en-US" dirty="0" err="1"/>
               <a:t>texel</a:t>
             </a:r>
             <a:r>
-              <a:rPr lang="en-US" dirty="0" smtClean="0"/>
+              <a:rPr lang="en-US" dirty="0"/>
               <a:t> represents the average color of a square of the original </a:t>
             </a:r>
             <a:r>
-              <a:rPr lang="en-US" dirty="0" err="1" smtClean="0"/>
+              <a:rPr lang="en-US" dirty="0" err="1"/>
               <a:t>texel</a:t>
             </a:r>
             <a:r>
-              <a:rPr lang="en-US" dirty="0" smtClean="0"/>
+              <a:rPr lang="en-US" dirty="0"/>
               <a:t>. During </a:t>
             </a:r>
             <a:r>
-              <a:rPr lang="en-US" dirty="0" err="1" smtClean="0"/>
+              <a:rPr lang="en-US" dirty="0" err="1"/>
               <a:t>rasterization</a:t>
             </a:r>
             <a:r>
-              <a:rPr lang="en-US" dirty="0" smtClean="0"/>
+              <a:rPr lang="en-US" dirty="0"/>
               <a:t>, OpenGL estimates the magnification factor, and looks up the appropriate version of filtered, </a:t>
             </a:r>
             <a:r>
-              <a:rPr lang="en-US" dirty="0" err="1" smtClean="0"/>
+              <a:rPr lang="en-US" dirty="0" err="1"/>
               <a:t>downsample</a:t>
             </a:r>
             <a:r>
-              <a:rPr lang="hu-HU" dirty="0" smtClean="0"/>
+              <a:rPr lang="hu-HU" dirty="0"/>
               <a:t>d</a:t>
             </a:r>
             <a:r>
-              <a:rPr lang="en-US" dirty="0" smtClean="0"/>
+              <a:rPr lang="en-US" dirty="0"/>
               <a:t> texture. The collection of the original and </a:t>
             </a:r>
             <a:r>
-              <a:rPr lang="en-US" dirty="0" err="1" smtClean="0"/>
+              <a:rPr lang="en-US" dirty="0" err="1"/>
               <a:t>downsampled</a:t>
             </a:r>
             <a:r>
-              <a:rPr lang="en-US" dirty="0" smtClean="0"/>
+              <a:rPr lang="en-US" dirty="0"/>
               <a:t> textures is called </a:t>
             </a:r>
             <a:r>
-              <a:rPr lang="en-US" dirty="0" err="1" smtClean="0"/>
+              <a:rPr lang="en-US" dirty="0" err="1"/>
               <a:t>mip</a:t>
             </a:r>
             <a:r>
-              <a:rPr lang="en-US" dirty="0" smtClean="0"/>
+              <a:rPr lang="en-US" dirty="0"/>
               <a:t>-map. </a:t>
             </a:r>
-            <a:endParaRPr lang="hu-HU" dirty="0" smtClean="0"/>
+            <a:endParaRPr lang="hu-HU" dirty="0"/>
           </a:p>
         </p:txBody>
       </p:sp>
@@ -1561,40 +1560,40 @@
           <a:p>
             <a:pPr lvl="1"/>
             <a:r>
-              <a:rPr lang="en-US" dirty="0" err="1" smtClean="0"/>
+              <a:rPr lang="en-US" dirty="0" err="1"/>
               <a:t>WebGLMath</a:t>
             </a:r>
             <a:r>
-              <a:rPr lang="en-US" dirty="0" smtClean="0"/>
+              <a:rPr lang="en-US" dirty="0"/>
               <a:t>/Sampler2D has a </a:t>
             </a:r>
             <a:r>
-              <a:rPr lang="en-US" dirty="0" smtClean="0">
+              <a:rPr lang="en-US" dirty="0">
                 <a:latin typeface="Consolas" panose="020B0609020204030204" pitchFamily="49" charset="0"/>
                 <a:cs typeface="Consolas" panose="020B0609020204030204" pitchFamily="49" charset="0"/>
               </a:rPr>
               <a:t>set</a:t>
             </a:r>
             <a:r>
-              <a:rPr lang="en-US" dirty="0" smtClean="0"/>
+              <a:rPr lang="en-US" dirty="0"/>
               <a:t> method that takes </a:t>
             </a:r>
             <a:r>
-              <a:rPr lang="en-US" dirty="0" err="1" smtClean="0"/>
+              <a:rPr lang="en-US" dirty="0" err="1"/>
               <a:t>WebGL</a:t>
             </a:r>
             <a:r>
-              <a:rPr lang="en-US" dirty="0" smtClean="0"/>
+              <a:rPr lang="en-US" dirty="0"/>
               <a:t> texture IDs, or anything with a property </a:t>
             </a:r>
             <a:r>
-              <a:rPr lang="en-US" dirty="0" err="1" smtClean="0">
+              <a:rPr lang="en-US" dirty="0" err="1">
                 <a:latin typeface="Consolas" panose="020B0609020204030204" pitchFamily="49" charset="0"/>
                 <a:cs typeface="Consolas" panose="020B0609020204030204" pitchFamily="49" charset="0"/>
               </a:rPr>
               <a:t>glTexture</a:t>
             </a:r>
-            <a:endParaRPr lang="en-US" dirty="0" smtClean="0">
+            <a:endParaRPr lang="en-US" dirty="0">
               <a:latin typeface="Consolas" panose="020B0609020204030204" pitchFamily="49" charset="0"/>
               <a:cs typeface="Consolas" panose="020B0609020204030204" pitchFamily="49" charset="0"/>
             </a:endParaRPr>
@@ -1602,18 +1601,18 @@
           <a:p>
             <a:pPr lvl="1"/>
             <a:r>
-              <a:rPr lang="en-US" dirty="0" smtClean="0"/>
+              <a:rPr lang="en-US" dirty="0"/>
               <a:t>Texture2D objects have the property </a:t>
             </a:r>
             <a:r>
-              <a:rPr lang="en-US" sz="2400" dirty="0" err="1" smtClean="0">
+              <a:rPr lang="en-US" sz="2400" dirty="0" err="1">
                 <a:latin typeface="Consolas" panose="020B0609020204030204" pitchFamily="49" charset="0"/>
                 <a:cs typeface="Consolas" panose="020B0609020204030204" pitchFamily="49" charset="0"/>
               </a:rPr>
               <a:t>glTexture</a:t>
             </a:r>
             <a:r>
-              <a:rPr lang="en-US" dirty="0" smtClean="0"/>
+              <a:rPr lang="en-US" dirty="0"/>
               <a:t>, so they can be passed on</a:t>
             </a:r>
           </a:p>
@@ -1703,10 +1702,9 @@
           </a:lstStyle>
           <a:p>
             <a:r>
-              <a:rPr lang="en-US" smtClean="0"/>
+              <a:rPr lang="en-US"/>
               <a:t>Click to edit Master title style</a:t>
             </a:r>
-            <a:endParaRPr lang="en-US"/>
           </a:p>
         </p:txBody>
       </p:sp>
@@ -1768,10 +1766,9 @@
           </a:lstStyle>
           <a:p>
             <a:r>
-              <a:rPr lang="en-US" smtClean="0"/>
+              <a:rPr lang="en-US"/>
               <a:t>Click to edit Master subtitle style</a:t>
             </a:r>
-            <a:endParaRPr lang="en-US"/>
           </a:p>
         </p:txBody>
       </p:sp>
@@ -1792,7 +1789,7 @@
           <a:p>
             <a:fld id="{338A3FAA-9C6C-4F9E-8590-40D8D97A52B8}" type="datetimeFigureOut">
               <a:rPr lang="en-US" smtClean="0"/>
-              <a:t>2020-03-05</a:t>
+              <a:t>3/31/2020</a:t>
             </a:fld>
             <a:endParaRPr lang="en-US"/>
           </a:p>
@@ -1886,10 +1883,9 @@
           <a:lstStyle/>
           <a:p>
             <a:r>
-              <a:rPr lang="en-US" smtClean="0"/>
+              <a:rPr lang="en-US"/>
               <a:t>Click to edit Master title style</a:t>
             </a:r>
-            <a:endParaRPr lang="en-US"/>
           </a:p>
         </p:txBody>
       </p:sp>
@@ -1910,38 +1906,37 @@
           <a:p>
             <a:pPr lvl="0"/>
             <a:r>
-              <a:rPr lang="en-US" smtClean="0"/>
+              <a:rPr lang="en-US"/>
               <a:t>Click to edit Master text styles</a:t>
             </a:r>
           </a:p>
           <a:p>
             <a:pPr lvl="1"/>
             <a:r>
-              <a:rPr lang="en-US" smtClean="0"/>
+              <a:rPr lang="en-US"/>
               <a:t>Second level</a:t>
             </a:r>
           </a:p>
           <a:p>
             <a:pPr lvl="2"/>
             <a:r>
-              <a:rPr lang="en-US" smtClean="0"/>
+              <a:rPr lang="en-US"/>
               <a:t>Third level</a:t>
             </a:r>
           </a:p>
           <a:p>
             <a:pPr lvl="3"/>
             <a:r>
-              <a:rPr lang="en-US" smtClean="0"/>
+              <a:rPr lang="en-US"/>
               <a:t>Fourth level</a:t>
             </a:r>
           </a:p>
           <a:p>
             <a:pPr lvl="4"/>
             <a:r>
-              <a:rPr lang="en-US" smtClean="0"/>
+              <a:rPr lang="en-US"/>
               <a:t>Fifth level</a:t>
             </a:r>
-            <a:endParaRPr lang="en-US"/>
           </a:p>
         </p:txBody>
       </p:sp>
@@ -1962,7 +1957,7 @@
           <a:p>
             <a:fld id="{338A3FAA-9C6C-4F9E-8590-40D8D97A52B8}" type="datetimeFigureOut">
               <a:rPr lang="en-US" smtClean="0"/>
-              <a:t>2020-03-05</a:t>
+              <a:t>3/31/2020</a:t>
             </a:fld>
             <a:endParaRPr lang="en-US"/>
           </a:p>
@@ -2061,10 +2056,9 @@
           <a:lstStyle/>
           <a:p>
             <a:r>
-              <a:rPr lang="en-US" smtClean="0"/>
+              <a:rPr lang="en-US"/>
               <a:t>Click to edit Master title style</a:t>
             </a:r>
-            <a:endParaRPr lang="en-US"/>
           </a:p>
         </p:txBody>
       </p:sp>
@@ -2090,38 +2084,37 @@
           <a:p>
             <a:pPr lvl="0"/>
             <a:r>
-              <a:rPr lang="en-US" smtClean="0"/>
+              <a:rPr lang="en-US"/>
               <a:t>Click to edit Master text styles</a:t>
             </a:r>
           </a:p>
           <a:p>
             <a:pPr lvl="1"/>
             <a:r>
-              <a:rPr lang="en-US" smtClean="0"/>
+              <a:rPr lang="en-US"/>
               <a:t>Second level</a:t>
             </a:r>
           </a:p>
           <a:p>
             <a:pPr lvl="2"/>
             <a:r>
-              <a:rPr lang="en-US" smtClean="0"/>
+              <a:rPr lang="en-US"/>
               <a:t>Third level</a:t>
             </a:r>
           </a:p>
           <a:p>
             <a:pPr lvl="3"/>
             <a:r>
-              <a:rPr lang="en-US" smtClean="0"/>
+              <a:rPr lang="en-US"/>
               <a:t>Fourth level</a:t>
             </a:r>
           </a:p>
           <a:p>
             <a:pPr lvl="4"/>
             <a:r>
-              <a:rPr lang="en-US" smtClean="0"/>
+              <a:rPr lang="en-US"/>
               <a:t>Fifth level</a:t>
             </a:r>
-            <a:endParaRPr lang="en-US"/>
           </a:p>
         </p:txBody>
       </p:sp>
@@ -2142,7 +2135,7 @@
           <a:p>
             <a:fld id="{338A3FAA-9C6C-4F9E-8590-40D8D97A52B8}" type="datetimeFigureOut">
               <a:rPr lang="en-US" smtClean="0"/>
-              <a:t>2020-03-05</a:t>
+              <a:t>3/31/2020</a:t>
             </a:fld>
             <a:endParaRPr lang="en-US"/>
           </a:p>
@@ -2236,10 +2229,9 @@
           <a:lstStyle/>
           <a:p>
             <a:r>
-              <a:rPr lang="en-US" smtClean="0"/>
+              <a:rPr lang="en-US"/>
               <a:t>Click to edit Master title style</a:t>
             </a:r>
-            <a:endParaRPr lang="en-US"/>
           </a:p>
         </p:txBody>
       </p:sp>
@@ -2260,38 +2252,37 @@
           <a:p>
             <a:pPr lvl="0"/>
             <a:r>
-              <a:rPr lang="en-US" smtClean="0"/>
+              <a:rPr lang="en-US"/>
               <a:t>Click to edit Master text styles</a:t>
             </a:r>
           </a:p>
           <a:p>
             <a:pPr lvl="1"/>
             <a:r>
-              <a:rPr lang="en-US" smtClean="0"/>
+              <a:rPr lang="en-US"/>
               <a:t>Second level</a:t>
             </a:r>
           </a:p>
           <a:p>
             <a:pPr lvl="2"/>
             <a:r>
-              <a:rPr lang="en-US" smtClean="0"/>
+              <a:rPr lang="en-US"/>
               <a:t>Third level</a:t>
             </a:r>
           </a:p>
           <a:p>
             <a:pPr lvl="3"/>
             <a:r>
-              <a:rPr lang="en-US" smtClean="0"/>
+              <a:rPr lang="en-US"/>
               <a:t>Fourth level</a:t>
             </a:r>
           </a:p>
           <a:p>
             <a:pPr lvl="4"/>
             <a:r>
-              <a:rPr lang="en-US" smtClean="0"/>
+              <a:rPr lang="en-US"/>
               <a:t>Fifth level</a:t>
             </a:r>
-            <a:endParaRPr lang="en-US"/>
           </a:p>
         </p:txBody>
       </p:sp>
@@ -2312,7 +2303,7 @@
           <a:p>
             <a:fld id="{338A3FAA-9C6C-4F9E-8590-40D8D97A52B8}" type="datetimeFigureOut">
               <a:rPr lang="en-US" smtClean="0"/>
-              <a:t>2020-03-05</a:t>
+              <a:t>3/31/2020</a:t>
             </a:fld>
             <a:endParaRPr lang="en-US"/>
           </a:p>
@@ -2415,10 +2406,9 @@
           </a:lstStyle>
           <a:p>
             <a:r>
-              <a:rPr lang="en-US" smtClean="0"/>
+              <a:rPr lang="en-US"/>
               <a:t>Click to edit Master title style</a:t>
             </a:r>
-            <a:endParaRPr lang="en-US"/>
           </a:p>
         </p:txBody>
       </p:sp>
@@ -2535,7 +2525,7 @@
           <a:p>
             <a:pPr lvl="0"/>
             <a:r>
-              <a:rPr lang="en-US" smtClean="0"/>
+              <a:rPr lang="en-US"/>
               <a:t>Click to edit Master text styles</a:t>
             </a:r>
           </a:p>
@@ -2558,7 +2548,7 @@
           <a:p>
             <a:fld id="{338A3FAA-9C6C-4F9E-8590-40D8D97A52B8}" type="datetimeFigureOut">
               <a:rPr lang="en-US" smtClean="0"/>
-              <a:t>2020-03-05</a:t>
+              <a:t>3/31/2020</a:t>
             </a:fld>
             <a:endParaRPr lang="en-US"/>
           </a:p>
@@ -2652,10 +2642,9 @@
           <a:lstStyle/>
           <a:p>
             <a:r>
-              <a:rPr lang="en-US" smtClean="0"/>
+              <a:rPr lang="en-US"/>
               <a:t>Click to edit Master title style</a:t>
             </a:r>
-            <a:endParaRPr lang="en-US"/>
           </a:p>
         </p:txBody>
       </p:sp>
@@ -2681,38 +2670,37 @@
           <a:p>
             <a:pPr lvl="0"/>
             <a:r>
-              <a:rPr lang="en-US" smtClean="0"/>
+              <a:rPr lang="en-US"/>
               <a:t>Click to edit Master text styles</a:t>
             </a:r>
           </a:p>
           <a:p>
             <a:pPr lvl="1"/>
             <a:r>
-              <a:rPr lang="en-US" smtClean="0"/>
+              <a:rPr lang="en-US"/>
               <a:t>Second level</a:t>
             </a:r>
           </a:p>
           <a:p>
             <a:pPr lvl="2"/>
             <a:r>
-              <a:rPr lang="en-US" smtClean="0"/>
+              <a:rPr lang="en-US"/>
               <a:t>Third level</a:t>
             </a:r>
           </a:p>
           <a:p>
             <a:pPr lvl="3"/>
             <a:r>
-              <a:rPr lang="en-US" smtClean="0"/>
+              <a:rPr lang="en-US"/>
               <a:t>Fourth level</a:t>
             </a:r>
           </a:p>
           <a:p>
             <a:pPr lvl="4"/>
             <a:r>
-              <a:rPr lang="en-US" smtClean="0"/>
+              <a:rPr lang="en-US"/>
               <a:t>Fifth level</a:t>
             </a:r>
-            <a:endParaRPr lang="en-US"/>
           </a:p>
         </p:txBody>
       </p:sp>
@@ -2738,38 +2726,37 @@
           <a:p>
             <a:pPr lvl="0"/>
             <a:r>
-              <a:rPr lang="en-US" smtClean="0"/>
+              <a:rPr lang="en-US"/>
               <a:t>Click to edit Master text styles</a:t>
             </a:r>
           </a:p>
           <a:p>
             <a:pPr lvl="1"/>
             <a:r>
-              <a:rPr lang="en-US" smtClean="0"/>
+              <a:rPr lang="en-US"/>
               <a:t>Second level</a:t>
             </a:r>
           </a:p>
           <a:p>
             <a:pPr lvl="2"/>
             <a:r>
-              <a:rPr lang="en-US" smtClean="0"/>
+              <a:rPr lang="en-US"/>
               <a:t>Third level</a:t>
             </a:r>
           </a:p>
           <a:p>
             <a:pPr lvl="3"/>
             <a:r>
-              <a:rPr lang="en-US" smtClean="0"/>
+              <a:rPr lang="en-US"/>
               <a:t>Fourth level</a:t>
             </a:r>
           </a:p>
           <a:p>
             <a:pPr lvl="4"/>
             <a:r>
-              <a:rPr lang="en-US" smtClean="0"/>
+              <a:rPr lang="en-US"/>
               <a:t>Fifth level</a:t>
             </a:r>
-            <a:endParaRPr lang="en-US"/>
           </a:p>
         </p:txBody>
       </p:sp>
@@ -2790,7 +2777,7 @@
           <a:p>
             <a:fld id="{338A3FAA-9C6C-4F9E-8590-40D8D97A52B8}" type="datetimeFigureOut">
               <a:rPr lang="en-US" smtClean="0"/>
-              <a:t>2020-03-05</a:t>
+              <a:t>3/31/2020</a:t>
             </a:fld>
             <a:endParaRPr lang="en-US"/>
           </a:p>
@@ -2889,10 +2876,9 @@
           <a:lstStyle/>
           <a:p>
             <a:r>
-              <a:rPr lang="en-US" smtClean="0"/>
+              <a:rPr lang="en-US"/>
               <a:t>Click to edit Master title style</a:t>
             </a:r>
-            <a:endParaRPr lang="en-US"/>
           </a:p>
         </p:txBody>
       </p:sp>
@@ -2955,7 +2941,7 @@
           <a:p>
             <a:pPr lvl="0"/>
             <a:r>
-              <a:rPr lang="en-US" smtClean="0"/>
+              <a:rPr lang="en-US"/>
               <a:t>Click to edit Master text styles</a:t>
             </a:r>
           </a:p>
@@ -2983,38 +2969,37 @@
           <a:p>
             <a:pPr lvl="0"/>
             <a:r>
-              <a:rPr lang="en-US" smtClean="0"/>
+              <a:rPr lang="en-US"/>
               <a:t>Click to edit Master text styles</a:t>
             </a:r>
           </a:p>
           <a:p>
             <a:pPr lvl="1"/>
             <a:r>
-              <a:rPr lang="en-US" smtClean="0"/>
+              <a:rPr lang="en-US"/>
               <a:t>Second level</a:t>
             </a:r>
           </a:p>
           <a:p>
             <a:pPr lvl="2"/>
             <a:r>
-              <a:rPr lang="en-US" smtClean="0"/>
+              <a:rPr lang="en-US"/>
               <a:t>Third level</a:t>
             </a:r>
           </a:p>
           <a:p>
             <a:pPr lvl="3"/>
             <a:r>
-              <a:rPr lang="en-US" smtClean="0"/>
+              <a:rPr lang="en-US"/>
               <a:t>Fourth level</a:t>
             </a:r>
           </a:p>
           <a:p>
             <a:pPr lvl="4"/>
             <a:r>
-              <a:rPr lang="en-US" smtClean="0"/>
+              <a:rPr lang="en-US"/>
               <a:t>Fifth level</a:t>
             </a:r>
-            <a:endParaRPr lang="en-US"/>
           </a:p>
         </p:txBody>
       </p:sp>
@@ -3077,7 +3062,7 @@
           <a:p>
             <a:pPr lvl="0"/>
             <a:r>
-              <a:rPr lang="en-US" smtClean="0"/>
+              <a:rPr lang="en-US"/>
               <a:t>Click to edit Master text styles</a:t>
             </a:r>
           </a:p>
@@ -3105,38 +3090,37 @@
           <a:p>
             <a:pPr lvl="0"/>
             <a:r>
-              <a:rPr lang="en-US" smtClean="0"/>
+              <a:rPr lang="en-US"/>
               <a:t>Click to edit Master text styles</a:t>
             </a:r>
           </a:p>
           <a:p>
             <a:pPr lvl="1"/>
             <a:r>
-              <a:rPr lang="en-US" smtClean="0"/>
+              <a:rPr lang="en-US"/>
               <a:t>Second level</a:t>
             </a:r>
           </a:p>
           <a:p>
             <a:pPr lvl="2"/>
             <a:r>
-              <a:rPr lang="en-US" smtClean="0"/>
+              <a:rPr lang="en-US"/>
               <a:t>Third level</a:t>
             </a:r>
           </a:p>
           <a:p>
             <a:pPr lvl="3"/>
             <a:r>
-              <a:rPr lang="en-US" smtClean="0"/>
+              <a:rPr lang="en-US"/>
               <a:t>Fourth level</a:t>
             </a:r>
           </a:p>
           <a:p>
             <a:pPr lvl="4"/>
             <a:r>
-              <a:rPr lang="en-US" smtClean="0"/>
+              <a:rPr lang="en-US"/>
               <a:t>Fifth level</a:t>
             </a:r>
-            <a:endParaRPr lang="en-US"/>
           </a:p>
         </p:txBody>
       </p:sp>
@@ -3157,7 +3141,7 @@
           <a:p>
             <a:fld id="{338A3FAA-9C6C-4F9E-8590-40D8D97A52B8}" type="datetimeFigureOut">
               <a:rPr lang="en-US" smtClean="0"/>
-              <a:t>2020-03-05</a:t>
+              <a:t>3/31/2020</a:t>
             </a:fld>
             <a:endParaRPr lang="en-US"/>
           </a:p>
@@ -3251,10 +3235,9 @@
           <a:lstStyle/>
           <a:p>
             <a:r>
-              <a:rPr lang="en-US" smtClean="0"/>
+              <a:rPr lang="en-US"/>
               <a:t>Click to edit Master title style</a:t>
             </a:r>
-            <a:endParaRPr lang="en-US"/>
           </a:p>
         </p:txBody>
       </p:sp>
@@ -3275,7 +3258,7 @@
           <a:p>
             <a:fld id="{338A3FAA-9C6C-4F9E-8590-40D8D97A52B8}" type="datetimeFigureOut">
               <a:rPr lang="en-US" smtClean="0"/>
-              <a:t>2020-03-05</a:t>
+              <a:t>3/31/2020</a:t>
             </a:fld>
             <a:endParaRPr lang="en-US"/>
           </a:p>
@@ -3370,7 +3353,7 @@
           <a:p>
             <a:fld id="{338A3FAA-9C6C-4F9E-8590-40D8D97A52B8}" type="datetimeFigureOut">
               <a:rPr lang="en-US" smtClean="0"/>
-              <a:t>2020-03-05</a:t>
+              <a:t>3/31/2020</a:t>
             </a:fld>
             <a:endParaRPr lang="en-US"/>
           </a:p>
@@ -3473,10 +3456,9 @@
           </a:lstStyle>
           <a:p>
             <a:r>
-              <a:rPr lang="en-US" smtClean="0"/>
+              <a:rPr lang="en-US"/>
               <a:t>Click to edit Master title style</a:t>
             </a:r>
-            <a:endParaRPr lang="en-US"/>
           </a:p>
         </p:txBody>
       </p:sp>
@@ -3530,38 +3512,37 @@
           <a:p>
             <a:pPr lvl="0"/>
             <a:r>
-              <a:rPr lang="en-US" smtClean="0"/>
+              <a:rPr lang="en-US"/>
               <a:t>Click to edit Master text styles</a:t>
             </a:r>
           </a:p>
           <a:p>
             <a:pPr lvl="1"/>
             <a:r>
-              <a:rPr lang="en-US" smtClean="0"/>
+              <a:rPr lang="en-US"/>
               <a:t>Second level</a:t>
             </a:r>
           </a:p>
           <a:p>
             <a:pPr lvl="2"/>
             <a:r>
-              <a:rPr lang="en-US" smtClean="0"/>
+              <a:rPr lang="en-US"/>
               <a:t>Third level</a:t>
             </a:r>
           </a:p>
           <a:p>
             <a:pPr lvl="3"/>
             <a:r>
-              <a:rPr lang="en-US" smtClean="0"/>
+              <a:rPr lang="en-US"/>
               <a:t>Fourth level</a:t>
             </a:r>
           </a:p>
           <a:p>
             <a:pPr lvl="4"/>
             <a:r>
-              <a:rPr lang="en-US" smtClean="0"/>
+              <a:rPr lang="en-US"/>
               <a:t>Fifth level</a:t>
             </a:r>
-            <a:endParaRPr lang="en-US"/>
           </a:p>
         </p:txBody>
       </p:sp>
@@ -3624,7 +3605,7 @@
           <a:p>
             <a:pPr lvl="0"/>
             <a:r>
-              <a:rPr lang="en-US" smtClean="0"/>
+              <a:rPr lang="en-US"/>
               <a:t>Click to edit Master text styles</a:t>
             </a:r>
           </a:p>
@@ -3647,7 +3628,7 @@
           <a:p>
             <a:fld id="{338A3FAA-9C6C-4F9E-8590-40D8D97A52B8}" type="datetimeFigureOut">
               <a:rPr lang="en-US" smtClean="0"/>
-              <a:t>2020-03-05</a:t>
+              <a:t>3/31/2020</a:t>
             </a:fld>
             <a:endParaRPr lang="en-US"/>
           </a:p>
@@ -3750,10 +3731,9 @@
           </a:lstStyle>
           <a:p>
             <a:r>
-              <a:rPr lang="en-US" smtClean="0"/>
+              <a:rPr lang="en-US"/>
               <a:t>Click to edit Master title style</a:t>
             </a:r>
-            <a:endParaRPr lang="en-US"/>
           </a:p>
         </p:txBody>
       </p:sp>
@@ -3877,7 +3857,7 @@
           <a:p>
             <a:pPr lvl="0"/>
             <a:r>
-              <a:rPr lang="en-US" smtClean="0"/>
+              <a:rPr lang="en-US"/>
               <a:t>Click to edit Master text styles</a:t>
             </a:r>
           </a:p>
@@ -3900,7 +3880,7 @@
           <a:p>
             <a:fld id="{338A3FAA-9C6C-4F9E-8590-40D8D97A52B8}" type="datetimeFigureOut">
               <a:rPr lang="en-US" smtClean="0"/>
-              <a:t>2020-03-05</a:t>
+              <a:t>3/31/2020</a:t>
             </a:fld>
             <a:endParaRPr lang="en-US"/>
           </a:p>
@@ -4009,10 +3989,9 @@
           <a:lstStyle/>
           <a:p>
             <a:r>
-              <a:rPr lang="en-US" noProof="0" dirty="0" smtClean="0"/>
+              <a:rPr lang="en-US" noProof="0" dirty="0"/>
               <a:t>Click to edit Master title style</a:t>
             </a:r>
-            <a:endParaRPr lang="en-US" noProof="0" dirty="0"/>
           </a:p>
         </p:txBody>
       </p:sp>
@@ -4043,38 +4022,37 @@
           <a:p>
             <a:pPr lvl="0"/>
             <a:r>
-              <a:rPr lang="en-US" noProof="0" dirty="0" smtClean="0"/>
+              <a:rPr lang="en-US" noProof="0" dirty="0"/>
               <a:t>Click to edit Master text styles</a:t>
             </a:r>
           </a:p>
           <a:p>
             <a:pPr lvl="1"/>
             <a:r>
-              <a:rPr lang="en-US" noProof="0" dirty="0" smtClean="0"/>
+              <a:rPr lang="en-US" noProof="0" dirty="0"/>
               <a:t>Second level</a:t>
             </a:r>
           </a:p>
           <a:p>
             <a:pPr lvl="2"/>
             <a:r>
-              <a:rPr lang="en-US" noProof="0" dirty="0" smtClean="0"/>
+              <a:rPr lang="en-US" noProof="0" dirty="0"/>
               <a:t>Third level</a:t>
             </a:r>
           </a:p>
           <a:p>
             <a:pPr lvl="3"/>
             <a:r>
-              <a:rPr lang="en-US" noProof="0" dirty="0" smtClean="0"/>
+              <a:rPr lang="en-US" noProof="0" dirty="0"/>
               <a:t>Fourth level</a:t>
             </a:r>
           </a:p>
           <a:p>
             <a:pPr lvl="4"/>
             <a:r>
-              <a:rPr lang="en-US" noProof="0" dirty="0" smtClean="0"/>
+              <a:rPr lang="en-US" noProof="0" dirty="0"/>
               <a:t>Fifth level</a:t>
             </a:r>
-            <a:endParaRPr lang="en-US" noProof="0" dirty="0"/>
           </a:p>
         </p:txBody>
       </p:sp>
@@ -4113,7 +4091,7 @@
           <a:p>
             <a:fld id="{338A3FAA-9C6C-4F9E-8590-40D8D97A52B8}" type="datetimeFigureOut">
               <a:rPr lang="en-US" smtClean="0"/>
-              <a:t>2020-03-05</a:t>
+              <a:t>3/31/2020</a:t>
             </a:fld>
             <a:endParaRPr lang="en-US"/>
           </a:p>
@@ -4536,25 +4514,20 @@
           <a:lstStyle/>
           <a:p>
             <a:r>
-              <a:rPr lang="en-US" dirty="0" smtClean="0">
+              <a:rPr lang="en-US" dirty="0">
                 <a:solidFill>
                   <a:srgbClr val="C00000"/>
                 </a:solidFill>
               </a:rPr>
               <a:t>Computer Graphics</a:t>
             </a:r>
-            <a:r>
-              <a:rPr lang="en-US" dirty="0" smtClean="0"/>
-              <a:t/>
-            </a:r>
             <a:br>
-              <a:rPr lang="en-US" dirty="0" smtClean="0"/>
+              <a:rPr lang="en-US" dirty="0"/>
             </a:br>
             <a:r>
-              <a:rPr lang="en-US" dirty="0" smtClean="0"/>
+              <a:rPr lang="en-US" dirty="0"/>
               <a:t>Textures</a:t>
             </a:r>
-            <a:endParaRPr lang="en-US" dirty="0"/>
           </a:p>
         </p:txBody>
       </p:sp>
@@ -4574,24 +4547,23 @@
           <a:lstStyle/>
           <a:p>
             <a:r>
-              <a:rPr lang="hu-HU" dirty="0" smtClean="0"/>
+              <a:rPr lang="hu-HU" dirty="0"/>
               <a:t>László Szécsi  </a:t>
             </a:r>
             <a:r>
-              <a:rPr lang="en-US" altLang="en-US" dirty="0" err="1" smtClean="0"/>
+              <a:rPr lang="en-US" altLang="en-US" dirty="0" err="1"/>
               <a:t>szecsi</a:t>
             </a:r>
             <a:r>
-              <a:rPr lang="hu-HU" altLang="en-US" dirty="0" smtClean="0"/>
+              <a:rPr lang="hu-HU" altLang="en-US" dirty="0"/>
               <a:t>@iit.bme.hu</a:t>
             </a:r>
           </a:p>
           <a:p>
             <a:r>
-              <a:rPr lang="hu-HU" altLang="en-US" dirty="0" smtClean="0"/>
+              <a:rPr lang="hu-HU" altLang="en-US" dirty="0"/>
               <a:t>AIT</a:t>
             </a:r>
-            <a:endParaRPr lang="hu-HU" altLang="en-US" dirty="0"/>
           </a:p>
         </p:txBody>
       </p:sp>
@@ -4605,13 +4577,6 @@
   <p:clrMapOvr>
     <a:masterClrMapping/>
   </p:clrMapOvr>
-  <p:timing>
-    <p:tnLst>
-      <p:par>
-        <p:cTn id="1" dur="indefinite" restart="never" nodeType="tmRoot"/>
-      </p:par>
-    </p:tnLst>
-  </p:timing>
 </p:sld>
 </file>
 
@@ -6242,18 +6207,17 @@
           <a:lstStyle/>
           <a:p>
             <a:r>
-              <a:rPr lang="en-US" dirty="0" smtClean="0"/>
+              <a:rPr lang="en-US" dirty="0"/>
               <a:t>Magnification with </a:t>
             </a:r>
             <a:r>
-              <a:rPr lang="en-US" dirty="0" err="1" smtClean="0"/>
+              <a:rPr lang="en-US" dirty="0" err="1"/>
               <a:t>binilear</a:t>
             </a:r>
             <a:r>
-              <a:rPr lang="en-US" dirty="0" smtClean="0"/>
+              <a:rPr lang="en-US" dirty="0"/>
               <a:t> filtering</a:t>
             </a:r>
-            <a:endParaRPr lang="en-US" dirty="0"/>
           </a:p>
         </p:txBody>
       </p:sp>
@@ -6299,13 +6263,6 @@
   <p:clrMapOvr>
     <a:masterClrMapping/>
   </p:clrMapOvr>
-  <p:timing>
-    <p:tnLst>
-      <p:par>
-        <p:cTn id="1" dur="indefinite" restart="never" nodeType="tmRoot"/>
-      </p:par>
-    </p:tnLst>
-  </p:timing>
 </p:sld>
 </file>
 
@@ -6342,7 +6299,7 @@
           <a:lstStyle/>
           <a:p>
             <a:r>
-              <a:rPr lang="en-US" dirty="0" err="1" smtClean="0"/>
+              <a:rPr lang="en-US" dirty="0" err="1"/>
               <a:t>Minification</a:t>
             </a:r>
             <a:endParaRPr lang="en-US" dirty="0"/>
@@ -6391,13 +6348,6 @@
   <p:clrMapOvr>
     <a:masterClrMapping/>
   </p:clrMapOvr>
-  <p:timing>
-    <p:tnLst>
-      <p:par>
-        <p:cTn id="1" dur="indefinite" restart="never" nodeType="tmRoot"/>
-      </p:par>
-    </p:tnLst>
-  </p:timing>
 </p:sld>
 </file>
 
@@ -6904,13 +6854,6 @@
     <a:masterClrMapping/>
   </p:clrMapOvr>
   <p:transition/>
-  <p:timing>
-    <p:tnLst>
-      <p:par>
-        <p:cTn id="1" dur="indefinite" restart="never" nodeType="tmRoot"/>
-      </p:par>
-    </p:tnLst>
-  </p:timing>
 </p:sld>
 </file>
 
@@ -6947,10 +6890,9 @@
           <a:lstStyle/>
           <a:p>
             <a:r>
-              <a:rPr lang="en-US" dirty="0" smtClean="0"/>
+              <a:rPr lang="en-US" dirty="0"/>
               <a:t>What to work with?</a:t>
             </a:r>
-            <a:endParaRPr lang="en-US" dirty="0"/>
           </a:p>
         </p:txBody>
       </p:sp>
@@ -6970,33 +6912,33 @@
           <a:lstStyle/>
           <a:p>
             <a:r>
-              <a:rPr lang="en-US" dirty="0" smtClean="0"/>
+              <a:rPr lang="en-US" dirty="0"/>
               <a:t>any working 2D code will do</a:t>
             </a:r>
-            <a:endParaRPr lang="hu-HU" dirty="0" smtClean="0"/>
+            <a:endParaRPr lang="hu-HU" dirty="0"/>
           </a:p>
           <a:p>
             <a:pPr lvl="1"/>
             <a:r>
-              <a:rPr lang="hu-HU" dirty="0" smtClean="0"/>
+              <a:rPr lang="hu-HU" dirty="0"/>
               <a:t>with </a:t>
             </a:r>
             <a:r>
-              <a:rPr lang="hu-HU" dirty="0" smtClean="0">
+              <a:rPr lang="hu-HU" dirty="0">
                 <a:latin typeface="Consolas" panose="020B0609020204030204" pitchFamily="49" charset="0"/>
                 <a:cs typeface="Consolas" panose="020B0609020204030204" pitchFamily="49" charset="0"/>
               </a:rPr>
               <a:t>Material</a:t>
             </a:r>
             <a:r>
-              <a:rPr lang="hu-HU" dirty="0" smtClean="0"/>
+              <a:rPr lang="hu-HU" dirty="0"/>
               <a:t>s</a:t>
             </a:r>
           </a:p>
           <a:p>
             <a:pPr lvl="1"/>
             <a:r>
-              <a:rPr lang="hu-HU" dirty="0" smtClean="0"/>
+              <a:rPr lang="hu-HU" dirty="0"/>
               <a:t>preferrably </a:t>
             </a:r>
             <a:r>
@@ -7007,34 +6949,33 @@
               <a:t>GameObject</a:t>
             </a:r>
             <a:r>
-              <a:rPr lang="hu-HU" dirty="0" smtClean="0"/>
+              <a:rPr lang="hu-HU" dirty="0"/>
               <a:t>s, too</a:t>
             </a:r>
-            <a:endParaRPr lang="en-US" dirty="0" smtClean="0"/>
-          </a:p>
-          <a:p>
-            <a:r>
-              <a:rPr lang="en-US" dirty="0" smtClean="0"/>
+            <a:endParaRPr lang="en-US" dirty="0"/>
+          </a:p>
+          <a:p>
+            <a:r>
+              <a:rPr lang="en-US" dirty="0"/>
               <a:t>even your homework</a:t>
             </a:r>
             <a:r>
-              <a:rPr lang="hu-HU" dirty="0" smtClean="0"/>
+              <a:rPr lang="hu-HU" dirty="0"/>
               <a:t>-in-the-making</a:t>
             </a:r>
-            <a:endParaRPr lang="en-US" dirty="0" smtClean="0"/>
-          </a:p>
-          <a:p>
-            <a:r>
-              <a:rPr lang="en-US" dirty="0" smtClean="0"/>
+            <a:endParaRPr lang="en-US" dirty="0"/>
+          </a:p>
+          <a:p>
+            <a:r>
+              <a:rPr lang="en-US" dirty="0"/>
               <a:t>we will do nothing destructive</a:t>
             </a:r>
           </a:p>
           <a:p>
             <a:r>
-              <a:rPr lang="en-US" dirty="0" smtClean="0"/>
+              <a:rPr lang="en-US" dirty="0"/>
               <a:t>but always keep several backups of everything ;)</a:t>
             </a:r>
-            <a:endParaRPr lang="en-US" dirty="0"/>
           </a:p>
         </p:txBody>
       </p:sp>
@@ -7048,13 +6989,6 @@
   <p:clrMapOvr>
     <a:masterClrMapping/>
   </p:clrMapOvr>
-  <p:timing>
-    <p:tnLst>
-      <p:par>
-        <p:cTn id="1" dur="indefinite" restart="never" nodeType="tmRoot"/>
-      </p:par>
-    </p:tnLst>
-  </p:timing>
 </p:sld>
 </file>
 
@@ -7091,10 +7025,9 @@
           <a:lstStyle/>
           <a:p>
             <a:r>
-              <a:rPr lang="en-US" dirty="0" smtClean="0"/>
+              <a:rPr lang="en-US" dirty="0"/>
               <a:t>New attributes</a:t>
             </a:r>
-            <a:endParaRPr lang="en-US" dirty="0"/>
           </a:p>
         </p:txBody>
       </p:sp>
@@ -7114,35 +7047,35 @@
           <a:lstStyle/>
           <a:p>
             <a:r>
-              <a:rPr lang="en-US" dirty="0" smtClean="0"/>
+              <a:rPr lang="en-US" dirty="0"/>
               <a:t>we will introduce new attributes</a:t>
             </a:r>
           </a:p>
           <a:p>
             <a:pPr lvl="1"/>
             <a:r>
-              <a:rPr lang="en-US" dirty="0" err="1" smtClean="0">
+              <a:rPr lang="en-US" dirty="0" err="1">
                 <a:latin typeface="Consolas" panose="020B0609020204030204" pitchFamily="49" charset="0"/>
                 <a:cs typeface="Consolas" panose="020B0609020204030204" pitchFamily="49" charset="0"/>
               </a:rPr>
               <a:t>tex</a:t>
             </a:r>
             <a:r>
-              <a:rPr lang="hu-HU" dirty="0" smtClean="0">
+              <a:rPr lang="hu-HU" dirty="0">
                 <a:latin typeface="Consolas" panose="020B0609020204030204" pitchFamily="49" charset="0"/>
                 <a:cs typeface="Consolas" panose="020B0609020204030204" pitchFamily="49" charset="0"/>
               </a:rPr>
               <a:t>C</a:t>
             </a:r>
             <a:r>
-              <a:rPr lang="en-US" dirty="0" err="1" smtClean="0">
+              <a:rPr lang="en-US" dirty="0" err="1">
                 <a:latin typeface="Consolas" panose="020B0609020204030204" pitchFamily="49" charset="0"/>
                 <a:cs typeface="Consolas" panose="020B0609020204030204" pitchFamily="49" charset="0"/>
               </a:rPr>
               <a:t>oord</a:t>
             </a:r>
             <a:r>
-              <a:rPr lang="en-US" dirty="0" smtClean="0"/>
+              <a:rPr lang="en-US" dirty="0"/>
               <a:t> for texturing</a:t>
             </a:r>
           </a:p>
@@ -7157,17 +7090,13 @@
             </a:r>
             <a:r>
               <a:rPr lang="en-US" dirty="0"/>
-              <a:t> </a:t>
-            </a:r>
-            <a:r>
-              <a:rPr lang="en-US" dirty="0" smtClean="0"/>
-              <a:t>for 3D shading, used later</a:t>
+              <a:t> for 3D shading, used later</a:t>
             </a:r>
           </a:p>
           <a:p>
             <a:pPr lvl="1"/>
             <a:r>
-              <a:rPr lang="en-US" dirty="0" smtClean="0"/>
+              <a:rPr lang="en-US" dirty="0"/>
               <a:t>but remove the </a:t>
             </a:r>
             <a:r>
@@ -7178,20 +7107,20 @@
               <a:t>color</a:t>
             </a:r>
             <a:r>
-              <a:rPr lang="en-US" dirty="0" smtClean="0"/>
+              <a:rPr lang="en-US" dirty="0"/>
               <a:t> attribute</a:t>
             </a:r>
           </a:p>
           <a:p>
             <a:pPr lvl="1"/>
             <a:r>
-              <a:rPr lang="en-US" dirty="0" smtClean="0"/>
+              <a:rPr lang="en-US" dirty="0"/>
               <a:t>we will never have to change attributes again</a:t>
             </a:r>
           </a:p>
           <a:p>
             <a:r>
-              <a:rPr lang="en-US" dirty="0" smtClean="0"/>
+              <a:rPr lang="en-US" dirty="0"/>
               <a:t>this means a new variant of </a:t>
             </a:r>
             <a:r>
@@ -7202,7 +7131,7 @@
               <a:t>Program.js</a:t>
             </a:r>
             <a:r>
-              <a:rPr lang="en-US" dirty="0" smtClean="0"/>
+              <a:rPr lang="en-US" dirty="0"/>
               <a:t> and relevant geometries</a:t>
             </a:r>
           </a:p>
@@ -7256,13 +7185,6 @@
   <p:clrMapOvr>
     <a:masterClrMapping/>
   </p:clrMapOvr>
-  <p:timing>
-    <p:tnLst>
-      <p:par>
-        <p:cTn id="1" dur="indefinite" restart="never" nodeType="tmRoot"/>
-      </p:par>
-    </p:tnLst>
-  </p:timing>
 </p:sld>
 </file>
 
@@ -7299,14 +7221,14 @@
           <a:lstStyle/>
           <a:p>
             <a:r>
-              <a:rPr lang="en-US" dirty="0" smtClean="0">
+              <a:rPr lang="en-US" dirty="0">
                 <a:latin typeface="Consolas" panose="020B0609020204030204" pitchFamily="49" charset="0"/>
                 <a:cs typeface="Consolas" panose="020B0609020204030204" pitchFamily="49" charset="0"/>
               </a:rPr>
               <a:t>Texture</a:t>
             </a:r>
             <a:r>
-              <a:rPr lang="hu-HU" dirty="0" err="1" smtClean="0">
+              <a:rPr lang="hu-HU" dirty="0" err="1">
                 <a:latin typeface="Consolas" panose="020B0609020204030204" pitchFamily="49" charset="0"/>
                 <a:cs typeface="Consolas" panose="020B0609020204030204" pitchFamily="49" charset="0"/>
               </a:rPr>
@@ -7396,7 +7318,7 @@
               <a:t> </a:t>
             </a:r>
             <a:r>
-              <a:rPr lang="hu-HU" sz="2000" dirty="0" err="1" smtClean="0">
+              <a:rPr lang="hu-HU" sz="2000" dirty="0" err="1">
                 <a:solidFill>
                   <a:srgbClr val="7030A0"/>
                 </a:solidFill>
@@ -7406,7 +7328,7 @@
               </a:rPr>
               <a:t>TexturedProgram.js</a:t>
             </a:r>
-            <a:endParaRPr lang="hu-HU" sz="2000" dirty="0" smtClean="0">
+            <a:endParaRPr lang="hu-HU" sz="2000" dirty="0">
               <a:solidFill>
                 <a:srgbClr val="7030A0"/>
               </a:solidFill>
@@ -7422,7 +7344,7 @@
               </a:lnSpc>
             </a:pPr>
             <a:r>
-              <a:rPr lang="hu-HU" sz="2000" dirty="0" smtClean="0">
+              <a:rPr lang="hu-HU" sz="2000" dirty="0">
                 <a:solidFill>
                   <a:srgbClr val="7030A0"/>
                 </a:solidFill>
@@ -7433,7 +7355,7 @@
               <a:t>// </a:t>
             </a:r>
             <a:r>
-              <a:rPr lang="hu-HU" sz="2000" dirty="0" err="1" smtClean="0">
+              <a:rPr lang="hu-HU" sz="2000" dirty="0" err="1">
                 <a:solidFill>
                   <a:srgbClr val="7030A0"/>
                 </a:solidFill>
@@ -7444,7 +7366,7 @@
               <a:t>change</a:t>
             </a:r>
             <a:r>
-              <a:rPr lang="hu-HU" sz="2000" dirty="0" smtClean="0">
+              <a:rPr lang="hu-HU" sz="2000" dirty="0">
                 <a:solidFill>
                   <a:srgbClr val="7030A0"/>
                 </a:solidFill>
@@ -7455,7 +7377,7 @@
               <a:t> </a:t>
             </a:r>
             <a:r>
-              <a:rPr lang="hu-HU" sz="2000" dirty="0" err="1" smtClean="0">
+              <a:rPr lang="hu-HU" sz="2000" dirty="0" err="1">
                 <a:solidFill>
                   <a:srgbClr val="7030A0"/>
                 </a:solidFill>
@@ -7466,7 +7388,7 @@
               <a:t>class</a:t>
             </a:r>
             <a:r>
-              <a:rPr lang="hu-HU" sz="2000" dirty="0" smtClean="0">
+              <a:rPr lang="hu-HU" sz="2000" dirty="0">
                 <a:solidFill>
                   <a:srgbClr val="7030A0"/>
                 </a:solidFill>
@@ -7477,7 +7399,7 @@
               <a:t> </a:t>
             </a:r>
             <a:r>
-              <a:rPr lang="hu-HU" sz="2000" dirty="0" err="1" smtClean="0">
+              <a:rPr lang="hu-HU" sz="2000" dirty="0" err="1">
                 <a:solidFill>
                   <a:srgbClr val="7030A0"/>
                 </a:solidFill>
@@ -7488,7 +7410,7 @@
               <a:t>name</a:t>
             </a:r>
             <a:r>
-              <a:rPr lang="hu-HU" sz="2000" dirty="0" smtClean="0">
+              <a:rPr lang="hu-HU" sz="2000" dirty="0">
                 <a:solidFill>
                   <a:srgbClr val="7030A0"/>
                 </a:solidFill>
@@ -7499,7 +7421,7 @@
               <a:t>, </a:t>
             </a:r>
             <a:r>
-              <a:rPr lang="hu-HU" sz="2000" dirty="0" err="1" smtClean="0">
+              <a:rPr lang="hu-HU" sz="2000" dirty="0" err="1">
                 <a:solidFill>
                   <a:srgbClr val="7030A0"/>
                 </a:solidFill>
@@ -8017,7 +7939,7 @@
           <a:lstStyle/>
           <a:p>
             <a:r>
-              <a:rPr lang="hu-HU" sz="20000" dirty="0" smtClean="0">
+              <a:rPr lang="hu-HU" sz="20000" dirty="0">
                 <a:solidFill>
                   <a:srgbClr val="00B050"/>
                 </a:solidFill>
@@ -8044,13 +7966,6 @@
   <p:clrMapOvr>
     <a:masterClrMapping/>
   </p:clrMapOvr>
-  <p:timing>
-    <p:tnLst>
-      <p:par>
-        <p:cTn id="1" dur="indefinite" restart="never" nodeType="tmRoot"/>
-      </p:par>
-    </p:tnLst>
-  </p:timing>
 </p:sld>
 </file>
 
@@ -8094,21 +8009,21 @@
               <a:t>Texture</a:t>
             </a:r>
             <a:r>
-              <a:rPr lang="hu-HU" dirty="0" err="1" smtClean="0">
+              <a:rPr lang="hu-HU" dirty="0" err="1">
                 <a:latin typeface="Consolas" panose="020B0609020204030204" pitchFamily="49" charset="0"/>
                 <a:cs typeface="Consolas" panose="020B0609020204030204" pitchFamily="49" charset="0"/>
               </a:rPr>
               <a:t>dQuadGeometry</a:t>
             </a:r>
             <a:r>
-              <a:rPr lang="en-US" dirty="0" smtClean="0">
+              <a:rPr lang="en-US" dirty="0">
                 <a:latin typeface="Consolas" panose="020B0609020204030204" pitchFamily="49" charset="0"/>
                 <a:cs typeface="Consolas" panose="020B0609020204030204" pitchFamily="49" charset="0"/>
               </a:rPr>
               <a:t>.</a:t>
             </a:r>
             <a:r>
-              <a:rPr lang="en-US" dirty="0" err="1" smtClean="0">
+              <a:rPr lang="en-US" dirty="0" err="1">
                 <a:latin typeface="Consolas" panose="020B0609020204030204" pitchFamily="49" charset="0"/>
                 <a:cs typeface="Consolas" panose="020B0609020204030204" pitchFamily="49" charset="0"/>
               </a:rPr>
@@ -8134,11 +8049,11 @@
           <a:lstStyle/>
           <a:p>
             <a:r>
-              <a:rPr lang="en-US" dirty="0" smtClean="0"/>
+              <a:rPr lang="en-US" dirty="0"/>
               <a:t>make a copy of </a:t>
             </a:r>
             <a:r>
-              <a:rPr lang="en-US" dirty="0" smtClean="0">
+              <a:rPr lang="en-US" dirty="0">
                 <a:latin typeface="Consolas" panose="020B0609020204030204" pitchFamily="49" charset="0"/>
                 <a:cs typeface="Consolas" panose="020B0609020204030204" pitchFamily="49" charset="0"/>
               </a:rPr>
@@ -8147,7 +8062,7 @@
           </a:p>
           <a:p>
             <a:r>
-              <a:rPr lang="en-US" dirty="0" smtClean="0"/>
+              <a:rPr lang="en-US" dirty="0"/>
               <a:t>rename to </a:t>
             </a:r>
             <a:r>
@@ -8158,21 +8073,21 @@
               <a:t>Texture</a:t>
             </a:r>
             <a:r>
-              <a:rPr lang="hu-HU" dirty="0" err="1" smtClean="0">
+              <a:rPr lang="hu-HU" dirty="0" err="1">
                 <a:latin typeface="Consolas" panose="020B0609020204030204" pitchFamily="49" charset="0"/>
                 <a:cs typeface="Consolas" panose="020B0609020204030204" pitchFamily="49" charset="0"/>
               </a:rPr>
               <a:t>dQuadGeometry</a:t>
             </a:r>
             <a:r>
-              <a:rPr lang="en-US" dirty="0" smtClean="0">
+              <a:rPr lang="en-US" dirty="0">
                 <a:latin typeface="Consolas" panose="020B0609020204030204" pitchFamily="49" charset="0"/>
                 <a:cs typeface="Consolas" panose="020B0609020204030204" pitchFamily="49" charset="0"/>
               </a:rPr>
               <a:t>.</a:t>
             </a:r>
             <a:r>
-              <a:rPr lang="en-US" dirty="0" err="1" smtClean="0">
+              <a:rPr lang="en-US" dirty="0" err="1">
                 <a:latin typeface="Consolas" panose="020B0609020204030204" pitchFamily="49" charset="0"/>
                 <a:cs typeface="Consolas" panose="020B0609020204030204" pitchFamily="49" charset="0"/>
               </a:rPr>
@@ -8182,24 +8097,24 @@
           </a:p>
           <a:p>
             <a:r>
-              <a:rPr lang="en-US" dirty="0" smtClean="0"/>
+              <a:rPr lang="en-US" dirty="0"/>
               <a:t>rename class to </a:t>
             </a:r>
             <a:r>
-              <a:rPr lang="en-US" dirty="0" smtClean="0">
+              <a:rPr lang="en-US" dirty="0">
                 <a:latin typeface="Consolas" panose="020B0609020204030204" pitchFamily="49" charset="0"/>
                 <a:cs typeface="Consolas" panose="020B0609020204030204" pitchFamily="49" charset="0"/>
               </a:rPr>
               <a:t>Texture</a:t>
             </a:r>
             <a:r>
-              <a:rPr lang="hu-HU" dirty="0" err="1" smtClean="0">
+              <a:rPr lang="hu-HU" dirty="0" err="1">
                 <a:latin typeface="Consolas" panose="020B0609020204030204" pitchFamily="49" charset="0"/>
                 <a:cs typeface="Consolas" panose="020B0609020204030204" pitchFamily="49" charset="0"/>
               </a:rPr>
               <a:t>dQuadGeometry</a:t>
             </a:r>
-            <a:endParaRPr lang="en-US" dirty="0" smtClean="0">
+            <a:endParaRPr lang="en-US" dirty="0">
               <a:latin typeface="Consolas" panose="020B0609020204030204" pitchFamily="49" charset="0"/>
               <a:cs typeface="Consolas" panose="020B0609020204030204" pitchFamily="49" charset="0"/>
             </a:endParaRPr>
@@ -8207,11 +8122,7 @@
           <a:p>
             <a:r>
               <a:rPr lang="en-US" dirty="0"/>
-              <a:t>change attributes as in following </a:t>
-            </a:r>
-            <a:r>
-              <a:rPr lang="en-US" dirty="0" smtClean="0"/>
-              <a:t>slides</a:t>
+              <a:t>change attributes as in following slides</a:t>
             </a:r>
           </a:p>
           <a:p>
@@ -8219,7 +8130,7 @@
           </a:p>
           <a:p>
             <a:r>
-              <a:rPr lang="en-US" b="1" dirty="0" smtClean="0">
+              <a:rPr lang="en-US" b="1" dirty="0">
                 <a:solidFill>
                   <a:schemeClr val="bg1">
                     <a:lumMod val="50000"/>
@@ -8229,10 +8140,9 @@
               <a:t>grey</a:t>
             </a:r>
             <a:r>
-              <a:rPr lang="en-US" b="1" dirty="0" smtClean="0"/>
+              <a:rPr lang="en-US" b="1" dirty="0"/>
               <a:t> code remains unchanged</a:t>
             </a:r>
-            <a:endParaRPr lang="en-US" b="1" dirty="0"/>
           </a:p>
         </p:txBody>
       </p:sp>
@@ -8246,13 +8156,6 @@
   <p:clrMapOvr>
     <a:masterClrMapping/>
   </p:clrMapOvr>
-  <p:timing>
-    <p:tnLst>
-      <p:par>
-        <p:cTn id="1" dur="indefinite" restart="never" nodeType="tmRoot"/>
-      </p:par>
-    </p:tnLst>
-  </p:timing>
 </p:sld>
 </file>
 
@@ -8289,21 +8192,21 @@
           <a:lstStyle/>
           <a:p>
             <a:r>
-              <a:rPr lang="en-US" dirty="0" smtClean="0">
+              <a:rPr lang="en-US" dirty="0">
                 <a:latin typeface="Consolas" panose="020B0609020204030204" pitchFamily="49" charset="0"/>
                 <a:cs typeface="Consolas" panose="020B0609020204030204" pitchFamily="49" charset="0"/>
               </a:rPr>
               <a:t>Texture</a:t>
             </a:r>
             <a:r>
-              <a:rPr lang="hu-HU" dirty="0" err="1" smtClean="0">
+              <a:rPr lang="hu-HU" dirty="0" err="1">
                 <a:latin typeface="Consolas" panose="020B0609020204030204" pitchFamily="49" charset="0"/>
                 <a:cs typeface="Consolas" panose="020B0609020204030204" pitchFamily="49" charset="0"/>
               </a:rPr>
               <a:t>dQuadGeometry</a:t>
             </a:r>
             <a:r>
-              <a:rPr lang="en-US" dirty="0" smtClean="0">
+              <a:rPr lang="en-US" dirty="0">
                 <a:cs typeface="Consolas" panose="020B0609020204030204" pitchFamily="49" charset="0"/>
               </a:rPr>
               <a:t> position</a:t>
@@ -8359,7 +8262,7 @@
               </a:lnSpc>
             </a:pPr>
             <a:r>
-              <a:rPr lang="en-US" sz="2000" i="1" dirty="0" smtClean="0">
+              <a:rPr lang="en-US" sz="2000" i="1" dirty="0">
                 <a:solidFill>
                   <a:schemeClr val="bg1">
                     <a:lumMod val="50000"/>
@@ -8372,7 +8275,7 @@
               <a:t>class</a:t>
             </a:r>
             <a:r>
-              <a:rPr lang="en-US" sz="2000" dirty="0" smtClean="0">
+              <a:rPr lang="en-US" sz="2000" dirty="0">
                 <a:solidFill>
                   <a:schemeClr val="bg1">
                     <a:lumMod val="50000"/>
@@ -8404,21 +8307,10 @@
                 <a:ea typeface="Times New Roman" panose="02020603050405020304" pitchFamily="18" charset="0"/>
                 <a:cs typeface="Times New Roman" panose="02020603050405020304" pitchFamily="18" charset="0"/>
               </a:rPr>
-              <a:t> </a:t>
-            </a:r>
-            <a:r>
-              <a:rPr lang="en-US" sz="2000" dirty="0" smtClean="0">
-                <a:solidFill>
-                  <a:srgbClr val="000000"/>
-                </a:solidFill>
-                <a:latin typeface="Consolas" panose="020B0609020204030204" pitchFamily="49" charset="0"/>
-                <a:ea typeface="Times New Roman" panose="02020603050405020304" pitchFamily="18" charset="0"/>
-                <a:cs typeface="Times New Roman" panose="02020603050405020304" pitchFamily="18" charset="0"/>
-              </a:rPr>
-              <a:t> </a:t>
-            </a:r>
-            <a:r>
-              <a:rPr lang="en-US" sz="2000" dirty="0" smtClean="0">
+              <a:t>  </a:t>
+            </a:r>
+            <a:r>
+              <a:rPr lang="en-US" sz="2000" dirty="0">
                 <a:solidFill>
                   <a:schemeClr val="bg1">
                     <a:lumMod val="50000"/>
@@ -8448,10 +8340,10 @@
                 <a:ea typeface="Times New Roman" panose="02020603050405020304" pitchFamily="18" charset="0"/>
                 <a:cs typeface="Times New Roman" panose="02020603050405020304" pitchFamily="18" charset="0"/>
               </a:rPr>
-              <a:t> </a:t>
-            </a:r>
-            <a:r>
-              <a:rPr lang="en-US" sz="2000" dirty="0" smtClean="0">
+              <a:t>  constructor(</a:t>
+            </a:r>
+            <a:r>
+              <a:rPr lang="en-US" sz="2000" dirty="0" err="1">
                 <a:solidFill>
                   <a:schemeClr val="bg1">
                     <a:lumMod val="50000"/>
@@ -8461,23 +8353,10 @@
                 <a:ea typeface="Times New Roman" panose="02020603050405020304" pitchFamily="18" charset="0"/>
                 <a:cs typeface="Times New Roman" panose="02020603050405020304" pitchFamily="18" charset="0"/>
               </a:rPr>
-              <a:t> constructor(</a:t>
-            </a:r>
-            <a:r>
-              <a:rPr lang="en-US" sz="2000" dirty="0" err="1" smtClean="0">
-                <a:solidFill>
-                  <a:schemeClr val="bg1">
-                    <a:lumMod val="50000"/>
-                  </a:schemeClr>
-                </a:solidFill>
-                <a:latin typeface="Consolas" panose="020B0609020204030204" pitchFamily="49" charset="0"/>
-                <a:ea typeface="Times New Roman" panose="02020603050405020304" pitchFamily="18" charset="0"/>
-                <a:cs typeface="Times New Roman" panose="02020603050405020304" pitchFamily="18" charset="0"/>
-              </a:rPr>
               <a:t>gl</a:t>
             </a:r>
             <a:r>
-              <a:rPr lang="en-US" sz="2000" dirty="0" smtClean="0">
+              <a:rPr lang="en-US" sz="2000" dirty="0">
                 <a:solidFill>
                   <a:schemeClr val="bg1">
                     <a:lumMod val="50000"/>
@@ -8562,7 +8441,7 @@
                 <a:spcPct val="107000"/>
               </a:lnSpc>
             </a:pPr>
-            <a:endParaRPr lang="en-US" sz="2000" dirty="0" smtClean="0">
+            <a:endParaRPr lang="en-US" sz="2000" dirty="0">
               <a:solidFill>
                 <a:schemeClr val="bg1">
                   <a:lumMod val="50000"/>
@@ -8590,10 +8469,10 @@
                 <a:ea typeface="Times New Roman" panose="02020603050405020304" pitchFamily="18" charset="0"/>
                 <a:cs typeface="Times New Roman" panose="02020603050405020304" pitchFamily="18" charset="0"/>
               </a:rPr>
-              <a:t> </a:t>
-            </a:r>
-            <a:r>
-              <a:rPr lang="en-US" sz="2000" dirty="0" smtClean="0">
+              <a:t>  </a:t>
+            </a:r>
+            <a:r>
+              <a:rPr lang="en-US" sz="2000" dirty="0" err="1">
                 <a:solidFill>
                   <a:schemeClr val="bg1">
                     <a:lumMod val="50000"/>
@@ -8603,10 +8482,10 @@
                 <a:ea typeface="Times New Roman" panose="02020603050405020304" pitchFamily="18" charset="0"/>
                 <a:cs typeface="Times New Roman" panose="02020603050405020304" pitchFamily="18" charset="0"/>
               </a:rPr>
-              <a:t> </a:t>
-            </a:r>
-            <a:r>
-              <a:rPr lang="en-US" sz="2000" dirty="0" err="1" smtClean="0">
+              <a:t>this.vertexBuffer</a:t>
+            </a:r>
+            <a:r>
+              <a:rPr lang="en-US" sz="2000" dirty="0">
                 <a:solidFill>
                   <a:schemeClr val="bg1">
                     <a:lumMod val="50000"/>
@@ -8616,33 +8495,7 @@
                 <a:ea typeface="Times New Roman" panose="02020603050405020304" pitchFamily="18" charset="0"/>
                 <a:cs typeface="Times New Roman" panose="02020603050405020304" pitchFamily="18" charset="0"/>
               </a:rPr>
-              <a:t>this.vertexBuffer</a:t>
-            </a:r>
-            <a:r>
-              <a:rPr lang="en-US" sz="2000" dirty="0" smtClean="0">
-                <a:solidFill>
-                  <a:schemeClr val="bg1">
-                    <a:lumMod val="50000"/>
-                  </a:schemeClr>
-                </a:solidFill>
-                <a:latin typeface="Consolas" panose="020B0609020204030204" pitchFamily="49" charset="0"/>
-                <a:ea typeface="Times New Roman" panose="02020603050405020304" pitchFamily="18" charset="0"/>
-                <a:cs typeface="Times New Roman" panose="02020603050405020304" pitchFamily="18" charset="0"/>
-              </a:rPr>
-              <a:t> </a:t>
-            </a:r>
-            <a:r>
-              <a:rPr lang="en-US" sz="2000" dirty="0">
-                <a:solidFill>
-                  <a:schemeClr val="bg1">
-                    <a:lumMod val="50000"/>
-                  </a:schemeClr>
-                </a:solidFill>
-                <a:latin typeface="Consolas" panose="020B0609020204030204" pitchFamily="49" charset="0"/>
-                <a:ea typeface="Times New Roman" panose="02020603050405020304" pitchFamily="18" charset="0"/>
-                <a:cs typeface="Times New Roman" panose="02020603050405020304" pitchFamily="18" charset="0"/>
-              </a:rPr>
-              <a:t>= </a:t>
+              <a:t> = </a:t>
             </a:r>
             <a:r>
               <a:rPr lang="en-US" sz="2000" dirty="0" err="1">
@@ -8918,10 +8771,10 @@
                 <a:ea typeface="Times New Roman" panose="02020603050405020304" pitchFamily="18" charset="0"/>
                 <a:cs typeface="Times New Roman" panose="02020603050405020304" pitchFamily="18" charset="0"/>
               </a:rPr>
-              <a:t>        -1, -1, </a:t>
-            </a:r>
-            <a:r>
-              <a:rPr lang="en-US" sz="2000" dirty="0" smtClean="0">
+              <a:t>        -1, -1, 0</a:t>
+            </a:r>
+            <a:r>
+              <a:rPr lang="hu-HU" sz="2000" dirty="0">
                 <a:solidFill>
                   <a:schemeClr val="bg1">
                     <a:lumMod val="50000"/>
@@ -8931,36 +8784,10 @@
                 <a:ea typeface="Times New Roman" panose="02020603050405020304" pitchFamily="18" charset="0"/>
                 <a:cs typeface="Times New Roman" panose="02020603050405020304" pitchFamily="18" charset="0"/>
               </a:rPr>
-              <a:t>0</a:t>
-            </a:r>
-            <a:r>
-              <a:rPr lang="hu-HU" sz="2000" dirty="0">
-                <a:solidFill>
-                  <a:schemeClr val="bg1">
-                    <a:lumMod val="50000"/>
-                  </a:schemeClr>
-                </a:solidFill>
-                <a:latin typeface="Consolas" panose="020B0609020204030204" pitchFamily="49" charset="0"/>
-                <a:ea typeface="Times New Roman" panose="02020603050405020304" pitchFamily="18" charset="0"/>
-                <a:cs typeface="Times New Roman" panose="02020603050405020304" pitchFamily="18" charset="0"/>
-              </a:rPr>
-              <a:t>.</a:t>
-            </a:r>
-            <a:r>
-              <a:rPr lang="hu-HU" sz="2000" dirty="0" smtClean="0">
-                <a:solidFill>
-                  <a:schemeClr val="bg1">
-                    <a:lumMod val="50000"/>
-                  </a:schemeClr>
-                </a:solidFill>
-                <a:latin typeface="Consolas" panose="020B0609020204030204" pitchFamily="49" charset="0"/>
-                <a:ea typeface="Times New Roman" panose="02020603050405020304" pitchFamily="18" charset="0"/>
-                <a:cs typeface="Times New Roman" panose="02020603050405020304" pitchFamily="18" charset="0"/>
-              </a:rPr>
-              <a:t>5</a:t>
-            </a:r>
-            <a:r>
-              <a:rPr lang="en-US" sz="2000" dirty="0" smtClean="0">
+              <a:t>.5</a:t>
+            </a:r>
+            <a:r>
+              <a:rPr lang="en-US" sz="2000" dirty="0">
                 <a:solidFill>
                   <a:schemeClr val="bg1">
                     <a:lumMod val="50000"/>
@@ -9000,10 +8827,10 @@
                 <a:ea typeface="Times New Roman" panose="02020603050405020304" pitchFamily="18" charset="0"/>
                 <a:cs typeface="Times New Roman" panose="02020603050405020304" pitchFamily="18" charset="0"/>
               </a:rPr>
-              <a:t>        -1,  1, </a:t>
-            </a:r>
-            <a:r>
-              <a:rPr lang="en-US" sz="2000" dirty="0" smtClean="0">
+              <a:t>        -1,  1, 0</a:t>
+            </a:r>
+            <a:r>
+              <a:rPr lang="hu-HU" sz="2000" dirty="0">
                 <a:solidFill>
                   <a:schemeClr val="bg1">
                     <a:lumMod val="50000"/>
@@ -9013,23 +8840,10 @@
                 <a:ea typeface="Times New Roman" panose="02020603050405020304" pitchFamily="18" charset="0"/>
                 <a:cs typeface="Times New Roman" panose="02020603050405020304" pitchFamily="18" charset="0"/>
               </a:rPr>
-              <a:t>0</a:t>
-            </a:r>
-            <a:r>
-              <a:rPr lang="hu-HU" sz="2000" dirty="0" smtClean="0">
-                <a:solidFill>
-                  <a:schemeClr val="bg1">
-                    <a:lumMod val="50000"/>
-                  </a:schemeClr>
-                </a:solidFill>
-                <a:latin typeface="Consolas" panose="020B0609020204030204" pitchFamily="49" charset="0"/>
-                <a:ea typeface="Times New Roman" panose="02020603050405020304" pitchFamily="18" charset="0"/>
-                <a:cs typeface="Times New Roman" panose="02020603050405020304" pitchFamily="18" charset="0"/>
-              </a:rPr>
               <a:t>.5</a:t>
             </a:r>
             <a:r>
-              <a:rPr lang="en-US" sz="2000" dirty="0" smtClean="0">
+              <a:rPr lang="en-US" sz="2000" dirty="0">
                 <a:solidFill>
                   <a:schemeClr val="bg1">
                     <a:lumMod val="50000"/>
@@ -9069,10 +8883,10 @@
                 <a:ea typeface="Times New Roman" panose="02020603050405020304" pitchFamily="18" charset="0"/>
                 <a:cs typeface="Times New Roman" panose="02020603050405020304" pitchFamily="18" charset="0"/>
               </a:rPr>
-              <a:t>         1, -1, </a:t>
-            </a:r>
-            <a:r>
-              <a:rPr lang="en-US" sz="2000" dirty="0" smtClean="0">
+              <a:t>         1, -1, 0</a:t>
+            </a:r>
+            <a:r>
+              <a:rPr lang="hu-HU" sz="2000" dirty="0">
                 <a:solidFill>
                   <a:schemeClr val="bg1">
                     <a:lumMod val="50000"/>
@@ -9082,23 +8896,10 @@
                 <a:ea typeface="Times New Roman" panose="02020603050405020304" pitchFamily="18" charset="0"/>
                 <a:cs typeface="Times New Roman" panose="02020603050405020304" pitchFamily="18" charset="0"/>
               </a:rPr>
-              <a:t>0</a:t>
-            </a:r>
-            <a:r>
-              <a:rPr lang="hu-HU" sz="2000" dirty="0" smtClean="0">
-                <a:solidFill>
-                  <a:schemeClr val="bg1">
-                    <a:lumMod val="50000"/>
-                  </a:schemeClr>
-                </a:solidFill>
-                <a:latin typeface="Consolas" panose="020B0609020204030204" pitchFamily="49" charset="0"/>
-                <a:ea typeface="Times New Roman" panose="02020603050405020304" pitchFamily="18" charset="0"/>
-                <a:cs typeface="Times New Roman" panose="02020603050405020304" pitchFamily="18" charset="0"/>
-              </a:rPr>
               <a:t>.5</a:t>
             </a:r>
             <a:r>
-              <a:rPr lang="en-US" sz="2000" dirty="0" smtClean="0">
+              <a:rPr lang="en-US" sz="2000" dirty="0">
                 <a:solidFill>
                   <a:schemeClr val="bg1">
                     <a:lumMod val="50000"/>
@@ -9138,10 +8939,10 @@
                 <a:ea typeface="Times New Roman" panose="02020603050405020304" pitchFamily="18" charset="0"/>
                 <a:cs typeface="Times New Roman" panose="02020603050405020304" pitchFamily="18" charset="0"/>
               </a:rPr>
-              <a:t>         1,  1, </a:t>
-            </a:r>
-            <a:r>
-              <a:rPr lang="en-US" sz="2000" dirty="0" smtClean="0">
+              <a:t>         1,  1, 0</a:t>
+            </a:r>
+            <a:r>
+              <a:rPr lang="hu-HU" sz="2000" dirty="0">
                 <a:solidFill>
                   <a:schemeClr val="bg1">
                     <a:lumMod val="50000"/>
@@ -9151,23 +8952,10 @@
                 <a:ea typeface="Times New Roman" panose="02020603050405020304" pitchFamily="18" charset="0"/>
                 <a:cs typeface="Times New Roman" panose="02020603050405020304" pitchFamily="18" charset="0"/>
               </a:rPr>
-              <a:t>0</a:t>
-            </a:r>
-            <a:r>
-              <a:rPr lang="hu-HU" sz="2000" dirty="0" smtClean="0">
-                <a:solidFill>
-                  <a:schemeClr val="bg1">
-                    <a:lumMod val="50000"/>
-                  </a:schemeClr>
-                </a:solidFill>
-                <a:latin typeface="Consolas" panose="020B0609020204030204" pitchFamily="49" charset="0"/>
-                <a:ea typeface="Times New Roman" panose="02020603050405020304" pitchFamily="18" charset="0"/>
-                <a:cs typeface="Times New Roman" panose="02020603050405020304" pitchFamily="18" charset="0"/>
-              </a:rPr>
               <a:t>.5</a:t>
             </a:r>
             <a:r>
-              <a:rPr lang="en-US" sz="2000" dirty="0" smtClean="0">
+              <a:rPr lang="en-US" sz="2000" dirty="0">
                 <a:solidFill>
                   <a:schemeClr val="bg1">
                     <a:lumMod val="50000"/>
@@ -9308,7 +9096,7 @@
           <a:p>
             <a:pPr algn="ctr"/>
             <a:r>
-              <a:rPr lang="en-US" dirty="0" smtClean="0"/>
+              <a:rPr lang="en-US" dirty="0"/>
               <a:t>same</a:t>
             </a:r>
             <a:endParaRPr lang="en-US" dirty="0">
@@ -9341,7 +9129,7 @@
           <a:lstStyle/>
           <a:p>
             <a:r>
-              <a:rPr lang="hu-HU" sz="20000" dirty="0" smtClean="0">
+              <a:rPr lang="hu-HU" sz="20000" dirty="0">
                 <a:solidFill>
                   <a:srgbClr val="00B050"/>
                 </a:solidFill>
@@ -9368,13 +9156,6 @@
   <p:clrMapOvr>
     <a:masterClrMapping/>
   </p:clrMapOvr>
-  <p:timing>
-    <p:tnLst>
-      <p:par>
-        <p:cTn id="1" dur="indefinite" restart="never" nodeType="tmRoot"/>
-      </p:par>
-    </p:tnLst>
-  </p:timing>
 </p:sld>
 </file>
 
@@ -9411,21 +9192,21 @@
           <a:lstStyle/>
           <a:p>
             <a:r>
-              <a:rPr lang="en-US" dirty="0" smtClean="0">
+              <a:rPr lang="en-US" dirty="0">
                 <a:latin typeface="Consolas" panose="020B0609020204030204" pitchFamily="49" charset="0"/>
                 <a:cs typeface="Consolas" panose="020B0609020204030204" pitchFamily="49" charset="0"/>
               </a:rPr>
               <a:t>Texture</a:t>
             </a:r>
             <a:r>
-              <a:rPr lang="hu-HU" dirty="0" err="1" smtClean="0">
+              <a:rPr lang="hu-HU" dirty="0" err="1">
                 <a:latin typeface="Consolas" panose="020B0609020204030204" pitchFamily="49" charset="0"/>
                 <a:cs typeface="Consolas" panose="020B0609020204030204" pitchFamily="49" charset="0"/>
               </a:rPr>
               <a:t>dQuadGeometry</a:t>
             </a:r>
             <a:r>
-              <a:rPr lang="en-US" dirty="0" smtClean="0">
+              <a:rPr lang="en-US" dirty="0">
                 <a:latin typeface="Consolas" panose="020B0609020204030204" pitchFamily="49" charset="0"/>
                 <a:cs typeface="Consolas" panose="020B0609020204030204" pitchFamily="49" charset="0"/>
               </a:rPr>
@@ -10416,7 +10197,7 @@
           <a:lstStyle/>
           <a:p>
             <a:r>
-              <a:rPr lang="hu-HU" sz="20000" dirty="0" smtClean="0">
+              <a:rPr lang="hu-HU" sz="20000" dirty="0">
                 <a:solidFill>
                   <a:srgbClr val="00B050"/>
                 </a:solidFill>
@@ -10443,13 +10224,6 @@
   <p:clrMapOvr>
     <a:masterClrMapping/>
   </p:clrMapOvr>
-  <p:timing>
-    <p:tnLst>
-      <p:par>
-        <p:cTn id="1" dur="indefinite" restart="never" nodeType="tmRoot"/>
-      </p:par>
-    </p:tnLst>
-  </p:timing>
 </p:sld>
 </file>
 
@@ -11682,15 +11456,7 @@
           <a:p>
             <a:r>
               <a:rPr lang="en-US" dirty="0"/>
-              <a:t>Texture </a:t>
-            </a:r>
-            <a:r>
-              <a:rPr lang="en-US" dirty="0" smtClean="0"/>
-              <a:t>mapping in OpenGL</a:t>
-            </a:r>
-            <a:r>
-              <a:rPr lang="en-US" dirty="0"/>
-              <a:t/>
+              <a:t>Texture mapping in OpenGL</a:t>
             </a:r>
             <a:br>
               <a:rPr lang="en-US" dirty="0"/>
@@ -11969,7 +11735,7 @@
           <a:p>
             <a:pPr algn="ctr"/>
             <a:r>
-              <a:rPr lang="en-US" sz="2400" dirty="0" smtClean="0">
+              <a:rPr lang="en-US" sz="2400" dirty="0">
                 <a:latin typeface="Whipsmart" panose="020B0502030203050204" pitchFamily="34" charset="0"/>
               </a:rPr>
               <a:t>texture coordinates from vertex buffer</a:t>
@@ -11995,13 +11761,6 @@
     <a:masterClrMapping/>
   </p:clrMapOvr>
   <p:transition/>
-  <p:timing>
-    <p:tnLst>
-      <p:par>
-        <p:cTn id="1" dur="indefinite" restart="never" nodeType="tmRoot"/>
-      </p:par>
-    </p:tnLst>
-  </p:timing>
 </p:sld>
 </file>
 
@@ -12038,14 +11797,14 @@
           <a:lstStyle/>
           <a:p>
             <a:r>
-              <a:rPr lang="en-US" dirty="0" smtClean="0">
+              <a:rPr lang="en-US" dirty="0">
                 <a:latin typeface="Consolas" panose="020B0609020204030204" pitchFamily="49" charset="0"/>
                 <a:cs typeface="Consolas" panose="020B0609020204030204" pitchFamily="49" charset="0"/>
               </a:rPr>
               <a:t>Texture</a:t>
             </a:r>
             <a:r>
-              <a:rPr lang="hu-HU" dirty="0" err="1" smtClean="0">
+              <a:rPr lang="hu-HU" dirty="0" err="1">
                 <a:latin typeface="Consolas" panose="020B0609020204030204" pitchFamily="49" charset="0"/>
                 <a:cs typeface="Consolas" panose="020B0609020204030204" pitchFamily="49" charset="0"/>
               </a:rPr>
@@ -12059,25 +11818,25 @@
               <a:t> </a:t>
             </a:r>
             <a:r>
-              <a:rPr lang="en-US" dirty="0" err="1" smtClean="0">
+              <a:rPr lang="en-US" dirty="0" err="1">
                 <a:cs typeface="Consolas" panose="020B0609020204030204" pitchFamily="49" charset="0"/>
               </a:rPr>
               <a:t>tex</a:t>
             </a:r>
             <a:r>
-              <a:rPr lang="hu-HU" dirty="0" err="1" smtClean="0">
+              <a:rPr lang="hu-HU" dirty="0" err="1">
                 <a:cs typeface="Consolas" panose="020B0609020204030204" pitchFamily="49" charset="0"/>
               </a:rPr>
               <a:t>ture</a:t>
             </a:r>
             <a:r>
-              <a:rPr lang="hu-HU" dirty="0" smtClean="0">
+              <a:rPr lang="hu-HU" dirty="0">
                 <a:cs typeface="Consolas" panose="020B0609020204030204" pitchFamily="49" charset="0"/>
               </a:rPr>
               <a:t> </a:t>
             </a:r>
             <a:r>
-              <a:rPr lang="hu-HU" dirty="0" err="1" smtClean="0">
+              <a:rPr lang="hu-HU" dirty="0" err="1">
                 <a:cs typeface="Consolas" panose="020B0609020204030204" pitchFamily="49" charset="0"/>
               </a:rPr>
               <a:t>coords</a:t>
@@ -13091,7 +12850,7 @@
           <a:lstStyle/>
           <a:p>
             <a:r>
-              <a:rPr lang="hu-HU" sz="20000" dirty="0" smtClean="0">
+              <a:rPr lang="hu-HU" sz="20000" dirty="0">
                 <a:solidFill>
                   <a:srgbClr val="00B050"/>
                 </a:solidFill>
@@ -13118,13 +12877,6 @@
   <p:clrMapOvr>
     <a:masterClrMapping/>
   </p:clrMapOvr>
-  <p:timing>
-    <p:tnLst>
-      <p:par>
-        <p:cTn id="1" dur="indefinite" restart="never" nodeType="tmRoot"/>
-      </p:par>
-    </p:tnLst>
-  </p:timing>
 </p:sld>
 </file>
 
@@ -13161,14 +12913,14 @@
           <a:lstStyle/>
           <a:p>
             <a:r>
-              <a:rPr lang="en-US" dirty="0" smtClean="0">
+              <a:rPr lang="en-US" dirty="0">
                 <a:latin typeface="Consolas" panose="020B0609020204030204" pitchFamily="49" charset="0"/>
                 <a:cs typeface="Consolas" panose="020B0609020204030204" pitchFamily="49" charset="0"/>
               </a:rPr>
               <a:t>Texture</a:t>
             </a:r>
             <a:r>
-              <a:rPr lang="hu-HU" dirty="0" err="1" smtClean="0">
+              <a:rPr lang="hu-HU" dirty="0" err="1">
                 <a:latin typeface="Consolas" panose="020B0609020204030204" pitchFamily="49" charset="0"/>
                 <a:cs typeface="Consolas" panose="020B0609020204030204" pitchFamily="49" charset="0"/>
               </a:rPr>
@@ -13837,7 +13589,7 @@
           <a:p>
             <a:pPr algn="ctr"/>
             <a:r>
-              <a:rPr lang="en-US" dirty="0" smtClean="0"/>
+              <a:rPr lang="en-US" dirty="0"/>
               <a:t>same</a:t>
             </a:r>
             <a:endParaRPr lang="en-US" dirty="0">
@@ -13870,7 +13622,7 @@
           <a:lstStyle/>
           <a:p>
             <a:r>
-              <a:rPr lang="hu-HU" sz="20000" dirty="0" smtClean="0">
+              <a:rPr lang="hu-HU" sz="20000" dirty="0">
                 <a:solidFill>
                   <a:srgbClr val="00B050"/>
                 </a:solidFill>
@@ -13897,13 +13649,6 @@
   <p:clrMapOvr>
     <a:masterClrMapping/>
   </p:clrMapOvr>
-  <p:timing>
-    <p:tnLst>
-      <p:par>
-        <p:cTn id="1" dur="indefinite" restart="never" nodeType="tmRoot"/>
-      </p:par>
-    </p:tnLst>
-  </p:timing>
 </p:sld>
 </file>
 
@@ -13940,28 +13685,28 @@
           <a:lstStyle/>
           <a:p>
             <a:r>
-              <a:rPr lang="en-US" dirty="0" smtClean="0">
+              <a:rPr lang="en-US" dirty="0">
                 <a:latin typeface="Consolas" panose="020B0609020204030204" pitchFamily="49" charset="0"/>
                 <a:cs typeface="Consolas" panose="020B0609020204030204" pitchFamily="49" charset="0"/>
               </a:rPr>
               <a:t>Texture</a:t>
             </a:r>
             <a:r>
-              <a:rPr lang="hu-HU" dirty="0" smtClean="0">
+              <a:rPr lang="hu-HU" dirty="0">
                 <a:latin typeface="Consolas" panose="020B0609020204030204" pitchFamily="49" charset="0"/>
                 <a:cs typeface="Consolas" panose="020B0609020204030204" pitchFamily="49" charset="0"/>
               </a:rPr>
               <a:t>dQuadGeometry</a:t>
             </a:r>
             <a:r>
-              <a:rPr lang="en-US" dirty="0" smtClean="0">
+              <a:rPr lang="en-US" dirty="0">
                 <a:latin typeface="Consolas" panose="020B0609020204030204" pitchFamily="49" charset="0"/>
                 <a:cs typeface="Consolas" panose="020B0609020204030204" pitchFamily="49" charset="0"/>
               </a:rPr>
               <a:t> </a:t>
             </a:r>
             <a:r>
-              <a:rPr lang="en-US" dirty="0" smtClean="0">
+              <a:rPr lang="en-US" dirty="0">
                 <a:cs typeface="Consolas" panose="020B0609020204030204" pitchFamily="49" charset="0"/>
               </a:rPr>
               <a:t>input layout (a.k.a. VAO) - positions</a:t>
@@ -14565,7 +14310,7 @@
           <a:lstStyle/>
           <a:p>
             <a:r>
-              <a:rPr lang="hu-HU" sz="20000" dirty="0" smtClean="0">
+              <a:rPr lang="hu-HU" sz="20000" dirty="0">
                 <a:solidFill>
                   <a:srgbClr val="00B050"/>
                 </a:solidFill>
@@ -14592,13 +14337,6 @@
   <p:clrMapOvr>
     <a:masterClrMapping/>
   </p:clrMapOvr>
-  <p:timing>
-    <p:tnLst>
-      <p:par>
-        <p:cTn id="1" dur="indefinite" restart="never" nodeType="tmRoot"/>
-      </p:par>
-    </p:tnLst>
-  </p:timing>
 </p:sld>
 </file>
 
@@ -14635,14 +14373,14 @@
           <a:lstStyle/>
           <a:p>
             <a:r>
-              <a:rPr lang="en-US" dirty="0" smtClean="0">
+              <a:rPr lang="en-US" dirty="0">
                 <a:latin typeface="Consolas" panose="020B0609020204030204" pitchFamily="49" charset="0"/>
                 <a:cs typeface="Consolas" panose="020B0609020204030204" pitchFamily="49" charset="0"/>
               </a:rPr>
               <a:t>Texture</a:t>
             </a:r>
             <a:r>
-              <a:rPr lang="hu-HU" dirty="0" smtClean="0">
+              <a:rPr lang="hu-HU" dirty="0">
                 <a:latin typeface="Consolas" panose="020B0609020204030204" pitchFamily="49" charset="0"/>
                 <a:cs typeface="Consolas" panose="020B0609020204030204" pitchFamily="49" charset="0"/>
               </a:rPr>
@@ -15199,7 +14937,7 @@
           <a:lstStyle/>
           <a:p>
             <a:r>
-              <a:rPr lang="hu-HU" sz="20000" dirty="0" smtClean="0">
+              <a:rPr lang="hu-HU" sz="20000" dirty="0">
                 <a:solidFill>
                   <a:srgbClr val="00B050"/>
                 </a:solidFill>
@@ -15226,13 +14964,6 @@
   <p:clrMapOvr>
     <a:masterClrMapping/>
   </p:clrMapOvr>
-  <p:timing>
-    <p:tnLst>
-      <p:par>
-        <p:cTn id="1" dur="indefinite" restart="never" nodeType="tmRoot"/>
-      </p:par>
-    </p:tnLst>
-  </p:timing>
 </p:sld>
 </file>
 
@@ -15269,21 +15000,21 @@
           <a:lstStyle/>
           <a:p>
             <a:r>
-              <a:rPr lang="en-US" dirty="0" smtClean="0">
+              <a:rPr lang="en-US" dirty="0">
                 <a:latin typeface="Consolas" panose="020B0609020204030204" pitchFamily="49" charset="0"/>
                 <a:cs typeface="Consolas" panose="020B0609020204030204" pitchFamily="49" charset="0"/>
               </a:rPr>
               <a:t>Texture</a:t>
             </a:r>
             <a:r>
-              <a:rPr lang="hu-HU" dirty="0" smtClean="0">
+              <a:rPr lang="hu-HU" dirty="0">
                 <a:latin typeface="Consolas" panose="020B0609020204030204" pitchFamily="49" charset="0"/>
                 <a:cs typeface="Consolas" panose="020B0609020204030204" pitchFamily="49" charset="0"/>
               </a:rPr>
               <a:t>dQuadGeometry</a:t>
             </a:r>
             <a:r>
-              <a:rPr lang="en-US" dirty="0" smtClean="0">
+              <a:rPr lang="en-US" dirty="0">
                 <a:latin typeface="Consolas" panose="020B0609020204030204" pitchFamily="49" charset="0"/>
                 <a:cs typeface="Consolas" panose="020B0609020204030204" pitchFamily="49" charset="0"/>
               </a:rPr>
@@ -15931,7 +15662,7 @@
           </a:p>
           <a:p>
             <a:r>
-              <a:rPr lang="en-US" sz="2000" dirty="0" smtClean="0">
+              <a:rPr lang="en-US" sz="2000" dirty="0">
                 <a:solidFill>
                   <a:srgbClr val="A5A5A5"/>
                 </a:solidFill>
@@ -15941,14 +15672,6 @@
               </a:rPr>
               <a:t>}</a:t>
             </a:r>
-            <a:endParaRPr lang="en-US" sz="2000" dirty="0">
-              <a:solidFill>
-                <a:srgbClr val="A5A5A5"/>
-              </a:solidFill>
-              <a:latin typeface="Consolas" panose="020B0609020204030204" pitchFamily="49" charset="0"/>
-              <a:ea typeface="Times New Roman" panose="02020603050405020304" pitchFamily="18" charset="0"/>
-              <a:cs typeface="Times New Roman" panose="02020603050405020304" pitchFamily="18" charset="0"/>
-            </a:endParaRPr>
           </a:p>
         </p:txBody>
       </p:sp>
@@ -16018,7 +15741,7 @@
           <a:lstStyle/>
           <a:p>
             <a:r>
-              <a:rPr lang="hu-HU" sz="20000" dirty="0" smtClean="0">
+              <a:rPr lang="hu-HU" sz="20000" dirty="0">
                 <a:solidFill>
                   <a:srgbClr val="00B050"/>
                 </a:solidFill>
@@ -16045,13 +15768,6 @@
   <p:clrMapOvr>
     <a:masterClrMapping/>
   </p:clrMapOvr>
-  <p:timing>
-    <p:tnLst>
-      <p:par>
-        <p:cTn id="1" dur="indefinite" restart="never" nodeType="tmRoot"/>
-      </p:par>
-    </p:tnLst>
-  </p:timing>
 </p:sld>
 </file>
 
@@ -16088,21 +15804,21 @@
           <a:lstStyle/>
           <a:p>
             <a:r>
-              <a:rPr lang="en-US" dirty="0" smtClean="0">
+              <a:rPr lang="en-US" dirty="0">
                 <a:latin typeface="Consolas" panose="020B0609020204030204" pitchFamily="49" charset="0"/>
                 <a:cs typeface="Consolas" panose="020B0609020204030204" pitchFamily="49" charset="0"/>
               </a:rPr>
               <a:t>Texture</a:t>
             </a:r>
             <a:r>
-              <a:rPr lang="hu-HU" dirty="0" smtClean="0">
+              <a:rPr lang="hu-HU" dirty="0">
                 <a:latin typeface="Consolas" panose="020B0609020204030204" pitchFamily="49" charset="0"/>
                 <a:cs typeface="Consolas" panose="020B0609020204030204" pitchFamily="49" charset="0"/>
               </a:rPr>
               <a:t>dQuadGeometry</a:t>
             </a:r>
             <a:r>
-              <a:rPr lang="en-US" dirty="0" smtClean="0">
+              <a:rPr lang="en-US" dirty="0">
                 <a:cs typeface="Consolas" panose="020B0609020204030204" pitchFamily="49" charset="0"/>
               </a:rPr>
               <a:t> draw</a:t>
@@ -16158,7 +15874,7 @@
               </a:lnSpc>
             </a:pPr>
             <a:r>
-              <a:rPr lang="hu-HU" sz="2000" dirty="0" smtClean="0">
+              <a:rPr lang="hu-HU" sz="2000" dirty="0">
                 <a:solidFill>
                   <a:srgbClr val="A5A5A5"/>
                 </a:solidFill>
@@ -16169,7 +15885,7 @@
               <a:t>  </a:t>
             </a:r>
             <a:r>
-              <a:rPr lang="en-US" sz="2000" dirty="0" smtClean="0">
+              <a:rPr lang="en-US" sz="2000" dirty="0">
                 <a:solidFill>
                   <a:srgbClr val="A5A5A5"/>
                 </a:solidFill>
@@ -16177,18 +15893,7 @@
                 <a:ea typeface="Times New Roman" panose="02020603050405020304" pitchFamily="18" charset="0"/>
                 <a:cs typeface="Times New Roman" panose="02020603050405020304" pitchFamily="18" charset="0"/>
               </a:rPr>
-              <a:t>draw </a:t>
-            </a:r>
-            <a:r>
-              <a:rPr lang="en-US" sz="2000" dirty="0">
-                <a:solidFill>
-                  <a:srgbClr val="A5A5A5"/>
-                </a:solidFill>
-                <a:latin typeface="Consolas" panose="020B0609020204030204" pitchFamily="49" charset="0"/>
-                <a:ea typeface="Times New Roman" panose="02020603050405020304" pitchFamily="18" charset="0"/>
-                <a:cs typeface="Times New Roman" panose="02020603050405020304" pitchFamily="18" charset="0"/>
-              </a:rPr>
-              <a:t>= function() {</a:t>
+              <a:t>draw = function() {</a:t>
             </a:r>
           </a:p>
           <a:p>
@@ -16206,10 +15911,10 @@
                 <a:ea typeface="Times New Roman" panose="02020603050405020304" pitchFamily="18" charset="0"/>
                 <a:cs typeface="Times New Roman" panose="02020603050405020304" pitchFamily="18" charset="0"/>
               </a:rPr>
-              <a:t>  </a:t>
-            </a:r>
-            <a:r>
-              <a:rPr lang="en-US" sz="2000" dirty="0" smtClean="0">
+              <a:t>    </a:t>
+            </a:r>
+            <a:r>
+              <a:rPr lang="en-US" sz="2000" dirty="0" err="1">
                 <a:solidFill>
                   <a:srgbClr val="A5A5A5"/>
                 </a:solidFill>
@@ -16217,21 +15922,10 @@
                 <a:ea typeface="Times New Roman" panose="02020603050405020304" pitchFamily="18" charset="0"/>
                 <a:cs typeface="Times New Roman" panose="02020603050405020304" pitchFamily="18" charset="0"/>
               </a:rPr>
-              <a:t>  </a:t>
-            </a:r>
-            <a:r>
-              <a:rPr lang="en-US" sz="2000" dirty="0" err="1" smtClean="0">
-                <a:solidFill>
-                  <a:srgbClr val="A5A5A5"/>
-                </a:solidFill>
-                <a:latin typeface="Consolas" panose="020B0609020204030204" pitchFamily="49" charset="0"/>
-                <a:ea typeface="Times New Roman" panose="02020603050405020304" pitchFamily="18" charset="0"/>
-                <a:cs typeface="Times New Roman" panose="02020603050405020304" pitchFamily="18" charset="0"/>
-              </a:rPr>
               <a:t>const</a:t>
             </a:r>
             <a:r>
-              <a:rPr lang="en-US" sz="2000" dirty="0" smtClean="0">
+              <a:rPr lang="en-US" sz="2000" dirty="0">
                 <a:solidFill>
                   <a:srgbClr val="A5A5A5"/>
                 </a:solidFill>
@@ -16294,10 +15988,10 @@
                 <a:ea typeface="Times New Roman" panose="02020603050405020304" pitchFamily="18" charset="0"/>
                 <a:cs typeface="Times New Roman" panose="02020603050405020304" pitchFamily="18" charset="0"/>
               </a:rPr>
-              <a:t>  </a:t>
-            </a:r>
-            <a:r>
-              <a:rPr lang="en-US" sz="2000" dirty="0" smtClean="0">
+              <a:t>    </a:t>
+            </a:r>
+            <a:r>
+              <a:rPr lang="en-US" sz="2000" dirty="0" err="1">
                 <a:solidFill>
                   <a:srgbClr val="A5A5A5"/>
                 </a:solidFill>
@@ -16305,10 +15999,10 @@
                 <a:ea typeface="Times New Roman" panose="02020603050405020304" pitchFamily="18" charset="0"/>
                 <a:cs typeface="Times New Roman" panose="02020603050405020304" pitchFamily="18" charset="0"/>
               </a:rPr>
-              <a:t>  </a:t>
-            </a:r>
-            <a:r>
-              <a:rPr lang="en-US" sz="2000" dirty="0" err="1" smtClean="0">
+              <a:t>gl.bindVertexArray</a:t>
+            </a:r>
+            <a:r>
+              <a:rPr lang="en-US" sz="2000" dirty="0">
                 <a:solidFill>
                   <a:srgbClr val="A5A5A5"/>
                 </a:solidFill>
@@ -16316,21 +16010,10 @@
                 <a:ea typeface="Times New Roman" panose="02020603050405020304" pitchFamily="18" charset="0"/>
                 <a:cs typeface="Times New Roman" panose="02020603050405020304" pitchFamily="18" charset="0"/>
               </a:rPr>
-              <a:t>gl.bindVertexArray</a:t>
-            </a:r>
-            <a:r>
-              <a:rPr lang="en-US" sz="2000" dirty="0" smtClean="0">
-                <a:solidFill>
-                  <a:srgbClr val="A5A5A5"/>
-                </a:solidFill>
-                <a:latin typeface="Consolas" panose="020B0609020204030204" pitchFamily="49" charset="0"/>
-                <a:ea typeface="Times New Roman" panose="02020603050405020304" pitchFamily="18" charset="0"/>
-                <a:cs typeface="Times New Roman" panose="02020603050405020304" pitchFamily="18" charset="0"/>
-              </a:rPr>
               <a:t>(</a:t>
             </a:r>
             <a:r>
-              <a:rPr lang="en-US" sz="2000" dirty="0" err="1" smtClean="0">
+              <a:rPr lang="en-US" sz="2000" dirty="0" err="1">
                 <a:solidFill>
                   <a:srgbClr val="A5A5A5"/>
                 </a:solidFill>
@@ -16367,10 +16050,10 @@
                 <a:ea typeface="Times New Roman" panose="02020603050405020304" pitchFamily="18" charset="0"/>
                 <a:cs typeface="Times New Roman" panose="02020603050405020304" pitchFamily="18" charset="0"/>
               </a:rPr>
-              <a:t>  </a:t>
-            </a:r>
-            <a:r>
-              <a:rPr lang="en-US" sz="2000" dirty="0" smtClean="0">
+              <a:t>    </a:t>
+            </a:r>
+            <a:r>
+              <a:rPr lang="en-US" sz="2000" dirty="0" err="1">
                 <a:solidFill>
                   <a:srgbClr val="A5A5A5"/>
                 </a:solidFill>
@@ -16378,10 +16061,10 @@
                 <a:ea typeface="Times New Roman" panose="02020603050405020304" pitchFamily="18" charset="0"/>
                 <a:cs typeface="Times New Roman" panose="02020603050405020304" pitchFamily="18" charset="0"/>
               </a:rPr>
-              <a:t>  </a:t>
-            </a:r>
-            <a:r>
-              <a:rPr lang="en-US" sz="2000" dirty="0" err="1" smtClean="0">
+              <a:t>gl.bindBuffer</a:t>
+            </a:r>
+            <a:r>
+              <a:rPr lang="en-US" sz="2000" dirty="0">
                 <a:solidFill>
                   <a:srgbClr val="A5A5A5"/>
                 </a:solidFill>
@@ -16389,21 +16072,10 @@
                 <a:ea typeface="Times New Roman" panose="02020603050405020304" pitchFamily="18" charset="0"/>
                 <a:cs typeface="Times New Roman" panose="02020603050405020304" pitchFamily="18" charset="0"/>
               </a:rPr>
-              <a:t>gl.bindBuffer</a:t>
-            </a:r>
-            <a:r>
-              <a:rPr lang="en-US" sz="2000" dirty="0" smtClean="0">
-                <a:solidFill>
-                  <a:srgbClr val="A5A5A5"/>
-                </a:solidFill>
-                <a:latin typeface="Consolas" panose="020B0609020204030204" pitchFamily="49" charset="0"/>
-                <a:ea typeface="Times New Roman" panose="02020603050405020304" pitchFamily="18" charset="0"/>
-                <a:cs typeface="Times New Roman" panose="02020603050405020304" pitchFamily="18" charset="0"/>
-              </a:rPr>
               <a:t>(</a:t>
             </a:r>
             <a:r>
-              <a:rPr lang="en-US" sz="2000" dirty="0" err="1" smtClean="0">
+              <a:rPr lang="en-US" sz="2000" dirty="0" err="1">
                 <a:solidFill>
                   <a:srgbClr val="A5A5A5"/>
                 </a:solidFill>
@@ -16477,10 +16149,10 @@
                 <a:ea typeface="Times New Roman" panose="02020603050405020304" pitchFamily="18" charset="0"/>
                 <a:cs typeface="Times New Roman" panose="02020603050405020304" pitchFamily="18" charset="0"/>
               </a:rPr>
-              <a:t>  </a:t>
-            </a:r>
-            <a:r>
-              <a:rPr lang="en-US" sz="2000" dirty="0" smtClean="0">
+              <a:t>    </a:t>
+            </a:r>
+            <a:r>
+              <a:rPr lang="en-US" sz="2000" dirty="0" err="1">
                 <a:solidFill>
                   <a:srgbClr val="A5A5A5"/>
                 </a:solidFill>
@@ -16488,10 +16160,10 @@
                 <a:ea typeface="Times New Roman" panose="02020603050405020304" pitchFamily="18" charset="0"/>
                 <a:cs typeface="Times New Roman" panose="02020603050405020304" pitchFamily="18" charset="0"/>
               </a:rPr>
-              <a:t>  </a:t>
-            </a:r>
-            <a:r>
-              <a:rPr lang="en-US" sz="2000" dirty="0" err="1" smtClean="0">
+              <a:t>gl.drawElements</a:t>
+            </a:r>
+            <a:r>
+              <a:rPr lang="en-US" sz="2000" dirty="0">
                 <a:solidFill>
                   <a:srgbClr val="A5A5A5"/>
                 </a:solidFill>
@@ -16499,21 +16171,10 @@
                 <a:ea typeface="Times New Roman" panose="02020603050405020304" pitchFamily="18" charset="0"/>
                 <a:cs typeface="Times New Roman" panose="02020603050405020304" pitchFamily="18" charset="0"/>
               </a:rPr>
-              <a:t>gl.drawElements</a:t>
-            </a:r>
-            <a:r>
-              <a:rPr lang="en-US" sz="2000" dirty="0" smtClean="0">
-                <a:solidFill>
-                  <a:srgbClr val="A5A5A5"/>
-                </a:solidFill>
-                <a:latin typeface="Consolas" panose="020B0609020204030204" pitchFamily="49" charset="0"/>
-                <a:ea typeface="Times New Roman" panose="02020603050405020304" pitchFamily="18" charset="0"/>
-                <a:cs typeface="Times New Roman" panose="02020603050405020304" pitchFamily="18" charset="0"/>
-              </a:rPr>
               <a:t>(</a:t>
             </a:r>
             <a:r>
-              <a:rPr lang="en-US" sz="2000" dirty="0" err="1" smtClean="0">
+              <a:rPr lang="en-US" sz="2000" dirty="0" err="1">
                 <a:solidFill>
                   <a:srgbClr val="A5A5A5"/>
                 </a:solidFill>
@@ -16566,7 +16227,7 @@
               </a:lnSpc>
             </a:pPr>
             <a:r>
-              <a:rPr lang="hu-HU" sz="2000" dirty="0" smtClean="0">
+              <a:rPr lang="hu-HU" sz="2000" dirty="0">
                 <a:solidFill>
                   <a:srgbClr val="A5A5A5"/>
                 </a:solidFill>
@@ -16577,7 +16238,7 @@
               <a:t>  </a:t>
             </a:r>
             <a:r>
-              <a:rPr lang="en-US" sz="2000" dirty="0" smtClean="0">
+              <a:rPr lang="en-US" sz="2000" dirty="0">
                 <a:solidFill>
                   <a:srgbClr val="A5A5A5"/>
                 </a:solidFill>
@@ -16587,7 +16248,7 @@
               </a:rPr>
               <a:t>}</a:t>
             </a:r>
-            <a:endParaRPr lang="hu-HU" sz="2000" dirty="0" smtClean="0">
+            <a:endParaRPr lang="hu-HU" sz="2000" dirty="0">
               <a:solidFill>
                 <a:srgbClr val="A5A5A5"/>
               </a:solidFill>
@@ -16603,7 +16264,7 @@
               </a:lnSpc>
             </a:pPr>
             <a:r>
-              <a:rPr lang="en-US" sz="2000" dirty="0" smtClean="0">
+              <a:rPr lang="en-US" sz="2000" dirty="0">
                 <a:solidFill>
                   <a:srgbClr val="A5A5A5"/>
                 </a:solidFill>
@@ -16658,10 +16319,9 @@
           <a:p>
             <a:pPr algn="ctr"/>
             <a:r>
-              <a:rPr lang="en-US" dirty="0" smtClean="0"/>
+              <a:rPr lang="en-US" dirty="0"/>
               <a:t>same</a:t>
             </a:r>
-            <a:endParaRPr lang="en-US" dirty="0"/>
           </a:p>
         </p:txBody>
       </p:sp>
@@ -16761,7 +16421,7 @@
           <a:lstStyle/>
           <a:p>
             <a:r>
-              <a:rPr lang="hu-HU" sz="20000" dirty="0" smtClean="0">
+              <a:rPr lang="hu-HU" sz="20000" dirty="0">
                 <a:solidFill>
                   <a:srgbClr val="00B050"/>
                 </a:solidFill>
@@ -16788,13 +16448,6 @@
   <p:clrMapOvr>
     <a:masterClrMapping/>
   </p:clrMapOvr>
-  <p:timing>
-    <p:tnLst>
-      <p:par>
-        <p:cTn id="1" dur="indefinite" restart="never" nodeType="tmRoot"/>
-      </p:par>
-    </p:tnLst>
-  </p:timing>
 </p:sld>
 </file>
 
@@ -16831,29 +16484,25 @@
           <a:lstStyle/>
           <a:p>
             <a:r>
-              <a:rPr lang="en-US" dirty="0" smtClean="0"/>
+              <a:rPr lang="en-US" dirty="0"/>
               <a:t>Texturing fragment </a:t>
             </a:r>
             <a:r>
-              <a:rPr lang="en-US" dirty="0" err="1" smtClean="0"/>
+              <a:rPr lang="en-US" dirty="0" err="1"/>
               <a:t>shader</a:t>
             </a:r>
-            <a:r>
-              <a:rPr lang="en-US" dirty="0" smtClean="0"/>
-              <a:t/>
-            </a:r>
             <a:br>
-              <a:rPr lang="en-US" dirty="0" smtClean="0"/>
+              <a:rPr lang="en-US" dirty="0"/>
             </a:br>
             <a:r>
-              <a:rPr lang="en-US" dirty="0" smtClean="0">
+              <a:rPr lang="en-US" dirty="0">
                 <a:latin typeface="Consolas" panose="020B0609020204030204" pitchFamily="49" charset="0"/>
                 <a:cs typeface="Consolas" panose="020B0609020204030204" pitchFamily="49" charset="0"/>
               </a:rPr>
               <a:t>textured-</a:t>
             </a:r>
             <a:r>
-              <a:rPr lang="en-US" dirty="0" err="1" smtClean="0">
+              <a:rPr lang="en-US" dirty="0" err="1">
                 <a:latin typeface="Consolas" panose="020B0609020204030204" pitchFamily="49" charset="0"/>
                 <a:cs typeface="Consolas" panose="020B0609020204030204" pitchFamily="49" charset="0"/>
               </a:rPr>
@@ -17328,7 +16977,7 @@
               <a:t> </a:t>
             </a:r>
             <a:r>
-              <a:rPr lang="en-US" sz="2000" dirty="0" err="1" smtClean="0">
+              <a:rPr lang="en-US" sz="2000" dirty="0" err="1">
                 <a:solidFill>
                   <a:srgbClr val="000000"/>
                 </a:solidFill>
@@ -17339,7 +16988,7 @@
               <a:t>struct</a:t>
             </a:r>
             <a:r>
-              <a:rPr lang="en-US" sz="2000" dirty="0" smtClean="0">
+              <a:rPr lang="en-US" sz="2000" dirty="0">
                 <a:solidFill>
                   <a:srgbClr val="000000"/>
                 </a:solidFill>
@@ -17365,10 +17014,32 @@
                 <a:ea typeface="Times New Roman" panose="02020603050405020304" pitchFamily="18" charset="0"/>
                 <a:cs typeface="Times New Roman" panose="02020603050405020304" pitchFamily="18" charset="0"/>
               </a:rPr>
+              <a:t>  </a:t>
+            </a:r>
+            <a:r>
+              <a:rPr lang="en-US" sz="2000" i="1" dirty="0">
+                <a:solidFill>
+                  <a:srgbClr val="34A7BD"/>
+                </a:solidFill>
+                <a:latin typeface="Consolas" panose="020B0609020204030204" pitchFamily="49" charset="0"/>
+                <a:ea typeface="Times New Roman" panose="02020603050405020304" pitchFamily="18" charset="0"/>
+                <a:cs typeface="Times New Roman" panose="02020603050405020304" pitchFamily="18" charset="0"/>
+              </a:rPr>
+              <a:t>sampler2D</a:t>
+            </a:r>
+            <a:r>
+              <a:rPr lang="en-US" sz="2000" dirty="0">
+                <a:solidFill>
+                  <a:srgbClr val="000000"/>
+                </a:solidFill>
+                <a:latin typeface="Consolas" panose="020B0609020204030204" pitchFamily="49" charset="0"/>
+                <a:ea typeface="Times New Roman" panose="02020603050405020304" pitchFamily="18" charset="0"/>
+                <a:cs typeface="Times New Roman" panose="02020603050405020304" pitchFamily="18" charset="0"/>
+              </a:rPr>
               <a:t> </a:t>
             </a:r>
             <a:r>
-              <a:rPr lang="en-US" sz="2000" i="1" dirty="0" smtClean="0">
+              <a:rPr lang="en-US" sz="2000" dirty="0" err="1">
                 <a:solidFill>
                   <a:srgbClr val="000000"/>
                 </a:solidFill>
@@ -17376,43 +17047,10 @@
                 <a:ea typeface="Times New Roman" panose="02020603050405020304" pitchFamily="18" charset="0"/>
                 <a:cs typeface="Times New Roman" panose="02020603050405020304" pitchFamily="18" charset="0"/>
               </a:rPr>
-              <a:t> </a:t>
-            </a:r>
-            <a:r>
-              <a:rPr lang="en-US" sz="2000" i="1" dirty="0" smtClean="0">
-                <a:solidFill>
-                  <a:srgbClr val="34A7BD"/>
-                </a:solidFill>
-                <a:latin typeface="Consolas" panose="020B0609020204030204" pitchFamily="49" charset="0"/>
-                <a:ea typeface="Times New Roman" panose="02020603050405020304" pitchFamily="18" charset="0"/>
-                <a:cs typeface="Times New Roman" panose="02020603050405020304" pitchFamily="18" charset="0"/>
-              </a:rPr>
-              <a:t>sampler2D</a:t>
-            </a:r>
-            <a:r>
-              <a:rPr lang="en-US" sz="2000" dirty="0" smtClean="0">
-                <a:solidFill>
-                  <a:srgbClr val="000000"/>
-                </a:solidFill>
-                <a:latin typeface="Consolas" panose="020B0609020204030204" pitchFamily="49" charset="0"/>
-                <a:ea typeface="Times New Roman" panose="02020603050405020304" pitchFamily="18" charset="0"/>
-                <a:cs typeface="Times New Roman" panose="02020603050405020304" pitchFamily="18" charset="0"/>
-              </a:rPr>
-              <a:t> </a:t>
-            </a:r>
-            <a:r>
-              <a:rPr lang="en-US" sz="2000" dirty="0" err="1">
-                <a:solidFill>
-                  <a:srgbClr val="000000"/>
-                </a:solidFill>
-                <a:latin typeface="Consolas" panose="020B0609020204030204" pitchFamily="49" charset="0"/>
-                <a:ea typeface="Times New Roman" panose="02020603050405020304" pitchFamily="18" charset="0"/>
-                <a:cs typeface="Times New Roman" panose="02020603050405020304" pitchFamily="18" charset="0"/>
-              </a:rPr>
               <a:t>colorTexture</a:t>
             </a:r>
             <a:r>
-              <a:rPr lang="en-US" sz="2000" dirty="0" smtClean="0">
+              <a:rPr lang="en-US" sz="2000" dirty="0">
                 <a:solidFill>
                   <a:srgbClr val="000000"/>
                 </a:solidFill>
@@ -17430,7 +17068,7 @@
               </a:lnSpc>
             </a:pPr>
             <a:r>
-              <a:rPr lang="en-US" sz="2000" dirty="0" smtClean="0">
+              <a:rPr lang="en-US" sz="2000" dirty="0">
                 <a:solidFill>
                   <a:srgbClr val="000000"/>
                 </a:solidFill>
@@ -17579,7 +17217,7 @@
               <a:t> = </a:t>
             </a:r>
             <a:r>
-              <a:rPr lang="en-US" sz="2000" dirty="0" smtClean="0">
+              <a:rPr lang="en-US" sz="2000" dirty="0">
                 <a:solidFill>
                   <a:srgbClr val="34A7BD"/>
                 </a:solidFill>
@@ -17590,7 +17228,7 @@
               <a:t>texture</a:t>
             </a:r>
             <a:r>
-              <a:rPr lang="en-US" sz="2000" dirty="0" smtClean="0">
+              <a:rPr lang="en-US" sz="2000" dirty="0">
                 <a:solidFill>
                   <a:srgbClr val="000000"/>
                 </a:solidFill>
@@ -17601,7 +17239,7 @@
               <a:t>(</a:t>
             </a:r>
             <a:r>
-              <a:rPr lang="en-US" sz="2000" dirty="0" err="1" smtClean="0">
+              <a:rPr lang="en-US" sz="2000" dirty="0" err="1">
                 <a:solidFill>
                   <a:srgbClr val="000000"/>
                 </a:solidFill>
@@ -17782,7 +17420,7 @@
           <a:lstStyle/>
           <a:p>
             <a:r>
-              <a:rPr lang="hu-HU" sz="20000" dirty="0" smtClean="0">
+              <a:rPr lang="hu-HU" sz="20000" dirty="0">
                 <a:solidFill>
                   <a:srgbClr val="00B050"/>
                 </a:solidFill>
@@ -17809,13 +17447,6 @@
   <p:clrMapOvr>
     <a:masterClrMapping/>
   </p:clrMapOvr>
-  <p:timing>
-    <p:tnLst>
-      <p:par>
-        <p:cTn id="1" dur="indefinite" restart="never" nodeType="tmRoot"/>
-      </p:par>
-    </p:tnLst>
-  </p:timing>
 </p:sld>
 </file>
 
@@ -17852,11 +17483,11 @@
           <a:lstStyle/>
           <a:p>
             <a:r>
-              <a:rPr lang="en-US" dirty="0" smtClean="0"/>
+              <a:rPr lang="en-US" dirty="0"/>
               <a:t>Task: vertex </a:t>
             </a:r>
             <a:r>
-              <a:rPr lang="en-US" dirty="0" err="1" smtClean="0"/>
+              <a:rPr lang="en-US" dirty="0" err="1"/>
               <a:t>shader</a:t>
             </a:r>
             <a:endParaRPr lang="en-US" dirty="0"/>
@@ -17879,119 +17510,118 @@
           <a:lstStyle/>
           <a:p>
             <a:r>
-              <a:rPr lang="en-US" dirty="0" smtClean="0"/>
+              <a:rPr lang="en-US" dirty="0"/>
               <a:t>write this on your own</a:t>
             </a:r>
           </a:p>
           <a:p>
             <a:r>
-              <a:rPr lang="en-US" dirty="0" smtClean="0"/>
+              <a:rPr lang="en-US" dirty="0"/>
               <a:t>again, it makes sense to create a new file</a:t>
             </a:r>
           </a:p>
           <a:p>
             <a:pPr lvl="1"/>
             <a:r>
-              <a:rPr lang="en-US" dirty="0" smtClean="0"/>
+              <a:rPr lang="en-US" dirty="0"/>
               <a:t>keeping the old one for </a:t>
             </a:r>
             <a:r>
-              <a:rPr lang="en-US" dirty="0" err="1" smtClean="0"/>
+              <a:rPr lang="en-US" dirty="0" err="1"/>
               <a:t>untextured</a:t>
             </a:r>
             <a:r>
-              <a:rPr lang="en-US" dirty="0" smtClean="0"/>
+              <a:rPr lang="en-US" dirty="0"/>
               <a:t>/color-attribute-using stuff</a:t>
             </a:r>
           </a:p>
           <a:p>
             <a:r>
-              <a:rPr lang="en-US" dirty="0" smtClean="0"/>
+              <a:rPr lang="en-US" dirty="0"/>
               <a:t>it is the same as before, but</a:t>
             </a:r>
+          </a:p>
+          <a:p>
+            <a:pPr lvl="1"/>
+            <a:r>
+              <a:rPr lang="hu-HU" dirty="0" err="1"/>
+              <a:t>instead</a:t>
+            </a:r>
+            <a:r>
+              <a:rPr lang="hu-HU" dirty="0"/>
+              <a:t> of </a:t>
+            </a:r>
+            <a:r>
+              <a:rPr lang="hu-HU" dirty="0" err="1">
+                <a:latin typeface="Consolas" panose="020B0609020204030204" pitchFamily="49" charset="0"/>
+                <a:cs typeface="Consolas" panose="020B0609020204030204" pitchFamily="49" charset="0"/>
+              </a:rPr>
+              <a:t>color</a:t>
+            </a:r>
+            <a:r>
+              <a:rPr lang="hu-HU" dirty="0">
+                <a:latin typeface="Consolas" panose="020B0609020204030204" pitchFamily="49" charset="0"/>
+                <a:cs typeface="Consolas" panose="020B0609020204030204" pitchFamily="49" charset="0"/>
+              </a:rPr>
+              <a:t> </a:t>
+            </a:r>
+            <a:r>
+              <a:rPr lang="en-US" dirty="0">
+                <a:latin typeface="Consolas" panose="020B0609020204030204" pitchFamily="49" charset="0"/>
+                <a:cs typeface="Consolas" panose="020B0609020204030204" pitchFamily="49" charset="0"/>
+              </a:rPr>
+              <a:t>= </a:t>
+            </a:r>
+            <a:r>
+              <a:rPr lang="en-US" dirty="0" err="1">
+                <a:latin typeface="Consolas" panose="020B0609020204030204" pitchFamily="49" charset="0"/>
+                <a:cs typeface="Consolas" panose="020B0609020204030204" pitchFamily="49" charset="0"/>
+              </a:rPr>
+              <a:t>vertexColor</a:t>
+            </a:r>
             <a:endParaRPr lang="en-US" dirty="0"/>
           </a:p>
           <a:p>
             <a:pPr lvl="1"/>
             <a:r>
-              <a:rPr lang="hu-HU" dirty="0" err="1" smtClean="0"/>
-              <a:t>instead</a:t>
-            </a:r>
-            <a:r>
-              <a:rPr lang="hu-HU" dirty="0" smtClean="0"/>
-              <a:t> of </a:t>
-            </a:r>
-            <a:r>
-              <a:rPr lang="hu-HU" dirty="0" err="1">
+              <a:rPr lang="en-US" dirty="0"/>
+              <a:t>forwards input </a:t>
+            </a:r>
+            <a:r>
+              <a:rPr lang="en-US" dirty="0" err="1">
                 <a:latin typeface="Consolas" panose="020B0609020204030204" pitchFamily="49" charset="0"/>
                 <a:cs typeface="Consolas" panose="020B0609020204030204" pitchFamily="49" charset="0"/>
               </a:rPr>
-              <a:t>color</a:t>
-            </a:r>
-            <a:r>
-              <a:rPr lang="hu-HU" dirty="0">
+              <a:t>vertexTexCoord</a:t>
+            </a:r>
+            <a:r>
+              <a:rPr lang="en-US" dirty="0"/>
+              <a:t> to output </a:t>
+            </a:r>
+            <a:r>
+              <a:rPr lang="en-US" dirty="0" err="1">
                 <a:latin typeface="Consolas" panose="020B0609020204030204" pitchFamily="49" charset="0"/>
                 <a:cs typeface="Consolas" panose="020B0609020204030204" pitchFamily="49" charset="0"/>
               </a:rPr>
-              <a:t> </a:t>
-            </a:r>
-            <a:r>
-              <a:rPr lang="en-US" dirty="0">
-                <a:latin typeface="Consolas" panose="020B0609020204030204" pitchFamily="49" charset="0"/>
-                <a:cs typeface="Consolas" panose="020B0609020204030204" pitchFamily="49" charset="0"/>
-              </a:rPr>
-              <a:t>= </a:t>
-            </a:r>
-            <a:r>
-              <a:rPr lang="en-US" dirty="0" err="1">
-                <a:latin typeface="Consolas" panose="020B0609020204030204" pitchFamily="49" charset="0"/>
-                <a:cs typeface="Consolas" panose="020B0609020204030204" pitchFamily="49" charset="0"/>
-              </a:rPr>
-              <a:t>vertexColor</a:t>
-            </a:r>
-            <a:endParaRPr lang="en-US" dirty="0"/>
+              <a:t>texCoord</a:t>
+            </a:r>
+            <a:r>
+              <a:rPr lang="en-US" dirty="0"/>
+              <a:t>, thus providing the fragment </a:t>
+            </a:r>
+            <a:r>
+              <a:rPr lang="en-US" dirty="0" err="1"/>
+              <a:t>shader</a:t>
+            </a:r>
+            <a:r>
+              <a:rPr lang="en-US" dirty="0"/>
+              <a:t> with input</a:t>
+            </a:r>
           </a:p>
           <a:p>
             <a:pPr lvl="1"/>
             <a:r>
-              <a:rPr lang="en-US" dirty="0" smtClean="0"/>
-              <a:t>forwards input </a:t>
-            </a:r>
-            <a:r>
-              <a:rPr lang="en-US" dirty="0" err="1">
-                <a:latin typeface="Consolas" panose="020B0609020204030204" pitchFamily="49" charset="0"/>
-                <a:cs typeface="Consolas" panose="020B0609020204030204" pitchFamily="49" charset="0"/>
-              </a:rPr>
-              <a:t>vertexTexCoord</a:t>
-            </a:r>
-            <a:r>
-              <a:rPr lang="en-US" dirty="0" smtClean="0"/>
-              <a:t> to output </a:t>
-            </a:r>
-            <a:r>
-              <a:rPr lang="en-US" dirty="0" err="1">
-                <a:latin typeface="Consolas" panose="020B0609020204030204" pitchFamily="49" charset="0"/>
-                <a:cs typeface="Consolas" panose="020B0609020204030204" pitchFamily="49" charset="0"/>
-              </a:rPr>
-              <a:t>texCoord</a:t>
-            </a:r>
-            <a:r>
-              <a:rPr lang="en-US" dirty="0" smtClean="0"/>
-              <a:t>, thus providing the fragment </a:t>
-            </a:r>
-            <a:r>
-              <a:rPr lang="en-US" dirty="0" err="1" smtClean="0"/>
-              <a:t>shader</a:t>
-            </a:r>
-            <a:r>
-              <a:rPr lang="en-US" dirty="0" smtClean="0"/>
-              <a:t> with input</a:t>
-            </a:r>
-          </a:p>
-          <a:p>
-            <a:pPr lvl="1"/>
-            <a:r>
-              <a:rPr lang="en-US" dirty="0" smtClean="0"/>
+              <a:rPr lang="en-US" dirty="0"/>
               <a:t>note that the type is not </a:t>
             </a:r>
             <a:r>
@@ -18027,7 +17657,7 @@
           <a:lstStyle/>
           <a:p>
             <a:r>
-              <a:rPr lang="hu-HU" sz="20000" dirty="0" smtClean="0">
+              <a:rPr lang="hu-HU" sz="20000" dirty="0">
                 <a:solidFill>
                   <a:srgbClr val="00B050"/>
                 </a:solidFill>
@@ -18054,13 +17684,6 @@
   <p:clrMapOvr>
     <a:masterClrMapping/>
   </p:clrMapOvr>
-  <p:timing>
-    <p:tnLst>
-      <p:par>
-        <p:cTn id="1" dur="indefinite" restart="never" nodeType="tmRoot"/>
-      </p:par>
-    </p:tnLst>
-  </p:timing>
 </p:sld>
 </file>
 
@@ -18097,10 +17720,9 @@
           <a:lstStyle/>
           <a:p>
             <a:r>
-              <a:rPr lang="en-US" dirty="0" smtClean="0"/>
+              <a:rPr lang="en-US" dirty="0"/>
               <a:t>We need to</a:t>
             </a:r>
-            <a:endParaRPr lang="en-US" dirty="0"/>
           </a:p>
         </p:txBody>
       </p:sp>
@@ -18120,60 +17742,60 @@
           <a:lstStyle/>
           <a:p>
             <a:r>
-              <a:rPr lang="en-US" dirty="0" smtClean="0"/>
+              <a:rPr lang="en-US" dirty="0"/>
               <a:t>create </a:t>
             </a:r>
             <a:r>
-              <a:rPr lang="en-US" dirty="0" err="1" smtClean="0"/>
+              <a:rPr lang="en-US" dirty="0" err="1"/>
               <a:t>WebGL</a:t>
             </a:r>
             <a:r>
-              <a:rPr lang="en-US" dirty="0" smtClean="0"/>
+              <a:rPr lang="en-US" dirty="0"/>
               <a:t> texture</a:t>
             </a:r>
           </a:p>
           <a:p>
             <a:r>
-              <a:rPr lang="en-US" dirty="0" smtClean="0"/>
+              <a:rPr lang="en-US" dirty="0"/>
               <a:t>load HTML image</a:t>
             </a:r>
           </a:p>
           <a:p>
             <a:r>
-              <a:rPr lang="en-US" dirty="0" smtClean="0"/>
+              <a:rPr lang="en-US" dirty="0"/>
               <a:t>upload image to texture</a:t>
             </a:r>
           </a:p>
           <a:p>
             <a:pPr lvl="1"/>
             <a:r>
-              <a:rPr lang="en-US" dirty="0" smtClean="0"/>
+              <a:rPr lang="en-US" dirty="0"/>
               <a:t>plus generate </a:t>
             </a:r>
             <a:r>
-              <a:rPr lang="en-US" dirty="0" err="1" smtClean="0"/>
+              <a:rPr lang="en-US" dirty="0" err="1"/>
               <a:t>mipmap</a:t>
             </a:r>
             <a:r>
-              <a:rPr lang="en-US" dirty="0" smtClean="0"/>
+              <a:rPr lang="en-US" dirty="0"/>
               <a:t> levels</a:t>
             </a:r>
           </a:p>
           <a:p>
             <a:r>
-              <a:rPr lang="en-US" dirty="0" smtClean="0"/>
+              <a:rPr lang="en-US" dirty="0"/>
               <a:t>set texture filtering</a:t>
             </a:r>
           </a:p>
           <a:p>
             <a:r>
-              <a:rPr lang="en-US" dirty="0" smtClean="0"/>
+              <a:rPr lang="en-US" dirty="0"/>
               <a:t>set uniform</a:t>
             </a:r>
           </a:p>
           <a:p>
             <a:r>
-              <a:rPr lang="en-US" dirty="0" smtClean="0"/>
+              <a:rPr lang="en-US" dirty="0"/>
               <a:t>bind texture</a:t>
             </a:r>
           </a:p>
@@ -18356,13 +17978,6 @@
   <p:clrMapOvr>
     <a:masterClrMapping/>
   </p:clrMapOvr>
-  <p:timing>
-    <p:tnLst>
-      <p:par>
-        <p:cTn id="1" dur="indefinite" restart="never" nodeType="tmRoot"/>
-      </p:par>
-    </p:tnLst>
-  </p:timing>
 </p:sld>
 </file>
 
@@ -18399,26 +18014,26 @@
           <a:lstStyle/>
           <a:p>
             <a:r>
-              <a:rPr lang="en-US" dirty="0" smtClean="0">
+              <a:rPr lang="en-US" dirty="0">
                 <a:latin typeface="Consolas" panose="020B0609020204030204" pitchFamily="49" charset="0"/>
                 <a:cs typeface="Consolas" panose="020B0609020204030204" pitchFamily="49" charset="0"/>
               </a:rPr>
               <a:t>Texture2D.js</a:t>
             </a:r>
             <a:r>
-              <a:rPr lang="hu-HU" dirty="0" smtClean="0"/>
+              <a:rPr lang="hu-HU" dirty="0"/>
               <a:t> </a:t>
             </a:r>
             <a:r>
-              <a:rPr lang="hu-HU" dirty="0" err="1" smtClean="0"/>
+              <a:rPr lang="hu-HU" dirty="0" err="1"/>
               <a:t>object</a:t>
             </a:r>
             <a:r>
-              <a:rPr lang="hu-HU" dirty="0" smtClean="0"/>
+              <a:rPr lang="hu-HU" dirty="0"/>
               <a:t> </a:t>
             </a:r>
             <a:r>
-              <a:rPr lang="hu-HU" dirty="0" err="1" smtClean="0"/>
+              <a:rPr lang="hu-HU" dirty="0" err="1"/>
               <a:t>constructor</a:t>
             </a:r>
             <a:endParaRPr lang="en-US" dirty="0"/>
@@ -20197,7 +19812,7 @@
           <a:lstStyle/>
           <a:p>
             <a:r>
-              <a:rPr lang="hu-HU" sz="20000" dirty="0" smtClean="0">
+              <a:rPr lang="hu-HU" sz="20000" dirty="0">
                 <a:solidFill>
                   <a:srgbClr val="00B050"/>
                 </a:solidFill>
@@ -20224,13 +19839,6 @@
   <p:clrMapOvr>
     <a:masterClrMapping/>
   </p:clrMapOvr>
-  <p:timing>
-    <p:tnLst>
-      <p:par>
-        <p:cTn id="1" dur="indefinite" restart="never" nodeType="tmRoot"/>
-      </p:par>
-    </p:tnLst>
-  </p:timing>
 </p:sld>
 </file>
 
@@ -20342,41 +19950,27 @@
           </a:p>
           <a:p>
             <a:r>
-              <a:rPr lang="en-US" sz="3200" b="1" dirty="0" err="1" smtClean="0">
+              <a:rPr lang="en-US" sz="3200" b="1" dirty="0" err="1">
                 <a:latin typeface="Courier New" panose="02070309020205020404" pitchFamily="49" charset="0"/>
                 <a:cs typeface="Courier New" panose="02070309020205020404" pitchFamily="49" charset="0"/>
               </a:rPr>
               <a:t>this.image</a:t>
-            </a:r>
-            <a:r>
-              <a:rPr lang="en-US" sz="3200" b="1" dirty="0" smtClean="0">
-                <a:latin typeface="Courier New" panose="02070309020205020404" pitchFamily="49" charset="0"/>
-                <a:cs typeface="Courier New" panose="02070309020205020404" pitchFamily="49" charset="0"/>
-              </a:rPr>
-              <a:t> </a:t>
             </a:r>
             <a:r>
               <a:rPr lang="en-US" sz="3200" b="1" dirty="0">
                 <a:latin typeface="Courier New" panose="02070309020205020404" pitchFamily="49" charset="0"/>
                 <a:cs typeface="Courier New" panose="02070309020205020404" pitchFamily="49" charset="0"/>
               </a:rPr>
-              <a:t>= new Image</a:t>
-            </a:r>
-            <a:r>
-              <a:rPr lang="en-US" sz="3200" b="1" dirty="0" smtClean="0">
-                <a:latin typeface="Courier New" panose="02070309020205020404" pitchFamily="49" charset="0"/>
-                <a:cs typeface="Courier New" panose="02070309020205020404" pitchFamily="49" charset="0"/>
-              </a:rPr>
-              <a:t>();</a:t>
-            </a:r>
-            <a:endParaRPr lang="hu-HU" sz="3200" b="1" dirty="0" smtClean="0">
+              <a:t> = new Image();</a:t>
+            </a:r>
+            <a:endParaRPr lang="hu-HU" sz="3200" b="1" dirty="0">
               <a:latin typeface="Courier New" panose="02070309020205020404" pitchFamily="49" charset="0"/>
               <a:cs typeface="Courier New" panose="02070309020205020404" pitchFamily="49" charset="0"/>
             </a:endParaRPr>
           </a:p>
           <a:p>
             <a:r>
-              <a:rPr lang="hu-HU" sz="3200" b="1" dirty="0" smtClean="0">
+              <a:rPr lang="hu-HU" sz="3200" b="1" dirty="0">
                 <a:solidFill>
                   <a:srgbClr val="00B050"/>
                 </a:solidFill>
@@ -20386,7 +19980,7 @@
               <a:t>//</a:t>
             </a:r>
             <a:r>
-              <a:rPr lang="hu-HU" sz="3200" b="1" dirty="0" err="1" smtClean="0">
+              <a:rPr lang="hu-HU" sz="3200" b="1" dirty="0" err="1">
                 <a:solidFill>
                   <a:srgbClr val="00B050"/>
                 </a:solidFill>
@@ -20396,7 +19990,7 @@
               <a:t>after</a:t>
             </a:r>
             <a:r>
-              <a:rPr lang="hu-HU" sz="3200" b="1" dirty="0" smtClean="0">
+              <a:rPr lang="hu-HU" sz="3200" b="1" dirty="0">
                 <a:solidFill>
                   <a:srgbClr val="00B050"/>
                 </a:solidFill>
@@ -20406,7 +20000,7 @@
               <a:t> image has </a:t>
             </a:r>
             <a:r>
-              <a:rPr lang="hu-HU" sz="3200" b="1" dirty="0" err="1" smtClean="0">
+              <a:rPr lang="hu-HU" sz="3200" b="1" dirty="0" err="1">
                 <a:solidFill>
                   <a:srgbClr val="00B050"/>
                 </a:solidFill>
@@ -20415,7 +20009,7 @@
               </a:rPr>
               <a:t>loaded</a:t>
             </a:r>
-            <a:endParaRPr lang="hu-HU" sz="3200" b="1" dirty="0" smtClean="0">
+            <a:endParaRPr lang="hu-HU" sz="3200" b="1" dirty="0">
               <a:solidFill>
                 <a:srgbClr val="00B050"/>
               </a:solidFill>
@@ -20455,27 +20049,13 @@
           </a:p>
           <a:p>
             <a:r>
-              <a:rPr lang="en-US" sz="3200" b="1" dirty="0" smtClean="0">
-                <a:latin typeface="Courier New" panose="02070309020205020404" pitchFamily="49" charset="0"/>
-                <a:cs typeface="Courier New" panose="02070309020205020404" pitchFamily="49" charset="0"/>
-              </a:rPr>
-              <a:t>gl.texImage2D(gl.TEXTURE_2D</a:t>
-            </a:r>
-            <a:r>
               <a:rPr lang="en-US" sz="3200" b="1" dirty="0">
                 <a:latin typeface="Courier New" panose="02070309020205020404" pitchFamily="49" charset="0"/>
                 <a:cs typeface="Courier New" panose="02070309020205020404" pitchFamily="49" charset="0"/>
               </a:rPr>
-              <a:t>, 0</a:t>
-            </a:r>
-            <a:r>
-              <a:rPr lang="en-US" sz="3200" b="1" dirty="0" smtClean="0">
-                <a:latin typeface="Courier New" panose="02070309020205020404" pitchFamily="49" charset="0"/>
-                <a:cs typeface="Courier New" panose="02070309020205020404" pitchFamily="49" charset="0"/>
-              </a:rPr>
-              <a:t>,</a:t>
-            </a:r>
-            <a:endParaRPr lang="hu-HU" sz="3200" b="1" dirty="0" smtClean="0">
+              <a:t>gl.texImage2D(gl.TEXTURE_2D, 0,</a:t>
+            </a:r>
+            <a:endParaRPr lang="hu-HU" sz="3200" b="1" dirty="0">
               <a:latin typeface="Courier New" panose="02070309020205020404" pitchFamily="49" charset="0"/>
               <a:cs typeface="Courier New" panose="02070309020205020404" pitchFamily="49" charset="0"/>
             </a:endParaRPr>
@@ -20489,7 +20069,7 @@
               <a:t> </a:t>
             </a:r>
             <a:r>
-              <a:rPr lang="en-US" sz="3200" b="1" dirty="0" smtClean="0">
+              <a:rPr lang="en-US" sz="3200" b="1" dirty="0">
                 <a:latin typeface="Courier New" panose="02070309020205020404" pitchFamily="49" charset="0"/>
                 <a:cs typeface="Courier New" panose="02070309020205020404" pitchFamily="49" charset="0"/>
               </a:rPr>
@@ -20510,20 +20090,20 @@
               <a:t>, </a:t>
             </a:r>
             <a:r>
-              <a:rPr lang="en-US" sz="3200" b="1" dirty="0" err="1" smtClean="0">
+              <a:rPr lang="en-US" sz="3200" b="1" dirty="0" err="1">
                 <a:latin typeface="Courier New" panose="02070309020205020404" pitchFamily="49" charset="0"/>
                 <a:cs typeface="Courier New" panose="02070309020205020404" pitchFamily="49" charset="0"/>
               </a:rPr>
               <a:t>gl.RGBA</a:t>
             </a:r>
             <a:r>
-              <a:rPr lang="en-US" sz="3200" b="1" dirty="0" smtClean="0">
+              <a:rPr lang="en-US" sz="3200" b="1" dirty="0">
                 <a:latin typeface="Courier New" panose="02070309020205020404" pitchFamily="49" charset="0"/>
                 <a:cs typeface="Courier New" panose="02070309020205020404" pitchFamily="49" charset="0"/>
               </a:rPr>
               <a:t>,</a:t>
             </a:r>
-            <a:endParaRPr lang="hu-HU" sz="3200" b="1" dirty="0" smtClean="0">
+            <a:endParaRPr lang="hu-HU" sz="3200" b="1" dirty="0">
               <a:latin typeface="Courier New" panose="02070309020205020404" pitchFamily="49" charset="0"/>
               <a:cs typeface="Courier New" panose="02070309020205020404" pitchFamily="49" charset="0"/>
             </a:endParaRPr>
@@ -20534,17 +20114,10 @@
                 <a:latin typeface="Courier New" panose="02070309020205020404" pitchFamily="49" charset="0"/>
                 <a:cs typeface="Courier New" panose="02070309020205020404" pitchFamily="49" charset="0"/>
               </a:rPr>
-              <a:t> </a:t>
-            </a:r>
-            <a:r>
-              <a:rPr lang="hu-HU" sz="3200" b="1" dirty="0" smtClean="0">
-                <a:latin typeface="Courier New" panose="02070309020205020404" pitchFamily="49" charset="0"/>
-                <a:cs typeface="Courier New" panose="02070309020205020404" pitchFamily="49" charset="0"/>
-              </a:rPr>
-              <a:t> </a:t>
-            </a:r>
-            <a:r>
-              <a:rPr lang="en-US" sz="3200" b="1" dirty="0" err="1" smtClean="0">
+              <a:t>  </a:t>
+            </a:r>
+            <a:r>
+              <a:rPr lang="en-US" sz="3200" b="1" dirty="0" err="1">
                 <a:latin typeface="Courier New" panose="02070309020205020404" pitchFamily="49" charset="0"/>
                 <a:cs typeface="Courier New" panose="02070309020205020404" pitchFamily="49" charset="0"/>
               </a:rPr>
@@ -20713,18 +20286,18 @@
           <a:lstStyle/>
           <a:p>
             <a:r>
-              <a:rPr lang="en-US" dirty="0" smtClean="0">
+              <a:rPr lang="en-US" dirty="0">
                 <a:latin typeface="Consolas" panose="020B0609020204030204" pitchFamily="49" charset="0"/>
                 <a:cs typeface="Consolas" panose="020B0609020204030204" pitchFamily="49" charset="0"/>
               </a:rPr>
               <a:t>Texture2D.js</a:t>
             </a:r>
             <a:r>
-              <a:rPr lang="hu-HU" dirty="0" smtClean="0"/>
+              <a:rPr lang="hu-HU" dirty="0"/>
               <a:t> </a:t>
             </a:r>
             <a:r>
-              <a:rPr lang="hu-HU" dirty="0" err="1" smtClean="0"/>
+              <a:rPr lang="hu-HU" dirty="0" err="1"/>
               <a:t>loaded</a:t>
             </a:r>
             <a:endParaRPr lang="en-US" dirty="0"/>
@@ -20807,10 +20380,21 @@
                 <a:ea typeface="Times New Roman" panose="02020603050405020304" pitchFamily="18" charset="0"/>
                 <a:cs typeface="Times New Roman" panose="02020603050405020304" pitchFamily="18" charset="0"/>
               </a:rPr>
-              <a:t> </a:t>
-            </a:r>
-            <a:r>
-              <a:rPr lang="en-US" sz="2000" dirty="0" smtClean="0">
+              <a:t>  </a:t>
+            </a:r>
+            <a:r>
+              <a:rPr lang="en-US" sz="2000" dirty="0">
+                <a:solidFill>
+                  <a:srgbClr val="427E00"/>
+                </a:solidFill>
+                <a:latin typeface="Consolas" panose="020B0609020204030204" pitchFamily="49" charset="0"/>
+                <a:ea typeface="Times New Roman" panose="02020603050405020304" pitchFamily="18" charset="0"/>
+                <a:cs typeface="Times New Roman" panose="02020603050405020304" pitchFamily="18" charset="0"/>
+              </a:rPr>
+              <a:t>loaded</a:t>
+            </a:r>
+            <a:r>
+              <a:rPr lang="en-US" sz="2000" dirty="0">
                 <a:solidFill>
                   <a:srgbClr val="000000"/>
                 </a:solidFill>
@@ -20818,32 +20402,10 @@
                 <a:ea typeface="Times New Roman" panose="02020603050405020304" pitchFamily="18" charset="0"/>
                 <a:cs typeface="Times New Roman" panose="02020603050405020304" pitchFamily="18" charset="0"/>
               </a:rPr>
-              <a:t> </a:t>
-            </a:r>
-            <a:r>
-              <a:rPr lang="en-US" sz="2000" dirty="0" smtClean="0">
-                <a:solidFill>
-                  <a:srgbClr val="427E00"/>
-                </a:solidFill>
-                <a:latin typeface="Consolas" panose="020B0609020204030204" pitchFamily="49" charset="0"/>
-                <a:ea typeface="Times New Roman" panose="02020603050405020304" pitchFamily="18" charset="0"/>
-                <a:cs typeface="Times New Roman" panose="02020603050405020304" pitchFamily="18" charset="0"/>
-              </a:rPr>
-              <a:t>loaded</a:t>
-            </a:r>
-            <a:r>
-              <a:rPr lang="en-US" sz="2000" dirty="0" smtClean="0">
-                <a:solidFill>
-                  <a:srgbClr val="000000"/>
-                </a:solidFill>
-                <a:latin typeface="Consolas" panose="020B0609020204030204" pitchFamily="49" charset="0"/>
-                <a:ea typeface="Times New Roman" panose="02020603050405020304" pitchFamily="18" charset="0"/>
-                <a:cs typeface="Times New Roman" panose="02020603050405020304" pitchFamily="18" charset="0"/>
-              </a:rPr>
               <a:t>(</a:t>
             </a:r>
             <a:r>
-              <a:rPr lang="en-US" sz="2000" i="1" dirty="0" err="1" smtClean="0">
+              <a:rPr lang="en-US" sz="2000" i="1" dirty="0" err="1">
                 <a:solidFill>
                   <a:srgbClr val="CB6500"/>
                 </a:solidFill>
@@ -22611,7 +22173,7 @@
           <a:lstStyle/>
           <a:p>
             <a:r>
-              <a:rPr lang="hu-HU" sz="20000" dirty="0" smtClean="0">
+              <a:rPr lang="hu-HU" sz="20000" dirty="0">
                 <a:solidFill>
                   <a:srgbClr val="00B050"/>
                 </a:solidFill>
@@ -22638,13 +22200,6 @@
   <p:clrMapOvr>
     <a:masterClrMapping/>
   </p:clrMapOvr>
-  <p:timing>
-    <p:tnLst>
-      <p:par>
-        <p:cTn id="1" dur="indefinite" restart="never" nodeType="tmRoot"/>
-      </p:par>
-    </p:tnLst>
-  </p:timing>
 </p:sld>
 </file>
 
@@ -22681,10 +22236,9 @@
           <a:lstStyle/>
           <a:p>
             <a:r>
-              <a:rPr lang="en-US" dirty="0" smtClean="0"/>
+              <a:rPr lang="en-US" dirty="0"/>
               <a:t>Tasks: add resources and scene elements </a:t>
             </a:r>
-            <a:endParaRPr lang="en-US" dirty="0"/>
           </a:p>
         </p:txBody>
       </p:sp>
@@ -22706,7 +22260,7 @@
           <a:lstStyle/>
           <a:p>
             <a:r>
-              <a:rPr lang="en-US" dirty="0" smtClean="0"/>
+              <a:rPr lang="en-US" dirty="0"/>
               <a:t>create new </a:t>
             </a:r>
             <a:r>
@@ -22718,139 +22272,131 @@
             </a:r>
             <a:r>
               <a:rPr lang="en-US" dirty="0"/>
+              <a:t> objects from new VS and FS sources</a:t>
+            </a:r>
+          </a:p>
+          <a:p>
+            <a:r>
+              <a:rPr lang="en-US" dirty="0"/>
+              <a:t>create new </a:t>
+            </a:r>
+            <a:r>
+              <a:rPr lang="hu-HU" sz="2400" dirty="0">
+                <a:latin typeface="Consolas" panose="020B0609020204030204" pitchFamily="49" charset="0"/>
+                <a:cs typeface="Consolas" panose="020B0609020204030204" pitchFamily="49" charset="0"/>
+              </a:rPr>
+              <a:t>Textured</a:t>
+            </a:r>
+            <a:r>
+              <a:rPr lang="en-US" sz="2400" dirty="0">
+                <a:latin typeface="Consolas" panose="020B0609020204030204" pitchFamily="49" charset="0"/>
+                <a:cs typeface="Consolas" panose="020B0609020204030204" pitchFamily="49" charset="0"/>
+              </a:rPr>
+              <a:t>Program</a:t>
+            </a:r>
+            <a:r>
+              <a:rPr lang="en-US" dirty="0">
+                <a:solidFill>
+                  <a:srgbClr val="FF0000"/>
+                </a:solidFill>
+              </a:rPr>
               <a:t> </a:t>
             </a:r>
             <a:r>
-              <a:rPr lang="en-US" dirty="0" smtClean="0"/>
-              <a:t>objects from new VS and FS sources</a:t>
-            </a:r>
-          </a:p>
-          <a:p>
-            <a:r>
-              <a:rPr lang="en-US" dirty="0" smtClean="0"/>
-              <a:t>create new </a:t>
+              <a:rPr lang="en-US" dirty="0"/>
+              <a:t>object with the above</a:t>
+            </a:r>
+          </a:p>
+          <a:p>
+            <a:r>
+              <a:rPr lang="en-US" dirty="0"/>
+              <a:t>create a new </a:t>
+            </a:r>
+            <a:r>
+              <a:rPr lang="en-US" sz="2400" dirty="0">
+                <a:latin typeface="Consolas" panose="020B0609020204030204" pitchFamily="49" charset="0"/>
+                <a:cs typeface="Consolas" panose="020B0609020204030204" pitchFamily="49" charset="0"/>
+              </a:rPr>
+              <a:t>Material</a:t>
+            </a:r>
+            <a:r>
+              <a:rPr lang="en-US" dirty="0"/>
+              <a:t> with the above program</a:t>
+            </a:r>
+          </a:p>
+          <a:p>
+            <a:r>
+              <a:rPr lang="en-US" dirty="0"/>
+              <a:t>set the </a:t>
             </a:r>
             <a:r>
               <a:rPr lang="hu-HU" sz="2400" dirty="0">
                 <a:latin typeface="Consolas" panose="020B0609020204030204" pitchFamily="49" charset="0"/>
                 <a:cs typeface="Consolas" panose="020B0609020204030204" pitchFamily="49" charset="0"/>
               </a:rPr>
-              <a:t>Textured</a:t>
+              <a:t>c</a:t>
+            </a:r>
+            <a:r>
+              <a:rPr lang="en-US" sz="2400" dirty="0" err="1">
+                <a:latin typeface="Consolas" panose="020B0609020204030204" pitchFamily="49" charset="0"/>
+                <a:cs typeface="Consolas" panose="020B0609020204030204" pitchFamily="49" charset="0"/>
+              </a:rPr>
+              <a:t>olor</a:t>
+            </a:r>
+            <a:r>
+              <a:rPr lang="hu-HU" sz="2400" dirty="0">
+                <a:latin typeface="Consolas" panose="020B0609020204030204" pitchFamily="49" charset="0"/>
+                <a:cs typeface="Consolas" panose="020B0609020204030204" pitchFamily="49" charset="0"/>
+              </a:rPr>
+              <a:t>Texture</a:t>
             </a:r>
             <a:r>
               <a:rPr lang="en-US" sz="2400" dirty="0">
                 <a:latin typeface="Consolas" panose="020B0609020204030204" pitchFamily="49" charset="0"/>
                 <a:cs typeface="Consolas" panose="020B0609020204030204" pitchFamily="49" charset="0"/>
               </a:rPr>
-              <a:t>Program</a:t>
+              <a:t> </a:t>
+            </a:r>
+            <a:r>
+              <a:rPr lang="en-US" dirty="0"/>
+              <a:t>property of the material</a:t>
+            </a:r>
+          </a:p>
+          <a:p>
+            <a:pPr lvl="1"/>
+            <a:r>
+              <a:rPr lang="en-US" dirty="0"/>
+              <a:t>use the set method, pass a new </a:t>
             </a:r>
             <a:r>
               <a:rPr lang="en-US" dirty="0">
-                <a:solidFill>
-                  <a:srgbClr val="FF0000"/>
-                </a:solidFill>
-              </a:rPr>
-              <a:t> </a:t>
-            </a:r>
-            <a:r>
-              <a:rPr lang="en-US" dirty="0" smtClean="0"/>
-              <a:t>object with the above</a:t>
-            </a:r>
-          </a:p>
-          <a:p>
-            <a:r>
-              <a:rPr lang="en-US" dirty="0" smtClean="0"/>
-              <a:t>create a new </a:t>
-            </a:r>
-            <a:r>
-              <a:rPr lang="en-US" sz="2400" dirty="0">
                 <a:latin typeface="Consolas" panose="020B0609020204030204" pitchFamily="49" charset="0"/>
                 <a:cs typeface="Consolas" panose="020B0609020204030204" pitchFamily="49" charset="0"/>
               </a:rPr>
-              <a:t>Material</a:t>
-            </a:r>
+              <a:t>Texture2D</a:t>
+            </a:r>
+          </a:p>
+          <a:p>
+            <a:pPr lvl="1"/>
             <a:r>
               <a:rPr lang="en-US" dirty="0"/>
-              <a:t> </a:t>
-            </a:r>
-            <a:r>
-              <a:rPr lang="en-US" dirty="0" smtClean="0"/>
-              <a:t>with the above program</a:t>
-            </a:r>
-          </a:p>
-          <a:p>
-            <a:r>
-              <a:rPr lang="en-US" dirty="0" smtClean="0"/>
-              <a:t>set the </a:t>
-            </a:r>
-            <a:r>
-              <a:rPr lang="hu-HU" sz="2400" dirty="0">
+              <a:t>download </a:t>
+            </a:r>
+            <a:r>
+              <a:rPr lang="en-US" dirty="0">
                 <a:latin typeface="Consolas" panose="020B0609020204030204" pitchFamily="49" charset="0"/>
                 <a:cs typeface="Consolas" panose="020B0609020204030204" pitchFamily="49" charset="0"/>
               </a:rPr>
-              <a:t>c</a:t>
-            </a:r>
-            <a:r>
-              <a:rPr lang="en-US" sz="2400" dirty="0" err="1">
-                <a:latin typeface="Consolas" panose="020B0609020204030204" pitchFamily="49" charset="0"/>
-                <a:cs typeface="Consolas" panose="020B0609020204030204" pitchFamily="49" charset="0"/>
-              </a:rPr>
-              <a:t>olor</a:t>
-            </a:r>
-            <a:r>
-              <a:rPr lang="hu-HU" sz="2400" dirty="0">
-                <a:latin typeface="Consolas" panose="020B0609020204030204" pitchFamily="49" charset="0"/>
-                <a:cs typeface="Consolas" panose="020B0609020204030204" pitchFamily="49" charset="0"/>
-              </a:rPr>
-              <a:t>Texture</a:t>
-            </a:r>
-            <a:r>
-              <a:rPr lang="en-US" sz="2400" dirty="0">
-                <a:latin typeface="Consolas" panose="020B0609020204030204" pitchFamily="49" charset="0"/>
-                <a:cs typeface="Consolas" panose="020B0609020204030204" pitchFamily="49" charset="0"/>
-              </a:rPr>
-              <a:t> </a:t>
-            </a:r>
-            <a:r>
-              <a:rPr lang="en-US" dirty="0" smtClean="0"/>
-              <a:t>property of the material</a:t>
-            </a:r>
-          </a:p>
-          <a:p>
-            <a:pPr lvl="1"/>
-            <a:r>
-              <a:rPr lang="en-US" dirty="0" smtClean="0"/>
-              <a:t>use the set method, pass a new </a:t>
-            </a:r>
-            <a:r>
-              <a:rPr lang="en-US" dirty="0">
-                <a:latin typeface="Consolas" panose="020B0609020204030204" pitchFamily="49" charset="0"/>
-                <a:cs typeface="Consolas" panose="020B0609020204030204" pitchFamily="49" charset="0"/>
-              </a:rPr>
-              <a:t>Texture2D</a:t>
-            </a:r>
-          </a:p>
-          <a:p>
-            <a:pPr lvl="1"/>
-            <a:r>
-              <a:rPr lang="en-US" dirty="0" smtClean="0"/>
-              <a:t>download </a:t>
-            </a:r>
-            <a:r>
-              <a:rPr lang="en-US" dirty="0">
-                <a:latin typeface="Consolas" panose="020B0609020204030204" pitchFamily="49" charset="0"/>
-                <a:cs typeface="Consolas" panose="020B0609020204030204" pitchFamily="49" charset="0"/>
-              </a:rPr>
               <a:t>asteroid.png</a:t>
             </a:r>
             <a:r>
-              <a:rPr lang="en-US" dirty="0" smtClean="0"/>
+              <a:rPr lang="en-US" dirty="0"/>
               <a:t>, place it in a folder ‘media’</a:t>
             </a:r>
           </a:p>
           <a:p>
             <a:r>
-              <a:rPr lang="en-US" dirty="0" smtClean="0"/>
+              <a:rPr lang="en-US" dirty="0"/>
               <a:t>create an instance of </a:t>
             </a:r>
             <a:r>
@@ -22867,7 +22413,7 @@
           </a:p>
           <a:p>
             <a:r>
-              <a:rPr lang="en-US" dirty="0" smtClean="0"/>
+              <a:rPr lang="en-US" dirty="0"/>
               <a:t>create </a:t>
             </a:r>
             <a:r>
@@ -22878,7 +22424,7 @@
               <a:t>Mesh</a:t>
             </a:r>
             <a:r>
-              <a:rPr lang="en-US" dirty="0" smtClean="0"/>
+              <a:rPr lang="en-US" dirty="0"/>
               <a:t>, </a:t>
             </a:r>
             <a:r>
@@ -22889,10 +22435,9 @@
               <a:t>GameObject</a:t>
             </a:r>
             <a:r>
-              <a:rPr lang="en-US" dirty="0" smtClean="0"/>
+              <a:rPr lang="en-US" dirty="0"/>
               <a:t> using the above</a:t>
             </a:r>
-            <a:endParaRPr lang="en-US" dirty="0"/>
           </a:p>
         </p:txBody>
       </p:sp>
@@ -22919,7 +22464,7 @@
           <a:lstStyle/>
           <a:p>
             <a:r>
-              <a:rPr lang="hu-HU" sz="20000" dirty="0" smtClean="0">
+              <a:rPr lang="hu-HU" sz="20000" dirty="0">
                 <a:solidFill>
                   <a:srgbClr val="00B050"/>
                 </a:solidFill>
@@ -22946,13 +22491,6 @@
   <p:clrMapOvr>
     <a:masterClrMapping/>
   </p:clrMapOvr>
-  <p:timing>
-    <p:tnLst>
-      <p:par>
-        <p:cTn id="1" dur="indefinite" restart="never" nodeType="tmRoot"/>
-      </p:par>
-    </p:tnLst>
-  </p:timing>
 </p:sld>
 </file>
 
@@ -22989,11 +22527,11 @@
           <a:lstStyle/>
           <a:p>
             <a:r>
-              <a:rPr lang="en-US" dirty="0" smtClean="0"/>
+              <a:rPr lang="en-US" dirty="0"/>
               <a:t>Does not work </a:t>
             </a:r>
             <a:r>
-              <a:rPr lang="en-US" dirty="0" smtClean="0">
+              <a:rPr lang="en-US" dirty="0">
                 <a:sym typeface="Wingdings" panose="05000000000000000000" pitchFamily="2" charset="2"/>
               </a:rPr>
               <a:t></a:t>
@@ -23117,7 +22655,7 @@
           <a:lstStyle/>
           <a:p>
             <a:r>
-              <a:rPr lang="hu-HU" sz="20000" dirty="0" smtClean="0">
+              <a:rPr lang="hu-HU" sz="20000" dirty="0">
                 <a:solidFill>
                   <a:srgbClr val="00B050"/>
                 </a:solidFill>
@@ -23144,13 +22682,6 @@
   <p:clrMapOvr>
     <a:masterClrMapping/>
   </p:clrMapOvr>
-  <p:timing>
-    <p:tnLst>
-      <p:par>
-        <p:cTn id="1" dur="indefinite" restart="never" nodeType="tmRoot"/>
-      </p:par>
-    </p:tnLst>
-  </p:timing>
 </p:sld>
 </file>
 
@@ -23187,10 +22718,9 @@
           <a:lstStyle/>
           <a:p>
             <a:r>
-              <a:rPr lang="en-US" dirty="0" smtClean="0"/>
+              <a:rPr lang="en-US" dirty="0"/>
               <a:t>Solutions</a:t>
             </a:r>
-            <a:endParaRPr lang="en-US" dirty="0"/>
           </a:p>
         </p:txBody>
       </p:sp>
@@ -23212,35 +22742,34 @@
           <a:lstStyle/>
           <a:p>
             <a:r>
-              <a:rPr lang="en-US" dirty="0" smtClean="0"/>
+              <a:rPr lang="en-US" dirty="0"/>
               <a:t>create a web server or upload project to web server</a:t>
             </a:r>
           </a:p>
           <a:p>
             <a:pPr lvl="1"/>
             <a:r>
-              <a:rPr lang="en-US" dirty="0" smtClean="0"/>
+              <a:rPr lang="en-US" dirty="0"/>
               <a:t>tedious</a:t>
             </a:r>
           </a:p>
           <a:p>
             <a:pPr lvl="1"/>
             <a:r>
-              <a:rPr lang="en-US" dirty="0" smtClean="0"/>
+              <a:rPr lang="en-US" dirty="0"/>
               <a:t>not really good for debugging</a:t>
             </a:r>
-            <a:endParaRPr lang="en-US" dirty="0"/>
-          </a:p>
-          <a:p>
-            <a:r>
-              <a:rPr lang="en-US" dirty="0" smtClean="0"/>
+          </a:p>
+          <a:p>
+            <a:r>
+              <a:rPr lang="en-US" dirty="0"/>
               <a:t>allow file access</a:t>
             </a:r>
           </a:p>
           <a:p>
             <a:pPr lvl="1"/>
             <a:r>
-              <a:rPr lang="en-US" dirty="0" smtClean="0"/>
+              <a:rPr lang="en-US" dirty="0"/>
               <a:t>must start Chrome with command line switch</a:t>
             </a:r>
           </a:p>
@@ -23253,31 +22782,20 @@
                 <a:latin typeface="Consolas" panose="020B0609020204030204" pitchFamily="49" charset="0"/>
                 <a:cs typeface="Consolas" panose="020B0609020204030204" pitchFamily="49" charset="0"/>
               </a:rPr>
-              <a:t>--</a:t>
-            </a:r>
-            <a:r>
-              <a:rPr lang="en-US" dirty="0" smtClean="0">
-                <a:latin typeface="Consolas" panose="020B0609020204030204" pitchFamily="49" charset="0"/>
-                <a:cs typeface="Consolas" panose="020B0609020204030204" pitchFamily="49" charset="0"/>
-              </a:rPr>
-              <a:t>allow-file-access-from-files</a:t>
-            </a:r>
-            <a:endParaRPr lang="en-US" dirty="0">
-              <a:latin typeface="Consolas" panose="020B0609020204030204" pitchFamily="49" charset="0"/>
-              <a:cs typeface="Consolas" panose="020B0609020204030204" pitchFamily="49" charset="0"/>
-            </a:endParaRPr>
+              <a:t>--allow-file-access-from-files</a:t>
+            </a:r>
           </a:p>
           <a:p>
             <a:pPr lvl="1"/>
             <a:r>
-              <a:rPr lang="en-US" dirty="0" smtClean="0"/>
+              <a:rPr lang="en-US" dirty="0"/>
               <a:t>it is a good idea to create a shortcut in Windows</a:t>
             </a:r>
           </a:p>
           <a:p>
             <a:pPr lvl="1"/>
             <a:r>
-              <a:rPr lang="en-US" dirty="0" smtClean="0"/>
+              <a:rPr lang="en-US" dirty="0"/>
               <a:t>or type this on Mac OS X terminal</a:t>
             </a:r>
           </a:p>
@@ -23320,10 +22838,6 @@
               </a:rPr>
               <a:t> --allow-file-access-from-files</a:t>
             </a:r>
-            <a:endParaRPr lang="en-US" dirty="0" smtClean="0">
-              <a:latin typeface="Consolas" panose="020B0609020204030204" pitchFamily="49" charset="0"/>
-              <a:cs typeface="Consolas" panose="020B0609020204030204" pitchFamily="49" charset="0"/>
-            </a:endParaRPr>
           </a:p>
           <a:p>
             <a:pPr marL="914400" lvl="2" indent="0">
@@ -23333,7 +22847,6 @@
               <a:rPr lang="en-US" dirty="0"/>
               <a:t>	</a:t>
             </a:r>
-            <a:endParaRPr lang="en-US" dirty="0" smtClean="0"/>
           </a:p>
         </p:txBody>
       </p:sp>
@@ -23410,7 +22923,7 @@
           <a:lstStyle/>
           <a:p>
             <a:r>
-              <a:rPr lang="hu-HU" sz="20000" dirty="0" smtClean="0">
+              <a:rPr lang="hu-HU" sz="20000" dirty="0">
                 <a:solidFill>
                   <a:srgbClr val="00B050"/>
                 </a:solidFill>
@@ -23437,13 +22950,6 @@
   <p:clrMapOvr>
     <a:masterClrMapping/>
   </p:clrMapOvr>
-  <p:timing>
-    <p:tnLst>
-      <p:par>
-        <p:cTn id="1" dur="indefinite" restart="never" nodeType="tmRoot"/>
-      </p:par>
-    </p:tnLst>
-  </p:timing>
 </p:sld>
 </file>
 
@@ -23480,10 +22986,9 @@
           <a:lstStyle/>
           <a:p>
             <a:r>
-              <a:rPr lang="en-US" dirty="0" smtClean="0"/>
+              <a:rPr lang="en-US" dirty="0"/>
               <a:t>Textured billboard</a:t>
             </a:r>
-            <a:endParaRPr lang="en-US" dirty="0"/>
           </a:p>
         </p:txBody>
       </p:sp>
@@ -23534,7 +23039,7 @@
           <a:lstStyle/>
           <a:p>
             <a:r>
-              <a:rPr lang="en-US" sz="20000" dirty="0" smtClean="0">
+              <a:rPr lang="en-US" sz="20000" dirty="0">
                 <a:solidFill>
                   <a:srgbClr val="00B050"/>
                 </a:solidFill>
@@ -23542,12 +23047,6 @@
               </a:rPr>
               <a:t>!</a:t>
             </a:r>
-            <a:endParaRPr lang="en-US" sz="20000" dirty="0">
-              <a:solidFill>
-                <a:srgbClr val="00B050"/>
-              </a:solidFill>
-              <a:latin typeface="Whipsmart" panose="020B0502030203050204" pitchFamily="34" charset="0"/>
-            </a:endParaRPr>
           </a:p>
         </p:txBody>
       </p:sp>
@@ -23561,13 +23060,6 @@
   <p:clrMapOvr>
     <a:masterClrMapping/>
   </p:clrMapOvr>
-  <p:timing>
-    <p:tnLst>
-      <p:par>
-        <p:cTn id="1" dur="indefinite" restart="never" nodeType="tmRoot"/>
-      </p:par>
-    </p:tnLst>
-  </p:timing>
 </p:sld>
 </file>
 
@@ -23604,10 +23096,9 @@
           <a:lstStyle/>
           <a:p>
             <a:r>
-              <a:rPr lang="en-US" dirty="0" smtClean="0"/>
+              <a:rPr lang="en-US" dirty="0"/>
               <a:t>Enable alpha blending</a:t>
             </a:r>
-            <a:endParaRPr lang="en-US" dirty="0"/>
           </a:p>
         </p:txBody>
       </p:sp>
@@ -23881,13 +23372,6 @@
   <p:clrMapOvr>
     <a:masterClrMapping/>
   </p:clrMapOvr>
-  <p:timing>
-    <p:tnLst>
-      <p:par>
-        <p:cTn id="1" dur="indefinite" restart="never" nodeType="tmRoot"/>
-      </p:par>
-    </p:tnLst>
-  </p:timing>
 </p:sld>
 </file>
 
@@ -23924,10 +23408,9 @@
           <a:lstStyle/>
           <a:p>
             <a:r>
-              <a:rPr lang="en-US" dirty="0" smtClean="0"/>
+              <a:rPr lang="en-US" dirty="0"/>
               <a:t>With alpha blending</a:t>
             </a:r>
-            <a:endParaRPr lang="en-US" dirty="0"/>
           </a:p>
         </p:txBody>
       </p:sp>
@@ -23999,13 +23482,6 @@
   <p:clrMapOvr>
     <a:masterClrMapping/>
   </p:clrMapOvr>
-  <p:timing>
-    <p:tnLst>
-      <p:par>
-        <p:cTn id="1" dur="indefinite" restart="never" nodeType="tmRoot"/>
-      </p:par>
-    </p:tnLst>
-  </p:timing>
 </p:sld>
 </file>
 
@@ -24042,7 +23518,7 @@
           <a:lstStyle/>
           <a:p>
             <a:r>
-              <a:rPr lang="hu-HU" dirty="0" smtClean="0">
+              <a:rPr lang="hu-HU" dirty="0">
                 <a:cs typeface="Consolas" panose="020B0609020204030204" pitchFamily="49" charset="0"/>
               </a:rPr>
               <a:t>Experiment with filtering</a:t>
@@ -24582,7 +24058,7 @@
               <a:t> </a:t>
             </a:r>
             <a:r>
-              <a:rPr lang="hu-HU" sz="2000" i="1" dirty="0" smtClean="0">
+              <a:rPr lang="hu-HU" sz="2000" i="1" dirty="0">
                 <a:solidFill>
                   <a:schemeClr val="bg1">
                     <a:lumMod val="50000"/>
@@ -24595,7 +24071,7 @@
               <a:t>                              </a:t>
             </a:r>
             <a:r>
-              <a:rPr lang="hu-HU" sz="2000" dirty="0" err="1" smtClean="0">
+              <a:rPr lang="hu-HU" sz="2000" dirty="0" err="1">
                 <a:solidFill>
                   <a:srgbClr val="00B0F0"/>
                 </a:solidFill>
@@ -24639,7 +24115,7 @@
               <a:t>*/</a:t>
             </a:r>
             <a:r>
-              <a:rPr lang="en-US" sz="2000" i="1" dirty="0" smtClean="0">
+              <a:rPr lang="en-US" sz="2000" i="1" dirty="0">
                 <a:solidFill>
                   <a:schemeClr val="bg1">
                     <a:lumMod val="50000"/>
@@ -24651,16 +24127,6 @@
               </a:rPr>
               <a:t>); </a:t>
             </a:r>
-            <a:endParaRPr lang="en-US" sz="2000" i="1" dirty="0">
-              <a:solidFill>
-                <a:schemeClr val="bg1">
-                  <a:lumMod val="50000"/>
-                </a:schemeClr>
-              </a:solidFill>
-              <a:latin typeface="Consolas" panose="020B0609020204030204" pitchFamily="49" charset="0"/>
-              <a:ea typeface="Times New Roman" panose="02020603050405020304" pitchFamily="18" charset="0"/>
-              <a:cs typeface="Times New Roman" panose="02020603050405020304" pitchFamily="18" charset="0"/>
-            </a:endParaRPr>
           </a:p>
           <a:p>
             <a:pPr>
@@ -24796,7 +24262,7 @@
               <a:t> </a:t>
             </a:r>
             <a:r>
-              <a:rPr lang="hu-HU" sz="2000" i="1" dirty="0" smtClean="0">
+              <a:rPr lang="hu-HU" sz="2000" i="1" dirty="0">
                 <a:solidFill>
                   <a:schemeClr val="bg1">
                     <a:lumMod val="50000"/>
@@ -24809,7 +24275,7 @@
               <a:t>                 </a:t>
             </a:r>
             <a:r>
-              <a:rPr lang="hu-HU" sz="2000" dirty="0" err="1" smtClean="0">
+              <a:rPr lang="hu-HU" sz="2000" dirty="0" err="1">
                 <a:solidFill>
                   <a:srgbClr val="00B0F0"/>
                 </a:solidFill>
@@ -24820,7 +24286,7 @@
               <a:t>gl.LINEAR</a:t>
             </a:r>
             <a:r>
-              <a:rPr lang="hu-HU" sz="2000" dirty="0" smtClean="0">
+              <a:rPr lang="hu-HU" sz="2000" dirty="0">
                 <a:solidFill>
                   <a:srgbClr val="00B0F0"/>
                 </a:solidFill>
@@ -24864,7 +24330,7 @@
               <a:t>*/</a:t>
             </a:r>
             <a:r>
-              <a:rPr lang="en-US" sz="2000" i="1" dirty="0" smtClean="0">
+              <a:rPr lang="en-US" sz="2000" i="1" dirty="0">
                 <a:solidFill>
                   <a:schemeClr val="bg1">
                     <a:lumMod val="50000"/>
@@ -24876,16 +24342,6 @@
               </a:rPr>
               <a:t>); </a:t>
             </a:r>
-            <a:endParaRPr lang="en-US" sz="2000" i="1" dirty="0">
-              <a:solidFill>
-                <a:schemeClr val="bg1">
-                  <a:lumMod val="50000"/>
-                </a:schemeClr>
-              </a:solidFill>
-              <a:latin typeface="Consolas" panose="020B0609020204030204" pitchFamily="49" charset="0"/>
-              <a:ea typeface="Times New Roman" panose="02020603050405020304" pitchFamily="18" charset="0"/>
-              <a:cs typeface="Times New Roman" panose="02020603050405020304" pitchFamily="18" charset="0"/>
-            </a:endParaRPr>
           </a:p>
           <a:p>
             <a:pPr>
@@ -25317,7 +24773,7 @@
               </a:tabLst>
             </a:pPr>
             <a:r>
-              <a:rPr lang="en-US" sz="2000" i="1" dirty="0" smtClean="0">
+              <a:rPr lang="en-US" sz="2000" i="1" dirty="0">
                 <a:solidFill>
                   <a:schemeClr val="bg1">
                     <a:lumMod val="50000"/>
@@ -25480,13 +24936,6 @@
   <p:clrMapOvr>
     <a:masterClrMapping/>
   </p:clrMapOvr>
-  <p:timing>
-    <p:tnLst>
-      <p:par>
-        <p:cTn id="1" dur="indefinite" restart="never" nodeType="tmRoot"/>
-      </p:par>
-    </p:tnLst>
-  </p:timing>
 </p:sld>
 </file>
 
@@ -26417,7 +25866,7 @@
           <a:lstStyle/>
           <a:p>
             <a:r>
-              <a:rPr lang="en-US" sz="20000" dirty="0" smtClean="0">
+              <a:rPr lang="en-US" sz="20000" dirty="0">
                 <a:solidFill>
                   <a:srgbClr val="00B050"/>
                 </a:solidFill>
@@ -26425,12 +25874,6 @@
               </a:rPr>
               <a:t>!</a:t>
             </a:r>
-            <a:endParaRPr lang="en-US" sz="20000" dirty="0">
-              <a:solidFill>
-                <a:srgbClr val="00B050"/>
-              </a:solidFill>
-              <a:latin typeface="Whipsmart" panose="020B0502030203050204" pitchFamily="34" charset="0"/>
-            </a:endParaRPr>
           </a:p>
         </p:txBody>
       </p:sp>
@@ -26444,13 +25887,6 @@
   <p:clrMapOvr>
     <a:masterClrMapping/>
   </p:clrMapOvr>
-  <p:timing>
-    <p:tnLst>
-      <p:par>
-        <p:cTn id="1" dur="indefinite" restart="never" nodeType="tmRoot"/>
-      </p:par>
-    </p:tnLst>
-  </p:timing>
 </p:sld>
 </file>
 
@@ -26487,10 +25923,9 @@
           <a:lstStyle/>
           <a:p>
             <a:r>
-              <a:rPr lang="en-US" dirty="0" smtClean="0"/>
+              <a:rPr lang="en-US" dirty="0"/>
               <a:t>Where do you come from?</a:t>
             </a:r>
-            <a:endParaRPr lang="en-US" dirty="0"/>
           </a:p>
         </p:txBody>
       </p:sp>
@@ -26512,7 +25947,7 @@
           <a:lstStyle/>
           <a:p>
             <a:r>
-              <a:rPr lang="en-US" dirty="0" smtClean="0"/>
+              <a:rPr lang="en-US" dirty="0"/>
               <a:t>use </a:t>
             </a:r>
             <a:r>
@@ -26525,15 +25960,11 @@
           </a:p>
           <a:p>
             <a:r>
-              <a:rPr lang="en-US" smtClean="0"/>
-              <a:t>set </a:t>
-            </a:r>
-            <a:r>
-              <a:rPr lang="en-US" smtClean="0"/>
-              <a:t>texture </a:t>
-            </a:r>
-            <a:r>
-              <a:rPr lang="en-US" dirty="0" smtClean="0"/>
+              <a:rPr lang="en-US"/>
+              <a:t>set texture </a:t>
+            </a:r>
+            <a:r>
+              <a:rPr lang="en-US" dirty="0"/>
               <a:t>coordinates so that the state where you are from is shown on the quad</a:t>
             </a:r>
           </a:p>
@@ -26562,7 +25993,7 @@
           <a:lstStyle/>
           <a:p>
             <a:r>
-              <a:rPr lang="en-US" sz="20000" dirty="0" smtClean="0">
+              <a:rPr lang="en-US" sz="20000" dirty="0">
                 <a:solidFill>
                   <a:srgbClr val="00B050"/>
                 </a:solidFill>
@@ -26570,12 +26001,6 @@
               </a:rPr>
               <a:t>!</a:t>
             </a:r>
-            <a:endParaRPr lang="en-US" sz="20000" dirty="0">
-              <a:solidFill>
-                <a:srgbClr val="00B050"/>
-              </a:solidFill>
-              <a:latin typeface="Whipsmart" panose="020B0502030203050204" pitchFamily="34" charset="0"/>
-            </a:endParaRPr>
           </a:p>
         </p:txBody>
       </p:sp>
@@ -26619,13 +26044,6 @@
   <p:clrMapOvr>
     <a:masterClrMapping/>
   </p:clrMapOvr>
-  <p:timing>
-    <p:tnLst>
-      <p:par>
-        <p:cTn id="1" dur="indefinite" restart="never" nodeType="tmRoot"/>
-      </p:par>
-    </p:tnLst>
-  </p:timing>
 </p:sld>
 </file>
 
@@ -26662,11 +26080,11 @@
           <a:lstStyle/>
           <a:p>
             <a:r>
-              <a:rPr lang="en-US" dirty="0" smtClean="0"/>
+              <a:rPr lang="en-US" dirty="0"/>
               <a:t>Texturing fragment </a:t>
             </a:r>
             <a:r>
-              <a:rPr lang="en-US" dirty="0" err="1" smtClean="0"/>
+              <a:rPr lang="en-US" dirty="0" err="1"/>
               <a:t>shader</a:t>
             </a:r>
             <a:endParaRPr lang="en-US" dirty="0"/>
@@ -26712,7 +26130,7 @@
           <a:lstStyle/>
           <a:p>
             <a:r>
-              <a:rPr lang="hu-HU" sz="2800" b="1" dirty="0" smtClean="0">
+              <a:rPr lang="hu-HU" sz="2800" b="1" dirty="0">
                 <a:solidFill>
                   <a:schemeClr val="tx1"/>
                 </a:solidFill>
@@ -26722,7 +26140,7 @@
               <a:t>in </a:t>
             </a:r>
             <a:r>
-              <a:rPr lang="en-US" sz="2800" b="1" dirty="0" smtClean="0">
+              <a:rPr lang="en-US" sz="2800" b="1" dirty="0">
                 <a:solidFill>
                   <a:schemeClr val="tx1"/>
                 </a:solidFill>
@@ -26754,24 +26172,14 @@
           </a:p>
           <a:p>
             <a:r>
-              <a:rPr lang="en-US" sz="2800" b="1" dirty="0" smtClean="0">
+              <a:rPr lang="en-US" sz="2800" b="1" dirty="0">
                 <a:solidFill>
                   <a:schemeClr val="tx1"/>
                 </a:solidFill>
                 <a:latin typeface="Courier New" panose="02070309020205020404" pitchFamily="49" charset="0"/>
                 <a:cs typeface="Courier New" panose="02070309020205020404" pitchFamily="49" charset="0"/>
               </a:rPr>
-              <a:t>uniform </a:t>
-            </a:r>
-            <a:r>
-              <a:rPr lang="en-US" sz="2800" b="1" dirty="0">
-                <a:solidFill>
-                  <a:schemeClr val="tx1"/>
-                </a:solidFill>
-                <a:latin typeface="Courier New" panose="02070309020205020404" pitchFamily="49" charset="0"/>
-                <a:cs typeface="Courier New" panose="02070309020205020404" pitchFamily="49" charset="0"/>
-              </a:rPr>
-              <a:t>sampler2D </a:t>
+              <a:t>uniform sampler2D </a:t>
             </a:r>
             <a:r>
               <a:rPr lang="en-US" sz="2800" b="1" dirty="0" err="1">
@@ -26805,136 +26213,89 @@
           </a:p>
           <a:p>
             <a:r>
-              <a:rPr lang="en-US" sz="2800" b="1" dirty="0" smtClean="0">
+              <a:rPr lang="en-US" sz="2800" b="1" dirty="0">
                 <a:solidFill>
                   <a:schemeClr val="tx1"/>
                 </a:solidFill>
                 <a:latin typeface="Courier New" panose="02070309020205020404" pitchFamily="49" charset="0"/>
                 <a:cs typeface="Courier New" panose="02070309020205020404" pitchFamily="49" charset="0"/>
               </a:rPr>
-              <a:t>void </a:t>
-            </a:r>
-            <a:r>
-              <a:rPr lang="en-US" sz="2800" b="1" dirty="0">
+              <a:t>void main(void) {</a:t>
+            </a:r>
+          </a:p>
+          <a:p>
+            <a:r>
+              <a:rPr lang="hu-HU" sz="2800" b="1" dirty="0">
                 <a:solidFill>
                   <a:schemeClr val="tx1"/>
                 </a:solidFill>
                 <a:latin typeface="Courier New" panose="02070309020205020404" pitchFamily="49" charset="0"/>
                 <a:cs typeface="Courier New" panose="02070309020205020404" pitchFamily="49" charset="0"/>
               </a:rPr>
-              <a:t>main(void) {</a:t>
-            </a:r>
-          </a:p>
-          <a:p>
-            <a:r>
-              <a:rPr lang="hu-HU" sz="2800" b="1" dirty="0">
+              <a:t>  fragmentColor</a:t>
+            </a:r>
+            <a:r>
+              <a:rPr lang="en-US" sz="2800" b="1" dirty="0">
                 <a:solidFill>
                   <a:schemeClr val="tx1"/>
                 </a:solidFill>
                 <a:latin typeface="Courier New" panose="02070309020205020404" pitchFamily="49" charset="0"/>
                 <a:cs typeface="Courier New" panose="02070309020205020404" pitchFamily="49" charset="0"/>
               </a:rPr>
-              <a:t> </a:t>
-            </a:r>
-            <a:r>
-              <a:rPr lang="hu-HU" sz="2800" b="1" dirty="0" smtClean="0">
+              <a:t> = texture(</a:t>
+            </a:r>
+            <a:r>
+              <a:rPr lang="en-US" sz="2800" b="1" dirty="0" err="1">
                 <a:solidFill>
                   <a:schemeClr val="tx1"/>
                 </a:solidFill>
                 <a:latin typeface="Courier New" panose="02070309020205020404" pitchFamily="49" charset="0"/>
                 <a:cs typeface="Courier New" panose="02070309020205020404" pitchFamily="49" charset="0"/>
               </a:rPr>
-              <a:t> fragmentColor</a:t>
-            </a:r>
-            <a:r>
-              <a:rPr lang="en-US" sz="2800" b="1" dirty="0" smtClean="0">
+              <a:t>colorTexture</a:t>
+            </a:r>
+            <a:r>
+              <a:rPr lang="en-US" sz="2800" b="1" dirty="0">
                 <a:solidFill>
                   <a:schemeClr val="tx1"/>
                 </a:solidFill>
                 <a:latin typeface="Courier New" panose="02070309020205020404" pitchFamily="49" charset="0"/>
                 <a:cs typeface="Courier New" panose="02070309020205020404" pitchFamily="49" charset="0"/>
               </a:rPr>
-              <a:t> </a:t>
-            </a:r>
-            <a:r>
-              <a:rPr lang="en-US" sz="2800" b="1" dirty="0">
+              <a:t>, </a:t>
+            </a:r>
+            <a:r>
+              <a:rPr lang="en-US" sz="2800" b="1" dirty="0" err="1">
                 <a:solidFill>
                   <a:schemeClr val="tx1"/>
                 </a:solidFill>
                 <a:latin typeface="Courier New" panose="02070309020205020404" pitchFamily="49" charset="0"/>
                 <a:cs typeface="Courier New" panose="02070309020205020404" pitchFamily="49" charset="0"/>
               </a:rPr>
-              <a:t>= </a:t>
-            </a:r>
-            <a:r>
-              <a:rPr lang="en-US" sz="2800" b="1" dirty="0" smtClean="0">
+              <a:t>texCoord</a:t>
+            </a:r>
+            <a:r>
+              <a:rPr lang="en-US" sz="2800" b="1" dirty="0">
                 <a:solidFill>
                   <a:schemeClr val="tx1"/>
                 </a:solidFill>
                 <a:latin typeface="Courier New" panose="02070309020205020404" pitchFamily="49" charset="0"/>
                 <a:cs typeface="Courier New" panose="02070309020205020404" pitchFamily="49" charset="0"/>
               </a:rPr>
-              <a:t>texture(</a:t>
-            </a:r>
-            <a:r>
-              <a:rPr lang="en-US" sz="2800" b="1" dirty="0" err="1" smtClean="0">
+              <a:t>);</a:t>
+            </a:r>
+          </a:p>
+          <a:p>
+            <a:r>
+              <a:rPr lang="en-US" sz="2800" b="1" dirty="0">
                 <a:solidFill>
                   <a:schemeClr val="tx1"/>
                 </a:solidFill>
                 <a:latin typeface="Courier New" panose="02070309020205020404" pitchFamily="49" charset="0"/>
                 <a:cs typeface="Courier New" panose="02070309020205020404" pitchFamily="49" charset="0"/>
               </a:rPr>
-              <a:t>colorTexture</a:t>
-            </a:r>
-            <a:r>
-              <a:rPr lang="en-US" sz="2800" b="1" dirty="0">
-                <a:solidFill>
-                  <a:schemeClr val="tx1"/>
-                </a:solidFill>
-                <a:latin typeface="Courier New" panose="02070309020205020404" pitchFamily="49" charset="0"/>
-                <a:cs typeface="Courier New" panose="02070309020205020404" pitchFamily="49" charset="0"/>
-              </a:rPr>
-              <a:t>, </a:t>
-            </a:r>
-            <a:r>
-              <a:rPr lang="en-US" sz="2800" b="1" dirty="0" err="1">
-                <a:solidFill>
-                  <a:schemeClr val="tx1"/>
-                </a:solidFill>
-                <a:latin typeface="Courier New" panose="02070309020205020404" pitchFamily="49" charset="0"/>
-                <a:cs typeface="Courier New" panose="02070309020205020404" pitchFamily="49" charset="0"/>
-              </a:rPr>
-              <a:t>texCoord</a:t>
-            </a:r>
-            <a:r>
-              <a:rPr lang="en-US" sz="2800" b="1" dirty="0">
-                <a:solidFill>
-                  <a:schemeClr val="tx1"/>
-                </a:solidFill>
-                <a:latin typeface="Courier New" panose="02070309020205020404" pitchFamily="49" charset="0"/>
-                <a:cs typeface="Courier New" panose="02070309020205020404" pitchFamily="49" charset="0"/>
-              </a:rPr>
-              <a:t>);</a:t>
-            </a:r>
-          </a:p>
-          <a:p>
-            <a:r>
-              <a:rPr lang="en-US" sz="2800" b="1" dirty="0" smtClean="0">
-                <a:solidFill>
-                  <a:schemeClr val="tx1"/>
-                </a:solidFill>
-                <a:latin typeface="Courier New" panose="02070309020205020404" pitchFamily="49" charset="0"/>
-                <a:cs typeface="Courier New" panose="02070309020205020404" pitchFamily="49" charset="0"/>
-              </a:rPr>
               <a:t>}</a:t>
             </a:r>
-            <a:endParaRPr lang="en-US" sz="2800" b="1" dirty="0">
-              <a:solidFill>
-                <a:schemeClr val="tx1"/>
-              </a:solidFill>
-              <a:latin typeface="Courier New" panose="02070309020205020404" pitchFamily="49" charset="0"/>
-              <a:cs typeface="Courier New" panose="02070309020205020404" pitchFamily="49" charset="0"/>
-            </a:endParaRPr>
           </a:p>
         </p:txBody>
       </p:sp>
@@ -26948,13 +26309,6 @@
   <p:clrMapOvr>
     <a:masterClrMapping/>
   </p:clrMapOvr>
-  <p:timing>
-    <p:tnLst>
-      <p:par>
-        <p:cTn id="1" dur="indefinite" restart="never" nodeType="tmRoot"/>
-      </p:par>
-    </p:tnLst>
-  </p:timing>
 </p:sld>
 </file>
 
@@ -26991,10 +26345,9 @@
           <a:lstStyle/>
           <a:p>
             <a:r>
-              <a:rPr lang="en-US" dirty="0" smtClean="0"/>
+              <a:rPr lang="en-US" dirty="0"/>
               <a:t>Seamless tiling</a:t>
             </a:r>
-            <a:endParaRPr lang="en-US" dirty="0"/>
           </a:p>
         </p:txBody>
       </p:sp>
@@ -27016,24 +26369,20 @@
           <a:lstStyle/>
           <a:p>
             <a:r>
-              <a:rPr lang="en-US" dirty="0" smtClean="0"/>
+              <a:rPr lang="en-US" dirty="0"/>
               <a:t>use </a:t>
             </a:r>
             <a:r>
-              <a:rPr lang="en-US" sz="2400" dirty="0" smtClean="0">
+              <a:rPr lang="en-US" sz="2400" dirty="0">
                 <a:latin typeface="Consolas" panose="020B0609020204030204" pitchFamily="49" charset="0"/>
                 <a:cs typeface="Consolas" panose="020B0609020204030204" pitchFamily="49" charset="0"/>
               </a:rPr>
               <a:t>pattern.jpg</a:t>
             </a:r>
-            <a:endParaRPr lang="en-US" sz="2400" dirty="0">
-              <a:latin typeface="Consolas" panose="020B0609020204030204" pitchFamily="49" charset="0"/>
-              <a:cs typeface="Consolas" panose="020B0609020204030204" pitchFamily="49" charset="0"/>
-            </a:endParaRPr>
-          </a:p>
-          <a:p>
-            <a:r>
-              <a:rPr lang="en-US" dirty="0" smtClean="0"/>
+          </a:p>
+          <a:p>
+            <a:r>
+              <a:rPr lang="en-US" dirty="0"/>
               <a:t>set textures so that the image is repeated many times over the quad</a:t>
             </a:r>
           </a:p>
@@ -27062,7 +26411,7 @@
           <a:lstStyle/>
           <a:p>
             <a:r>
-              <a:rPr lang="en-US" sz="20000" dirty="0" smtClean="0">
+              <a:rPr lang="en-US" sz="20000" dirty="0">
                 <a:solidFill>
                   <a:srgbClr val="00B050"/>
                 </a:solidFill>
@@ -27070,12 +26419,6 @@
               </a:rPr>
               <a:t>!</a:t>
             </a:r>
-            <a:endParaRPr lang="en-US" sz="20000" dirty="0">
-              <a:solidFill>
-                <a:srgbClr val="00B050"/>
-              </a:solidFill>
-              <a:latin typeface="Whipsmart" panose="020B0502030203050204" pitchFamily="34" charset="0"/>
-            </a:endParaRPr>
           </a:p>
         </p:txBody>
       </p:sp>
@@ -27253,13 +26596,6 @@
   <p:clrMapOvr>
     <a:masterClrMapping/>
   </p:clrMapOvr>
-  <p:timing>
-    <p:tnLst>
-      <p:par>
-        <p:cTn id="1" dur="indefinite" restart="never" nodeType="tmRoot"/>
-      </p:par>
-    </p:tnLst>
-  </p:timing>
 </p:sld>
 </file>
 
@@ -27296,10 +26632,9 @@
           <a:lstStyle/>
           <a:p>
             <a:r>
-              <a:rPr lang="en-US" dirty="0" smtClean="0"/>
+              <a:rPr lang="en-US" dirty="0"/>
               <a:t>Sprite animation</a:t>
             </a:r>
-            <a:endParaRPr lang="en-US" dirty="0"/>
           </a:p>
         </p:txBody>
       </p:sp>
@@ -27321,23 +26656,19 @@
           <a:lstStyle/>
           <a:p>
             <a:r>
-              <a:rPr lang="en-US" dirty="0" smtClean="0"/>
+              <a:rPr lang="en-US" dirty="0"/>
               <a:t>use </a:t>
             </a:r>
             <a:r>
-              <a:rPr lang="en-US" sz="2400" dirty="0" smtClean="0">
+              <a:rPr lang="en-US" sz="2400" dirty="0">
                 <a:latin typeface="Consolas" panose="020B0609020204030204" pitchFamily="49" charset="0"/>
                 <a:cs typeface="Consolas" panose="020B0609020204030204" pitchFamily="49" charset="0"/>
               </a:rPr>
               <a:t>boom.png</a:t>
             </a:r>
-            <a:endParaRPr lang="en-US" sz="2400" dirty="0">
-              <a:latin typeface="Consolas" panose="020B0609020204030204" pitchFamily="49" charset="0"/>
-              <a:cs typeface="Consolas" panose="020B0609020204030204" pitchFamily="49" charset="0"/>
-            </a:endParaRPr>
-          </a:p>
-          <a:p>
-            <a:endParaRPr lang="en-US" dirty="0" smtClean="0"/>
+          </a:p>
+          <a:p>
+            <a:endParaRPr lang="en-US" dirty="0"/>
           </a:p>
           <a:p>
             <a:pPr marL="514350" indent="-514350">
@@ -27345,16 +26676,8 @@
               <a:buAutoNum type="arabicPeriod"/>
             </a:pPr>
             <a:r>
-              <a:rPr lang="en-US" dirty="0" smtClean="0"/>
-              <a:t>scale </a:t>
-            </a:r>
-            <a:r>
               <a:rPr lang="en-US" dirty="0"/>
-              <a:t>texture coordinates in </a:t>
-            </a:r>
-            <a:r>
-              <a:rPr lang="en-US" dirty="0" smtClean="0"/>
-              <a:t>vertex </a:t>
+              <a:t>scale texture coordinates in vertex </a:t>
             </a:r>
             <a:r>
               <a:rPr lang="en-US" dirty="0" err="1"/>
@@ -27389,19 +26712,14 @@
             <a:pPr lvl="1"/>
             <a:r>
               <a:rPr lang="en-US" dirty="0"/>
-              <a:t>it is better to do calculations on the JS side, and pass an offset that you just have to add to the texture coordinates before scaling them in the </a:t>
-            </a:r>
-            <a:r>
-              <a:rPr lang="en-US" dirty="0" smtClean="0"/>
-              <a:t>VS</a:t>
-            </a:r>
-            <a:endParaRPr lang="en-US" dirty="0"/>
+              <a:t>it is better to do calculations on the JS side, and pass an offset that you just have to add to the texture coordinates before scaling them in the VS</a:t>
+            </a:r>
           </a:p>
           <a:p>
             <a:pPr marL="0" indent="0">
               <a:buNone/>
             </a:pPr>
-            <a:endParaRPr lang="en-US" dirty="0" smtClean="0"/>
+            <a:endParaRPr lang="en-US" dirty="0"/>
           </a:p>
         </p:txBody>
       </p:sp>
@@ -27428,7 +26746,7 @@
           <a:lstStyle/>
           <a:p>
             <a:r>
-              <a:rPr lang="en-US" sz="20000" dirty="0" smtClean="0">
+              <a:rPr lang="en-US" sz="20000" dirty="0">
                 <a:solidFill>
                   <a:srgbClr val="0000FF"/>
                 </a:solidFill>
@@ -27436,12 +26754,6 @@
               </a:rPr>
               <a:t>!</a:t>
             </a:r>
-            <a:endParaRPr lang="en-US" sz="20000" dirty="0">
-              <a:solidFill>
-                <a:srgbClr val="0000FF"/>
-              </a:solidFill>
-              <a:latin typeface="Whipsmart" panose="020B0502030203050204" pitchFamily="34" charset="0"/>
-            </a:endParaRPr>
           </a:p>
         </p:txBody>
       </p:sp>
@@ -27485,13 +26797,6 @@
   <p:clrMapOvr>
     <a:masterClrMapping/>
   </p:clrMapOvr>
-  <p:timing>
-    <p:tnLst>
-      <p:par>
-        <p:cTn id="1" dur="indefinite" restart="never" nodeType="tmRoot"/>
-      </p:par>
-    </p:tnLst>
-  </p:timing>
 </p:sld>
 </file>
 
@@ -27528,10 +26833,9 @@
           <a:lstStyle/>
           <a:p>
             <a:r>
-              <a:rPr lang="en-US" dirty="0" smtClean="0"/>
+              <a:rPr lang="en-US" dirty="0"/>
               <a:t>Binding the texture to the sampler uniform</a:t>
             </a:r>
-            <a:endParaRPr lang="en-US" dirty="0"/>
           </a:p>
         </p:txBody>
       </p:sp>
@@ -27572,34 +26876,27 @@
           <a:lstStyle/>
           <a:p>
             <a:r>
-              <a:rPr lang="hu-HU" sz="2800" b="1" dirty="0" smtClean="0">
+              <a:rPr lang="hu-HU" sz="2800" b="1" dirty="0">
                 <a:latin typeface="Courier New" panose="02070309020205020404" pitchFamily="49" charset="0"/>
                 <a:cs typeface="Courier New" panose="02070309020205020404" pitchFamily="49" charset="0"/>
               </a:rPr>
               <a:t>const </a:t>
             </a:r>
             <a:r>
-              <a:rPr lang="en-US" sz="2800" b="1" dirty="0" err="1" smtClean="0">
+              <a:rPr lang="en-US" sz="2800" b="1" dirty="0" err="1">
                 <a:latin typeface="Courier New" panose="02070309020205020404" pitchFamily="49" charset="0"/>
                 <a:cs typeface="Courier New" panose="02070309020205020404" pitchFamily="49" charset="0"/>
               </a:rPr>
               <a:t>samplerLocation</a:t>
-            </a:r>
-            <a:r>
-              <a:rPr lang="en-US" sz="2800" b="1" dirty="0" smtClean="0">
-                <a:latin typeface="Courier New" panose="02070309020205020404" pitchFamily="49" charset="0"/>
-                <a:cs typeface="Courier New" panose="02070309020205020404" pitchFamily="49" charset="0"/>
-              </a:rPr>
-              <a:t> </a:t>
             </a:r>
             <a:r>
               <a:rPr lang="en-US" sz="2800" b="1" dirty="0">
                 <a:latin typeface="Courier New" panose="02070309020205020404" pitchFamily="49" charset="0"/>
                 <a:cs typeface="Courier New" panose="02070309020205020404" pitchFamily="49" charset="0"/>
               </a:rPr>
-              <a:t>= </a:t>
-            </a:r>
-            <a:endParaRPr lang="hu-HU" sz="2800" b="1" dirty="0" smtClean="0">
+              <a:t> = </a:t>
+            </a:r>
+            <a:endParaRPr lang="hu-HU" sz="2800" b="1" dirty="0">
               <a:latin typeface="Courier New" panose="02070309020205020404" pitchFamily="49" charset="0"/>
               <a:cs typeface="Courier New" panose="02070309020205020404" pitchFamily="49" charset="0"/>
             </a:endParaRPr>
@@ -27610,30 +26907,23 @@
                 <a:latin typeface="Courier New" panose="02070309020205020404" pitchFamily="49" charset="0"/>
                 <a:cs typeface="Courier New" panose="02070309020205020404" pitchFamily="49" charset="0"/>
               </a:rPr>
-              <a:t> </a:t>
-            </a:r>
-            <a:r>
-              <a:rPr lang="hu-HU" sz="2800" b="1" dirty="0" smtClean="0">
+              <a:t>  </a:t>
+            </a:r>
+            <a:r>
+              <a:rPr lang="en-US" sz="2800" b="1" dirty="0" err="1">
                 <a:latin typeface="Courier New" panose="02070309020205020404" pitchFamily="49" charset="0"/>
                 <a:cs typeface="Courier New" panose="02070309020205020404" pitchFamily="49" charset="0"/>
               </a:rPr>
-              <a:t> </a:t>
-            </a:r>
-            <a:r>
-              <a:rPr lang="en-US" sz="2800" b="1" dirty="0" err="1" smtClean="0">
+              <a:t>gl.getUniformLocation</a:t>
+            </a:r>
+            <a:r>
+              <a:rPr lang="en-US" sz="2800" b="1" dirty="0">
                 <a:latin typeface="Courier New" panose="02070309020205020404" pitchFamily="49" charset="0"/>
                 <a:cs typeface="Courier New" panose="02070309020205020404" pitchFamily="49" charset="0"/>
               </a:rPr>
-              <a:t>gl.getUniformLocation</a:t>
-            </a:r>
-            <a:r>
-              <a:rPr lang="en-US" sz="2800" b="1" dirty="0" smtClean="0">
-                <a:latin typeface="Courier New" panose="02070309020205020404" pitchFamily="49" charset="0"/>
-                <a:cs typeface="Courier New" panose="02070309020205020404" pitchFamily="49" charset="0"/>
-              </a:rPr>
               <a:t>(</a:t>
             </a:r>
-            <a:endParaRPr lang="hu-HU" sz="2800" b="1" dirty="0" smtClean="0">
+            <a:endParaRPr lang="hu-HU" sz="2800" b="1" dirty="0">
               <a:latin typeface="Courier New" panose="02070309020205020404" pitchFamily="49" charset="0"/>
               <a:cs typeface="Courier New" panose="02070309020205020404" pitchFamily="49" charset="0"/>
             </a:endParaRPr>
@@ -27644,35 +26934,21 @@
                 <a:latin typeface="Courier New" panose="02070309020205020404" pitchFamily="49" charset="0"/>
                 <a:cs typeface="Courier New" panose="02070309020205020404" pitchFamily="49" charset="0"/>
               </a:rPr>
-              <a:t> </a:t>
-            </a:r>
-            <a:r>
-              <a:rPr lang="hu-HU" sz="2800" b="1" dirty="0" smtClean="0">
+              <a:t>    </a:t>
+            </a:r>
+            <a:r>
+              <a:rPr lang="hu-HU" sz="2800" b="1" dirty="0" err="1">
                 <a:latin typeface="Courier New" panose="02070309020205020404" pitchFamily="49" charset="0"/>
                 <a:cs typeface="Courier New" panose="02070309020205020404" pitchFamily="49" charset="0"/>
               </a:rPr>
-              <a:t>   </a:t>
-            </a:r>
-            <a:r>
-              <a:rPr lang="hu-HU" sz="2800" b="1" dirty="0" err="1" smtClean="0">
-                <a:latin typeface="Courier New" panose="02070309020205020404" pitchFamily="49" charset="0"/>
-                <a:cs typeface="Courier New" panose="02070309020205020404" pitchFamily="49" charset="0"/>
-              </a:rPr>
               <a:t>glTexturing</a:t>
-            </a:r>
-            <a:r>
-              <a:rPr lang="en-US" sz="2800" b="1" dirty="0" smtClean="0">
-                <a:latin typeface="Courier New" panose="02070309020205020404" pitchFamily="49" charset="0"/>
-                <a:cs typeface="Courier New" panose="02070309020205020404" pitchFamily="49" charset="0"/>
-              </a:rPr>
-              <a:t>Program</a:t>
             </a:r>
             <a:r>
               <a:rPr lang="en-US" sz="2800" b="1" dirty="0">
                 <a:latin typeface="Courier New" panose="02070309020205020404" pitchFamily="49" charset="0"/>
                 <a:cs typeface="Courier New" panose="02070309020205020404" pitchFamily="49" charset="0"/>
               </a:rPr>
-              <a:t>, '</a:t>
+              <a:t>Program, '</a:t>
             </a:r>
             <a:r>
               <a:rPr lang="en-US" sz="2800" b="1" dirty="0" err="1">
@@ -27682,57 +26958,57 @@
               <a:t>colorTexture</a:t>
             </a:r>
             <a:r>
-              <a:rPr lang="en-US" sz="2800" b="1" dirty="0" smtClean="0">
+              <a:rPr lang="en-US" sz="2800" b="1" dirty="0">
                 <a:latin typeface="Courier New" panose="02070309020205020404" pitchFamily="49" charset="0"/>
                 <a:cs typeface="Courier New" panose="02070309020205020404" pitchFamily="49" charset="0"/>
               </a:rPr>
               <a:t>');</a:t>
             </a:r>
-            <a:endParaRPr lang="hu-HU" sz="2800" b="1" dirty="0" smtClean="0">
+            <a:endParaRPr lang="hu-HU" sz="2800" b="1" dirty="0">
               <a:latin typeface="Courier New" panose="02070309020205020404" pitchFamily="49" charset="0"/>
               <a:cs typeface="Courier New" panose="02070309020205020404" pitchFamily="49" charset="0"/>
             </a:endParaRPr>
           </a:p>
           <a:p>
             <a:r>
-              <a:rPr lang="en-US" sz="2800" b="1" dirty="0" smtClean="0">
-                <a:latin typeface="Courier New" panose="02070309020205020404" pitchFamily="49" charset="0"/>
-                <a:cs typeface="Courier New" panose="02070309020205020404" pitchFamily="49" charset="0"/>
-              </a:rPr>
-              <a:t>gl.uniform1i(</a:t>
-            </a:r>
-            <a:r>
-              <a:rPr lang="en-US" sz="2800" b="1" dirty="0" err="1" smtClean="0">
-                <a:latin typeface="Courier New" panose="02070309020205020404" pitchFamily="49" charset="0"/>
-                <a:cs typeface="Courier New" panose="02070309020205020404" pitchFamily="49" charset="0"/>
-              </a:rPr>
-              <a:t>samplerLocation</a:t>
-            </a:r>
-            <a:r>
               <a:rPr lang="en-US" sz="2800" b="1" dirty="0">
                 <a:latin typeface="Courier New" panose="02070309020205020404" pitchFamily="49" charset="0"/>
                 <a:cs typeface="Courier New" panose="02070309020205020404" pitchFamily="49" charset="0"/>
               </a:rPr>
-              <a:t>, </a:t>
-            </a:r>
-            <a:r>
-              <a:rPr lang="en-US" sz="2800" b="1" dirty="0">
-                <a:solidFill>
-                  <a:srgbClr val="0000FF"/>
-                </a:solidFill>
+              <a:t>gl.uniform1i(</a:t>
+            </a:r>
+            <a:r>
+              <a:rPr lang="en-US" sz="2800" b="1" dirty="0" err="1">
                 <a:latin typeface="Courier New" panose="02070309020205020404" pitchFamily="49" charset="0"/>
                 <a:cs typeface="Courier New" panose="02070309020205020404" pitchFamily="49" charset="0"/>
               </a:rPr>
-              <a:t>0</a:t>
-            </a:r>
-            <a:r>
-              <a:rPr lang="en-US" sz="2800" b="1" dirty="0" smtClean="0">
+              <a:t>samplerLocation</a:t>
+            </a:r>
+            <a:r>
+              <a:rPr lang="en-US" sz="2800" b="1" dirty="0">
                 <a:latin typeface="Courier New" panose="02070309020205020404" pitchFamily="49" charset="0"/>
                 <a:cs typeface="Courier New" panose="02070309020205020404" pitchFamily="49" charset="0"/>
               </a:rPr>
+              <a:t>, </a:t>
+            </a:r>
+            <a:r>
+              <a:rPr lang="en-US" sz="2800" b="1" dirty="0">
+                <a:solidFill>
+                  <a:srgbClr val="0000FF"/>
+                </a:solidFill>
+                <a:latin typeface="Courier New" panose="02070309020205020404" pitchFamily="49" charset="0"/>
+                <a:cs typeface="Courier New" panose="02070309020205020404" pitchFamily="49" charset="0"/>
+              </a:rPr>
+              <a:t>0</a:t>
+            </a:r>
+            <a:r>
+              <a:rPr lang="en-US" sz="2800" b="1" dirty="0">
+                <a:latin typeface="Courier New" panose="02070309020205020404" pitchFamily="49" charset="0"/>
+                <a:cs typeface="Courier New" panose="02070309020205020404" pitchFamily="49" charset="0"/>
+              </a:rPr>
               <a:t>);</a:t>
             </a:r>
-            <a:endParaRPr lang="hu-HU" sz="2800" b="1" dirty="0" smtClean="0">
+            <a:endParaRPr lang="hu-HU" sz="2800" b="1" dirty="0">
               <a:latin typeface="Courier New" panose="02070309020205020404" pitchFamily="49" charset="0"/>
               <a:cs typeface="Courier New" panose="02070309020205020404" pitchFamily="49" charset="0"/>
             </a:endParaRPr>
@@ -27745,47 +27021,47 @@
           </a:p>
           <a:p>
             <a:r>
-              <a:rPr lang="en-US" sz="2800" b="1" dirty="0" err="1" smtClean="0">
+              <a:rPr lang="en-US" sz="2800" b="1" dirty="0" err="1">
                 <a:latin typeface="Courier New" panose="02070309020205020404" pitchFamily="49" charset="0"/>
                 <a:cs typeface="Courier New" panose="02070309020205020404" pitchFamily="49" charset="0"/>
               </a:rPr>
               <a:t>gl.activeTexture</a:t>
-            </a:r>
-            <a:r>
-              <a:rPr lang="en-US" sz="2800" b="1" dirty="0" smtClean="0">
-                <a:latin typeface="Courier New" panose="02070309020205020404" pitchFamily="49" charset="0"/>
-                <a:cs typeface="Courier New" panose="02070309020205020404" pitchFamily="49" charset="0"/>
-              </a:rPr>
-              <a:t>(gl.TEXTURE</a:t>
-            </a:r>
-            <a:r>
-              <a:rPr lang="en-US" sz="2800" b="1" dirty="0" smtClean="0">
-                <a:solidFill>
-                  <a:srgbClr val="0000FF"/>
-                </a:solidFill>
-                <a:latin typeface="Courier New" panose="02070309020205020404" pitchFamily="49" charset="0"/>
-                <a:cs typeface="Courier New" panose="02070309020205020404" pitchFamily="49" charset="0"/>
-              </a:rPr>
-              <a:t>0</a:t>
             </a:r>
             <a:r>
               <a:rPr lang="en-US" sz="2800" b="1" dirty="0">
                 <a:latin typeface="Courier New" panose="02070309020205020404" pitchFamily="49" charset="0"/>
                 <a:cs typeface="Courier New" panose="02070309020205020404" pitchFamily="49" charset="0"/>
               </a:rPr>
-              <a:t>);</a:t>
-            </a:r>
-          </a:p>
-          <a:p>
-            <a:r>
-              <a:rPr lang="en-US" sz="2800" b="1" dirty="0" err="1" smtClean="0">
+              <a:t>(gl.TEXTURE</a:t>
+            </a:r>
+            <a:r>
+              <a:rPr lang="en-US" sz="2800" b="1" dirty="0">
+                <a:solidFill>
+                  <a:srgbClr val="0000FF"/>
+                </a:solidFill>
                 <a:latin typeface="Courier New" panose="02070309020205020404" pitchFamily="49" charset="0"/>
                 <a:cs typeface="Courier New" panose="02070309020205020404" pitchFamily="49" charset="0"/>
               </a:rPr>
+              <a:t>0</a:t>
+            </a:r>
+            <a:r>
+              <a:rPr lang="en-US" sz="2800" b="1" dirty="0">
+                <a:latin typeface="Courier New" panose="02070309020205020404" pitchFamily="49" charset="0"/>
+                <a:cs typeface="Courier New" panose="02070309020205020404" pitchFamily="49" charset="0"/>
+              </a:rPr>
+              <a:t>);</a:t>
+            </a:r>
+          </a:p>
+          <a:p>
+            <a:r>
+              <a:rPr lang="en-US" sz="2800" b="1" dirty="0" err="1">
+                <a:latin typeface="Courier New" panose="02070309020205020404" pitchFamily="49" charset="0"/>
+                <a:cs typeface="Courier New" panose="02070309020205020404" pitchFamily="49" charset="0"/>
+              </a:rPr>
               <a:t>gl.bindTexture</a:t>
             </a:r>
             <a:r>
-              <a:rPr lang="en-US" sz="2800" b="1" dirty="0" smtClean="0">
+              <a:rPr lang="en-US" sz="2800" b="1" dirty="0">
                 <a:latin typeface="Courier New" panose="02070309020205020404" pitchFamily="49" charset="0"/>
                 <a:cs typeface="Courier New" panose="02070309020205020404" pitchFamily="49" charset="0"/>
               </a:rPr>
@@ -27799,7 +27075,7 @@
               <a:t> </a:t>
             </a:r>
             <a:r>
-              <a:rPr lang="en-US" sz="2800" b="1" dirty="0" err="1" smtClean="0">
+              <a:rPr lang="en-US" sz="2800" b="1" dirty="0" err="1">
                 <a:latin typeface="Courier New" panose="02070309020205020404" pitchFamily="49" charset="0"/>
                 <a:cs typeface="Courier New" panose="02070309020205020404" pitchFamily="49" charset="0"/>
               </a:rPr>
@@ -27976,18 +27252,14 @@
             </a:r>
             <a:r>
               <a:rPr lang="en-US" sz="3600" dirty="0"/>
-              <a:t>&gt; pixel </a:t>
-            </a:r>
-            <a:r>
-              <a:rPr lang="en-US" sz="3600" dirty="0" smtClean="0"/>
-              <a:t>(</a:t>
-            </a:r>
-            <a:r>
-              <a:rPr lang="hu-HU" sz="3600" dirty="0" smtClean="0"/>
+              <a:t>&gt; pixel (</a:t>
+            </a:r>
+            <a:r>
+              <a:rPr lang="hu-HU" sz="3600" dirty="0"/>
               <a:t>magnification</a:t>
             </a:r>
             <a:r>
-              <a:rPr lang="en-US" sz="3600" dirty="0" smtClean="0"/>
+              <a:rPr lang="en-US" sz="3600" dirty="0"/>
               <a:t>)</a:t>
             </a:r>
             <a:endParaRPr lang="hu-HU" sz="3600" dirty="0"/>
@@ -27995,11 +27267,11 @@
           <a:p>
             <a:pPr lvl="1"/>
             <a:r>
-              <a:rPr lang="en-US" sz="3200" dirty="0" err="1" smtClean="0"/>
+              <a:rPr lang="en-US" sz="3200" dirty="0" err="1"/>
               <a:t>texel</a:t>
             </a:r>
             <a:r>
-              <a:rPr lang="en-US" sz="3200" dirty="0" smtClean="0"/>
+              <a:rPr lang="en-US" sz="3200" dirty="0"/>
               <a:t> values are samples of a continuous function</a:t>
             </a:r>
             <a:endParaRPr lang="hu-HU" sz="3200" dirty="0"/>
@@ -28014,15 +27286,15 @@
           <a:p>
             <a:pPr lvl="2"/>
             <a:r>
-              <a:rPr lang="en-US" sz="2800" dirty="0" smtClean="0"/>
+              <a:rPr lang="en-US" sz="2800" dirty="0"/>
               <a:t>use the </a:t>
             </a:r>
             <a:r>
-              <a:rPr lang="en-US" sz="2800" dirty="0" err="1" smtClean="0"/>
+              <a:rPr lang="en-US" sz="2800" dirty="0" err="1"/>
               <a:t>texel</a:t>
             </a:r>
             <a:r>
-              <a:rPr lang="en-US" sz="2800" dirty="0" smtClean="0"/>
+              <a:rPr lang="en-US" sz="2800" dirty="0"/>
               <a:t> in which the pixel center is</a:t>
             </a:r>
             <a:endParaRPr lang="hu-HU" sz="2800" dirty="0"/>
@@ -28030,11 +27302,11 @@
           <a:p>
             <a:pPr lvl="1"/>
             <a:r>
-              <a:rPr lang="hu-HU" sz="3200" dirty="0" smtClean="0"/>
+              <a:rPr lang="hu-HU" sz="3200" dirty="0"/>
               <a:t>biline</a:t>
             </a:r>
             <a:r>
-              <a:rPr lang="en-US" sz="3200" dirty="0" err="1" smtClean="0"/>
+              <a:rPr lang="en-US" sz="3200" dirty="0" err="1"/>
               <a:t>ar</a:t>
             </a:r>
             <a:endParaRPr lang="hu-HU" sz="3200" dirty="0"/>
@@ -28042,7 +27314,7 @@
           <a:p>
             <a:pPr lvl="2"/>
             <a:r>
-              <a:rPr lang="en-US" sz="2800" dirty="0" smtClean="0"/>
+              <a:rPr lang="en-US" sz="2800" dirty="0"/>
               <a:t>interpolate between nearest four</a:t>
             </a:r>
             <a:endParaRPr lang="hu-HU" sz="2800" dirty="0"/>
@@ -28050,18 +27322,17 @@
           <a:p>
             <a:pPr lvl="2"/>
             <a:r>
-              <a:rPr lang="en-US" sz="2800" dirty="0" smtClean="0"/>
+              <a:rPr lang="en-US" sz="2800" dirty="0"/>
               <a:t>smears </a:t>
             </a:r>
             <a:r>
-              <a:rPr lang="en-US" sz="2800" dirty="0" err="1" smtClean="0"/>
+              <a:rPr lang="en-US" sz="2800" dirty="0" err="1"/>
               <a:t>texel</a:t>
             </a:r>
             <a:r>
-              <a:rPr lang="en-US" sz="2800" dirty="0" smtClean="0"/>
+              <a:rPr lang="en-US" sz="2800" dirty="0"/>
               <a:t> edges</a:t>
             </a:r>
-            <a:endParaRPr lang="en-US" sz="2800" dirty="0"/>
           </a:p>
         </p:txBody>
       </p:sp>
@@ -28075,13 +27346,6 @@
   <p:clrMapOvr>
     <a:masterClrMapping/>
   </p:clrMapOvr>
-  <p:timing>
-    <p:tnLst>
-      <p:par>
-        <p:cTn id="1" dur="indefinite" restart="never" nodeType="tmRoot"/>
-      </p:par>
-    </p:tnLst>
-  </p:timing>
 </p:sld>
 </file>
 
@@ -28151,34 +27415,29 @@
             </a:r>
             <a:r>
               <a:rPr lang="hu-HU" sz="3200" dirty="0"/>
-              <a:t> </a:t>
-            </a:r>
-            <a:r>
-              <a:rPr lang="hu-HU" sz="3200" dirty="0" smtClean="0"/>
-              <a:t>(</a:t>
-            </a:r>
-            <a:r>
-              <a:rPr lang="en-US" sz="3200" dirty="0" smtClean="0"/>
+              <a:t> (</a:t>
+            </a:r>
+            <a:r>
+              <a:rPr lang="en-US" sz="3200" dirty="0"/>
               <a:t>far away surface</a:t>
             </a:r>
             <a:r>
-              <a:rPr lang="hu-HU" sz="3200" dirty="0" smtClean="0"/>
+              <a:rPr lang="hu-HU" sz="3200" dirty="0"/>
               <a:t>)</a:t>
             </a:r>
-            <a:endParaRPr lang="hu-HU" sz="3200" dirty="0"/>
           </a:p>
           <a:p>
             <a:pPr lvl="1"/>
             <a:r>
-              <a:rPr lang="en-US" sz="2800" dirty="0" smtClean="0"/>
+              <a:rPr lang="en-US" sz="2800" dirty="0"/>
               <a:t>a lot of </a:t>
             </a:r>
             <a:r>
-              <a:rPr lang="en-US" sz="2800" dirty="0" err="1" smtClean="0"/>
+              <a:rPr lang="en-US" sz="2800" dirty="0" err="1"/>
               <a:t>texels</a:t>
             </a:r>
             <a:r>
-              <a:rPr lang="en-US" sz="2800" dirty="0" smtClean="0"/>
+              <a:rPr lang="en-US" sz="2800" dirty="0"/>
               <a:t> fall in one pixel, value should be averaged</a:t>
             </a:r>
             <a:endParaRPr lang="hu-HU" sz="2800" dirty="0"/>
@@ -28186,23 +27445,23 @@
           <a:p>
             <a:pPr lvl="1"/>
             <a:r>
-              <a:rPr lang="en-US" sz="2800" dirty="0" smtClean="0"/>
+              <a:rPr lang="en-US" sz="2800" dirty="0"/>
               <a:t>should be take the </a:t>
             </a:r>
             <a:r>
-              <a:rPr lang="en-US" sz="2800" dirty="0" err="1" smtClean="0"/>
+              <a:rPr lang="en-US" sz="2800" dirty="0" err="1"/>
               <a:t>texel</a:t>
             </a:r>
             <a:r>
-              <a:rPr lang="en-US" sz="2800" dirty="0" smtClean="0"/>
+              <a:rPr lang="en-US" sz="2800" dirty="0"/>
               <a:t> at the pixel </a:t>
             </a:r>
             <a:r>
-              <a:rPr lang="en-US" sz="2800" dirty="0" err="1" smtClean="0"/>
+              <a:rPr lang="en-US" sz="2800" dirty="0" err="1"/>
               <a:t>centre</a:t>
             </a:r>
             <a:r>
-              <a:rPr lang="en-US" sz="2800" dirty="0" smtClean="0"/>
+              <a:rPr lang="en-US" sz="2800" dirty="0"/>
               <a:t>, we would essentially pick on random</a:t>
             </a:r>
             <a:endParaRPr lang="hu-HU" sz="2800" dirty="0"/>
@@ -28210,7 +27469,7 @@
           <a:p>
             <a:pPr lvl="1"/>
             <a:r>
-              <a:rPr lang="en-US" sz="2800" dirty="0" smtClean="0"/>
+              <a:rPr lang="en-US" sz="2800" dirty="0"/>
               <a:t>random pick changes with camera movement</a:t>
             </a:r>
             <a:endParaRPr lang="hu-HU" sz="2800" dirty="0"/>
@@ -28218,7 +27477,7 @@
           <a:p>
             <a:pPr lvl="1"/>
             <a:r>
-              <a:rPr lang="en-US" sz="2800" dirty="0" smtClean="0"/>
+              <a:rPr lang="en-US" sz="2800" dirty="0"/>
               <a:t>solution</a:t>
             </a:r>
             <a:endParaRPr lang="hu-HU" sz="2800" dirty="0"/>
@@ -28226,11 +27485,11 @@
           <a:p>
             <a:pPr lvl="2"/>
             <a:r>
-              <a:rPr lang="en-US" sz="2400" dirty="0" smtClean="0"/>
+              <a:rPr lang="en-US" sz="2400" dirty="0"/>
               <a:t>precompute averages: </a:t>
             </a:r>
             <a:r>
-              <a:rPr lang="en-US" sz="2400" dirty="0" err="1" smtClean="0"/>
+              <a:rPr lang="en-US" sz="2400" dirty="0" err="1"/>
               <a:t>mipmaps</a:t>
             </a:r>
             <a:endParaRPr lang="hu-HU" sz="2400" dirty="0"/>
@@ -28250,13 +27509,6 @@
   <p:clrMapOvr>
     <a:masterClrMapping/>
   </p:clrMapOvr>
-  <p:timing>
-    <p:tnLst>
-      <p:par>
-        <p:cTn id="1" dur="indefinite" restart="never" nodeType="tmRoot"/>
-      </p:par>
-    </p:tnLst>
-  </p:timing>
 </p:sld>
 </file>
 
@@ -29601,10 +28853,9 @@
           <a:lstStyle/>
           <a:p>
             <a:r>
-              <a:rPr lang="en-US" dirty="0" smtClean="0"/>
+              <a:rPr lang="en-US" dirty="0"/>
               <a:t>Magnification without filtering</a:t>
             </a:r>
-            <a:endParaRPr lang="en-US" dirty="0"/>
           </a:p>
         </p:txBody>
       </p:sp>
@@ -29650,13 +28901,6 @@
   <p:clrMapOvr>
     <a:masterClrMapping/>
   </p:clrMapOvr>
-  <p:timing>
-    <p:tnLst>
-      <p:par>
-        <p:cTn id="1" dur="indefinite" restart="never" nodeType="tmRoot"/>
-      </p:par>
-    </p:tnLst>
-  </p:timing>
 </p:sld>
 </file>
 
